--- a/_book/plot/unnamed-chunk-72-1.pptx
+++ b/_book/plot/unnamed-chunk-72-1.pptx
@@ -3218,7 +3218,7 @@
           </p:nvSpPr>
           <p:spPr>
             <a:xfrm>
-              <a:off x="3248781" y="1590617"/>
+              <a:off x="2977388" y="1590617"/>
               <a:ext cx="0" cy="4048310"/>
             </a:xfrm>
             <a:custGeom>
@@ -3261,7 +3261,7 @@
           </p:nvSpPr>
           <p:spPr>
             <a:xfrm>
-              <a:off x="5699245" y="1590617"/>
+              <a:off x="4885067" y="1590617"/>
               <a:ext cx="0" cy="4048310"/>
             </a:xfrm>
             <a:custGeom>
@@ -3304,7 +3304,7 @@
           </p:nvSpPr>
           <p:spPr>
             <a:xfrm>
-              <a:off x="8149709" y="1590617"/>
+              <a:off x="6792746" y="1590617"/>
               <a:ext cx="0" cy="4048310"/>
             </a:xfrm>
             <a:custGeom>
@@ -3347,26 +3347,26 @@
           </p:nvSpPr>
           <p:spPr>
             <a:xfrm>
-              <a:off x="2023549" y="5342710"/>
-              <a:ext cx="6913543" cy="0"/>
+              <a:off x="8700425" y="1590617"/>
+              <a:ext cx="0" cy="4048310"/>
             </a:xfrm>
             <a:custGeom>
               <a:avLst/>
               <a:pathLst>
-                <a:path w="6913543" h="0">
+                <a:path w="0" h="4048310">
                   <a:moveTo>
-                    <a:pt x="0" y="0"/>
+                    <a:pt x="0" y="4048310"/>
                   </a:moveTo>
                   <a:lnTo>
-                    <a:pt x="6913543" y="0"/>
+                    <a:pt x="0" y="0"/>
                   </a:lnTo>
                   <a:lnTo>
-                    <a:pt x="6913543" y="0"/>
+                    <a:pt x="0" y="0"/>
                   </a:lnTo>
                 </a:path>
               </a:pathLst>
             </a:custGeom>
-            <a:ln w="6775" cap="flat">
+            <a:ln w="3387" cap="flat">
               <a:solidFill>
                 <a:srgbClr val="DEDEDE">
                   <a:alpha val="100000"/>
@@ -3390,7 +3390,7 @@
           </p:nvSpPr>
           <p:spPr>
             <a:xfrm>
-              <a:off x="2023549" y="4849013"/>
+              <a:off x="2023549" y="5247155"/>
               <a:ext cx="6913543" cy="0"/>
             </a:xfrm>
             <a:custGeom>
@@ -3433,7 +3433,7 @@
           </p:nvSpPr>
           <p:spPr>
             <a:xfrm>
-              <a:off x="2023549" y="4355317"/>
+              <a:off x="2023549" y="4594202"/>
               <a:ext cx="6913543" cy="0"/>
             </a:xfrm>
             <a:custGeom>
@@ -3476,7 +3476,7 @@
           </p:nvSpPr>
           <p:spPr>
             <a:xfrm>
-              <a:off x="2023549" y="3861620"/>
+              <a:off x="2023549" y="3941249"/>
               <a:ext cx="6913543" cy="0"/>
             </a:xfrm>
             <a:custGeom>
@@ -3519,7 +3519,7 @@
           </p:nvSpPr>
           <p:spPr>
             <a:xfrm>
-              <a:off x="2023549" y="3367924"/>
+              <a:off x="2023549" y="3288295"/>
               <a:ext cx="6913543" cy="0"/>
             </a:xfrm>
             <a:custGeom>
@@ -3562,7 +3562,7 @@
           </p:nvSpPr>
           <p:spPr>
             <a:xfrm>
-              <a:off x="2023549" y="2874227"/>
+              <a:off x="2023549" y="2635342"/>
               <a:ext cx="6913543" cy="0"/>
             </a:xfrm>
             <a:custGeom>
@@ -3605,7 +3605,7 @@
           </p:nvSpPr>
           <p:spPr>
             <a:xfrm>
-              <a:off x="2023549" y="2380531"/>
+              <a:off x="2023549" y="1982389"/>
               <a:ext cx="6913543" cy="0"/>
             </a:xfrm>
             <a:custGeom>
@@ -3648,21 +3648,21 @@
           </p:nvSpPr>
           <p:spPr>
             <a:xfrm>
-              <a:off x="2023549" y="1886835"/>
-              <a:ext cx="6913543" cy="0"/>
+              <a:off x="2023549" y="1590617"/>
+              <a:ext cx="0" cy="4048310"/>
             </a:xfrm>
             <a:custGeom>
               <a:avLst/>
               <a:pathLst>
-                <a:path w="6913543" h="0">
+                <a:path w="0" h="4048310">
                   <a:moveTo>
-                    <a:pt x="0" y="0"/>
+                    <a:pt x="0" y="4048310"/>
                   </a:moveTo>
                   <a:lnTo>
-                    <a:pt x="6913543" y="0"/>
+                    <a:pt x="0" y="0"/>
                   </a:lnTo>
                   <a:lnTo>
-                    <a:pt x="6913543" y="0"/>
+                    <a:pt x="0" y="0"/>
                   </a:lnTo>
                 </a:path>
               </a:pathLst>
@@ -3691,7 +3691,7 @@
           </p:nvSpPr>
           <p:spPr>
             <a:xfrm>
-              <a:off x="2023549" y="1590617"/>
+              <a:off x="3931228" y="1590617"/>
               <a:ext cx="0" cy="4048310"/>
             </a:xfrm>
             <a:custGeom>
@@ -3734,7 +3734,7 @@
           </p:nvSpPr>
           <p:spPr>
             <a:xfrm>
-              <a:off x="4474013" y="1590617"/>
+              <a:off x="5838907" y="1590617"/>
               <a:ext cx="0" cy="4048310"/>
             </a:xfrm>
             <a:custGeom>
@@ -3777,7 +3777,7 @@
           </p:nvSpPr>
           <p:spPr>
             <a:xfrm>
-              <a:off x="6924477" y="1590617"/>
+              <a:off x="7746586" y="1590617"/>
               <a:ext cx="0" cy="4048310"/>
             </a:xfrm>
             <a:custGeom>
@@ -3820,8 +3820,8 @@
           </p:nvSpPr>
           <p:spPr>
             <a:xfrm>
-              <a:off x="2023549" y="1664671"/>
-              <a:ext cx="6777983" cy="444326"/>
+              <a:off x="2023549" y="1688560"/>
+              <a:ext cx="6777983" cy="587658"/>
             </a:xfrm>
             <a:prstGeom prst="rect">
               <a:avLst/>
@@ -3846,8 +3846,8 @@
           </p:nvSpPr>
           <p:spPr>
             <a:xfrm>
-              <a:off x="2023549" y="2158368"/>
-              <a:ext cx="5165578" cy="444326"/>
+              <a:off x="2023549" y="2341513"/>
+              <a:ext cx="5856574" cy="587658"/>
             </a:xfrm>
             <a:prstGeom prst="rect">
               <a:avLst/>
@@ -3872,8 +3872,8 @@
           </p:nvSpPr>
           <p:spPr>
             <a:xfrm>
-              <a:off x="2023549" y="2652064"/>
-              <a:ext cx="3832525" cy="444326"/>
+              <a:off x="2023549" y="2994466"/>
+              <a:ext cx="4210247" cy="587658"/>
             </a:xfrm>
             <a:prstGeom prst="rect">
               <a:avLst/>
@@ -3898,8 +3898,8 @@
           </p:nvSpPr>
           <p:spPr>
             <a:xfrm>
-              <a:off x="2023549" y="3145760"/>
-              <a:ext cx="2818033" cy="444326"/>
+              <a:off x="2023549" y="3647420"/>
+              <a:ext cx="4002310" cy="587658"/>
             </a:xfrm>
             <a:prstGeom prst="rect">
               <a:avLst/>
@@ -3924,8 +3924,8 @@
           </p:nvSpPr>
           <p:spPr>
             <a:xfrm>
-              <a:off x="2023549" y="3639457"/>
-              <a:ext cx="2283832" cy="444326"/>
+              <a:off x="2023549" y="4300373"/>
+              <a:ext cx="1577650" cy="587658"/>
             </a:xfrm>
             <a:prstGeom prst="rect">
               <a:avLst/>
@@ -3950,8 +3950,8 @@
           </p:nvSpPr>
           <p:spPr>
             <a:xfrm>
-              <a:off x="2023549" y="4133153"/>
-              <a:ext cx="1930965" cy="444326"/>
+              <a:off x="2023549" y="4953326"/>
+              <a:ext cx="120183" cy="587658"/>
             </a:xfrm>
             <a:prstGeom prst="rect">
               <a:avLst/>
@@ -3970,65 +3970,59 @@
         </p:sp>
         <p:sp>
           <p:nvSpPr>
-            <p:cNvPr id="26" name="rc26"/>
+            <p:cNvPr id="26" name="tx26"/>
             <p:cNvSpPr/>
             <p:nvPr/>
           </p:nvSpPr>
           <p:spPr>
             <a:xfrm>
-              <a:off x="2023549" y="4626850"/>
-              <a:ext cx="1779036" cy="444326"/>
+              <a:off x="8198450" y="1925423"/>
+              <a:ext cx="436637" cy="80245"/>
             </a:xfrm>
             <a:prstGeom prst="rect">
               <a:avLst/>
             </a:prstGeom>
-            <a:solidFill>
-              <a:srgbClr val="595959">
-                <a:alpha val="100000"/>
-              </a:srgbClr>
-            </a:solidFill>
+            <a:noFill/>
           </p:spPr>
           <p:txBody>
-            <a:bodyPr/>
+            <a:bodyPr lIns="0" rIns="0" tIns="0" bIns="0" anchorCtr="1" anchor="ctr" wrap="none"/>
             <a:lstStyle/>
-            <a:p/>
+            <a:p>
+              <a:pPr algn="l" marL="0" marR="0" indent="0">
+                <a:lnSpc>
+                  <a:spcPts val="853"/>
+                </a:lnSpc>
+                <a:spcBef>
+                  <a:spcPts val="0"/>
+                </a:spcBef>
+                <a:spcAft>
+                  <a:spcPts val="0"/>
+                </a:spcAft>
+              </a:pPr>
+              <a:r>
+                <a:rPr sz="853" b="1">
+                  <a:solidFill>
+                    <a:srgbClr val="FFFFFF">
+                      <a:alpha val="100000"/>
+                    </a:srgbClr>
+                  </a:solidFill>
+                  <a:latin typeface="Arial"/>
+                  <a:cs typeface="Arial"/>
+                </a:rPr>
+                <a:t>有益/有害菌</a:t>
+              </a:r>
+            </a:p>
           </p:txBody>
         </p:sp>
         <p:sp>
           <p:nvSpPr>
-            <p:cNvPr id="27" name="rc27"/>
+            <p:cNvPr id="27" name="tx27"/>
             <p:cNvSpPr/>
             <p:nvPr/>
           </p:nvSpPr>
           <p:spPr>
             <a:xfrm>
-              <a:off x="2023549" y="5120546"/>
-              <a:ext cx="1073303" cy="444326"/>
-            </a:xfrm>
-            <a:prstGeom prst="rect">
-              <a:avLst/>
-            </a:prstGeom>
-            <a:solidFill>
-              <a:srgbClr val="595959">
-                <a:alpha val="100000"/>
-              </a:srgbClr>
-            </a:solidFill>
-          </p:spPr>
-          <p:txBody>
-            <a:bodyPr/>
-            <a:lstStyle/>
-            <a:p/>
-          </p:txBody>
-        </p:sp>
-        <p:sp>
-          <p:nvSpPr>
-            <p:cNvPr id="28" name="tx28"/>
-            <p:cNvSpPr/>
-            <p:nvPr/>
-          </p:nvSpPr>
-          <p:spPr>
-            <a:xfrm>
-              <a:off x="8252397" y="1842361"/>
+              <a:off x="7307160" y="2590869"/>
               <a:ext cx="406518" cy="67753"/>
             </a:xfrm>
             <a:prstGeom prst="rect">
@@ -4061,66 +4055,20 @@
                   <a:latin typeface="Arial"/>
                   <a:cs typeface="Arial"/>
                 </a:rPr>
-                <a:t>营养成分表</a:t>
+                <a:t>微生态平衡</a:t>
               </a:r>
             </a:p>
           </p:txBody>
         </p:sp>
         <p:sp>
           <p:nvSpPr>
-            <p:cNvPr id="29" name="tx29"/>
+            <p:cNvPr id="28" name="tx28"/>
             <p:cNvSpPr/>
             <p:nvPr/>
           </p:nvSpPr>
           <p:spPr>
             <a:xfrm>
-              <a:off x="6152169" y="2336057"/>
-              <a:ext cx="894341" cy="67753"/>
-            </a:xfrm>
-            <a:prstGeom prst="rect">
-              <a:avLst/>
-            </a:prstGeom>
-            <a:noFill/>
-          </p:spPr>
-          <p:txBody>
-            <a:bodyPr lIns="0" rIns="0" tIns="0" bIns="0" anchorCtr="1" anchor="ctr" wrap="none"/>
-            <a:lstStyle/>
-            <a:p>
-              <a:pPr algn="l" marL="0" marR="0" indent="0">
-                <a:lnSpc>
-                  <a:spcPts val="853"/>
-                </a:lnSpc>
-                <a:spcBef>
-                  <a:spcPts val="0"/>
-                </a:spcBef>
-                <a:spcAft>
-                  <a:spcPts val="0"/>
-                </a:spcAft>
-              </a:pPr>
-              <a:r>
-                <a:rPr sz="853" b="1">
-                  <a:solidFill>
-                    <a:srgbClr val="FFFFFF">
-                      <a:alpha val="100000"/>
-                    </a:srgbClr>
-                  </a:solidFill>
-                  <a:latin typeface="Arial"/>
-                  <a:cs typeface="Arial"/>
-                </a:rPr>
-                <a:t>保健食品标志（蓝帽子）</a:t>
-              </a:r>
-            </a:p>
-          </p:txBody>
-        </p:sp>
-        <p:sp>
-          <p:nvSpPr>
-            <p:cNvPr id="30" name="tx30"/>
-            <p:cNvSpPr/>
-            <p:nvPr/>
-          </p:nvSpPr>
-          <p:spPr>
-            <a:xfrm>
-              <a:off x="5388243" y="2829754"/>
+              <a:off x="5742136" y="3243822"/>
               <a:ext cx="325215" cy="67753"/>
             </a:xfrm>
             <a:prstGeom prst="rect">
@@ -4153,20 +4101,66 @@
                   <a:latin typeface="Arial"/>
                   <a:cs typeface="Arial"/>
                 </a:rPr>
-                <a:t>菌株信息</a:t>
+                <a:t>肠道屏障</a:t>
               </a:r>
             </a:p>
           </p:txBody>
         </p:sp>
         <p:sp>
           <p:nvSpPr>
-            <p:cNvPr id="31" name="tx31"/>
+            <p:cNvPr id="29" name="tx29"/>
             <p:cNvSpPr/>
             <p:nvPr/>
           </p:nvSpPr>
           <p:spPr>
             <a:xfrm>
-              <a:off x="4984199" y="3338970"/>
+              <a:off x="5534199" y="3896775"/>
+              <a:ext cx="325215" cy="67753"/>
+            </a:xfrm>
+            <a:prstGeom prst="rect">
+              <a:avLst/>
+            </a:prstGeom>
+            <a:noFill/>
+          </p:spPr>
+          <p:txBody>
+            <a:bodyPr lIns="0" rIns="0" tIns="0" bIns="0" anchorCtr="1" anchor="ctr" wrap="none"/>
+            <a:lstStyle/>
+            <a:p>
+              <a:pPr algn="l" marL="0" marR="0" indent="0">
+                <a:lnSpc>
+                  <a:spcPts val="853"/>
+                </a:lnSpc>
+                <a:spcBef>
+                  <a:spcPts val="0"/>
+                </a:spcBef>
+                <a:spcAft>
+                  <a:spcPts val="0"/>
+                </a:spcAft>
+              </a:pPr>
+              <a:r>
+                <a:rPr sz="853" b="1">
+                  <a:solidFill>
+                    <a:srgbClr val="FFFFFF">
+                      <a:alpha val="100000"/>
+                    </a:srgbClr>
+                  </a:solidFill>
+                  <a:latin typeface="Arial"/>
+                  <a:cs typeface="Arial"/>
+                </a:rPr>
+                <a:t>肠道菌群</a:t>
+              </a:r>
+            </a:p>
+          </p:txBody>
+        </p:sp>
+        <p:sp>
+          <p:nvSpPr>
+            <p:cNvPr id="30" name="tx30"/>
+            <p:cNvSpPr/>
+            <p:nvPr/>
+          </p:nvSpPr>
+          <p:spPr>
+            <a:xfrm>
+              <a:off x="3767644" y="4565248"/>
               <a:ext cx="325215" cy="67753"/>
             </a:xfrm>
             <a:prstGeom prst="rect">
@@ -4199,21 +4193,21 @@
                   <a:latin typeface="Arial"/>
                   <a:cs typeface="Arial"/>
                 </a:rPr>
-                <a:t>功能宣称</a:t>
+                <a:t>黏膜免疫</a:t>
               </a:r>
             </a:p>
           </p:txBody>
         </p:sp>
         <p:sp>
           <p:nvSpPr>
-            <p:cNvPr id="32" name="tx32"/>
+            <p:cNvPr id="31" name="tx31"/>
             <p:cNvSpPr/>
             <p:nvPr/>
           </p:nvSpPr>
           <p:spPr>
             <a:xfrm>
-              <a:off x="4449998" y="3820174"/>
-              <a:ext cx="436637" cy="80245"/>
+              <a:off x="2310178" y="5218202"/>
+              <a:ext cx="569126" cy="67753"/>
             </a:xfrm>
             <a:prstGeom prst="rect">
               <a:avLst/>
@@ -4245,152 +4239,14 @@
                   <a:latin typeface="Arial"/>
                   <a:cs typeface="Arial"/>
                 </a:rPr>
-                <a:t>辅料/添加剂</a:t>
+                <a:t>以上有没有听过</a:t>
               </a:r>
             </a:p>
           </p:txBody>
         </p:sp>
         <p:sp>
           <p:nvSpPr>
-            <p:cNvPr id="33" name="tx33"/>
-            <p:cNvSpPr/>
-            <p:nvPr/>
-          </p:nvSpPr>
-          <p:spPr>
-            <a:xfrm>
-              <a:off x="4097131" y="4326363"/>
-              <a:ext cx="325215" cy="67753"/>
-            </a:xfrm>
-            <a:prstGeom prst="rect">
-              <a:avLst/>
-            </a:prstGeom>
-            <a:noFill/>
-          </p:spPr>
-          <p:txBody>
-            <a:bodyPr lIns="0" rIns="0" tIns="0" bIns="0" anchorCtr="1" anchor="ctr" wrap="none"/>
-            <a:lstStyle/>
-            <a:p>
-              <a:pPr algn="l" marL="0" marR="0" indent="0">
-                <a:lnSpc>
-                  <a:spcPts val="853"/>
-                </a:lnSpc>
-                <a:spcBef>
-                  <a:spcPts val="0"/>
-                </a:spcBef>
-                <a:spcAft>
-                  <a:spcPts val="0"/>
-                </a:spcAft>
-              </a:pPr>
-              <a:r>
-                <a:rPr sz="853">
-                  <a:solidFill>
-                    <a:srgbClr val="000000">
-                      <a:alpha val="100000"/>
-                    </a:srgbClr>
-                  </a:solidFill>
-                  <a:latin typeface="Arial"/>
-                  <a:cs typeface="Arial"/>
-                </a:rPr>
-                <a:t>使用禁忌</a:t>
-              </a:r>
-            </a:p>
-          </p:txBody>
-        </p:sp>
-        <p:sp>
-          <p:nvSpPr>
-            <p:cNvPr id="34" name="tx34"/>
-            <p:cNvSpPr/>
-            <p:nvPr/>
-          </p:nvSpPr>
-          <p:spPr>
-            <a:xfrm>
-              <a:off x="3945203" y="4820059"/>
-              <a:ext cx="243911" cy="67753"/>
-            </a:xfrm>
-            <a:prstGeom prst="rect">
-              <a:avLst/>
-            </a:prstGeom>
-            <a:noFill/>
-          </p:spPr>
-          <p:txBody>
-            <a:bodyPr lIns="0" rIns="0" tIns="0" bIns="0" anchorCtr="1" anchor="ctr" wrap="none"/>
-            <a:lstStyle/>
-            <a:p>
-              <a:pPr algn="l" marL="0" marR="0" indent="0">
-                <a:lnSpc>
-                  <a:spcPts val="853"/>
-                </a:lnSpc>
-                <a:spcBef>
-                  <a:spcPts val="0"/>
-                </a:spcBef>
-                <a:spcAft>
-                  <a:spcPts val="0"/>
-                </a:spcAft>
-              </a:pPr>
-              <a:r>
-                <a:rPr sz="853">
-                  <a:solidFill>
-                    <a:srgbClr val="000000">
-                      <a:alpha val="100000"/>
-                    </a:srgbClr>
-                  </a:solidFill>
-                  <a:latin typeface="Arial"/>
-                  <a:cs typeface="Arial"/>
-                </a:rPr>
-                <a:t>保质期</a:t>
-              </a:r>
-            </a:p>
-          </p:txBody>
-        </p:sp>
-        <p:sp>
-          <p:nvSpPr>
-            <p:cNvPr id="35" name="tx35"/>
-            <p:cNvSpPr/>
-            <p:nvPr/>
-          </p:nvSpPr>
-          <p:spPr>
-            <a:xfrm>
-              <a:off x="3239469" y="5301264"/>
-              <a:ext cx="385398" cy="80245"/>
-            </a:xfrm>
-            <a:prstGeom prst="rect">
-              <a:avLst/>
-            </a:prstGeom>
-            <a:noFill/>
-          </p:spPr>
-          <p:txBody>
-            <a:bodyPr lIns="0" rIns="0" tIns="0" bIns="0" anchorCtr="1" anchor="ctr" wrap="none"/>
-            <a:lstStyle/>
-            <a:p>
-              <a:pPr algn="l" marL="0" marR="0" indent="0">
-                <a:lnSpc>
-                  <a:spcPts val="853"/>
-                </a:lnSpc>
-                <a:spcBef>
-                  <a:spcPts val="0"/>
-                </a:spcBef>
-                <a:spcAft>
-                  <a:spcPts val="0"/>
-                </a:spcAft>
-              </a:pPr>
-              <a:r>
-                <a:rPr sz="853">
-                  <a:solidFill>
-                    <a:srgbClr val="000000">
-                      <a:alpha val="100000"/>
-                    </a:srgbClr>
-                  </a:solidFill>
-                  <a:latin typeface="Arial"/>
-                  <a:cs typeface="Arial"/>
-                </a:rPr>
-                <a:t>CFU信息</a:t>
-              </a:r>
-            </a:p>
-          </p:txBody>
-        </p:sp>
-        <p:sp>
-          <p:nvSpPr>
-            <p:cNvPr id="36" name="rc36"/>
+            <p:cNvPr id="32" name="rc32"/>
             <p:cNvSpPr/>
             <p:nvPr/>
           </p:nvSpPr>
@@ -4420,105 +4276,13 @@
         </p:sp>
         <p:sp>
           <p:nvSpPr>
-            <p:cNvPr id="37" name="tx37"/>
+            <p:cNvPr id="33" name="tx33"/>
             <p:cNvSpPr/>
             <p:nvPr/>
           </p:nvSpPr>
           <p:spPr>
             <a:xfrm>
-              <a:off x="1926599" y="5300963"/>
-              <a:ext cx="62155" cy="81746"/>
-            </a:xfrm>
-            <a:prstGeom prst="rect">
-              <a:avLst/>
-            </a:prstGeom>
-            <a:noFill/>
-          </p:spPr>
-          <p:txBody>
-            <a:bodyPr lIns="0" rIns="0" tIns="0" bIns="0" anchorCtr="1" anchor="ctr" wrap="none"/>
-            <a:lstStyle/>
-            <a:p>
-              <a:pPr algn="l" marL="0" marR="0" indent="0">
-                <a:lnSpc>
-                  <a:spcPts val="880"/>
-                </a:lnSpc>
-                <a:spcBef>
-                  <a:spcPts val="0"/>
-                </a:spcBef>
-                <a:spcAft>
-                  <a:spcPts val="0"/>
-                </a:spcAft>
-              </a:pPr>
-              <a:r>
-                <a:rPr sz="880" b="1">
-                  <a:solidFill>
-                    <a:srgbClr val="4D4D4D">
-                      <a:alpha val="100000"/>
-                    </a:srgbClr>
-                  </a:solidFill>
-                  <a:latin typeface="Arial"/>
-                  <a:cs typeface="Arial"/>
-                </a:rPr>
-                <a:t>8</a:t>
-              </a:r>
-            </a:p>
-          </p:txBody>
-        </p:sp>
-        <p:sp>
-          <p:nvSpPr>
-            <p:cNvPr id="38" name="tx38"/>
-            <p:cNvSpPr/>
-            <p:nvPr/>
-          </p:nvSpPr>
-          <p:spPr>
-            <a:xfrm>
-              <a:off x="1926599" y="4810105"/>
-              <a:ext cx="62155" cy="78908"/>
-            </a:xfrm>
-            <a:prstGeom prst="rect">
-              <a:avLst/>
-            </a:prstGeom>
-            <a:noFill/>
-          </p:spPr>
-          <p:txBody>
-            <a:bodyPr lIns="0" rIns="0" tIns="0" bIns="0" anchorCtr="1" anchor="ctr" wrap="none"/>
-            <a:lstStyle/>
-            <a:p>
-              <a:pPr algn="l" marL="0" marR="0" indent="0">
-                <a:lnSpc>
-                  <a:spcPts val="880"/>
-                </a:lnSpc>
-                <a:spcBef>
-                  <a:spcPts val="0"/>
-                </a:spcBef>
-                <a:spcAft>
-                  <a:spcPts val="0"/>
-                </a:spcAft>
-              </a:pPr>
-              <a:r>
-                <a:rPr sz="880" b="1">
-                  <a:solidFill>
-                    <a:srgbClr val="4D4D4D">
-                      <a:alpha val="100000"/>
-                    </a:srgbClr>
-                  </a:solidFill>
-                  <a:latin typeface="Arial"/>
-                  <a:cs typeface="Arial"/>
-                </a:rPr>
-                <a:t>7</a:t>
-              </a:r>
-            </a:p>
-          </p:txBody>
-        </p:sp>
-        <p:sp>
-          <p:nvSpPr>
-            <p:cNvPr id="39" name="tx39"/>
-            <p:cNvSpPr/>
-            <p:nvPr/>
-          </p:nvSpPr>
-          <p:spPr>
-            <a:xfrm>
-              <a:off x="1926599" y="4313625"/>
+              <a:off x="1926599" y="5205464"/>
               <a:ext cx="62155" cy="81691"/>
             </a:xfrm>
             <a:prstGeom prst="rect">
@@ -4558,13 +4322,13 @@
         </p:sp>
         <p:sp>
           <p:nvSpPr>
-            <p:cNvPr id="40" name="tx40"/>
+            <p:cNvPr id="34" name="tx34"/>
             <p:cNvSpPr/>
             <p:nvPr/>
           </p:nvSpPr>
           <p:spPr>
             <a:xfrm>
-              <a:off x="1926599" y="3821347"/>
+              <a:off x="1926599" y="4553929"/>
               <a:ext cx="62155" cy="80272"/>
             </a:xfrm>
             <a:prstGeom prst="rect">
@@ -4604,13 +4368,13 @@
         </p:sp>
         <p:sp>
           <p:nvSpPr>
-            <p:cNvPr id="41" name="tx41"/>
+            <p:cNvPr id="35" name="tx35"/>
             <p:cNvSpPr/>
             <p:nvPr/>
           </p:nvSpPr>
           <p:spPr>
             <a:xfrm>
-              <a:off x="1926599" y="3327596"/>
+              <a:off x="1926599" y="3900921"/>
               <a:ext cx="62155" cy="80327"/>
             </a:xfrm>
             <a:prstGeom prst="rect">
@@ -4650,13 +4414,13 @@
         </p:sp>
         <p:sp>
           <p:nvSpPr>
-            <p:cNvPr id="42" name="tx42"/>
+            <p:cNvPr id="36" name="tx36"/>
             <p:cNvSpPr/>
             <p:nvPr/>
           </p:nvSpPr>
           <p:spPr>
             <a:xfrm>
-              <a:off x="1926599" y="2832536"/>
+              <a:off x="1926599" y="3246604"/>
               <a:ext cx="62155" cy="81691"/>
             </a:xfrm>
             <a:prstGeom prst="rect">
@@ -4696,13 +4460,13 @@
         </p:sp>
         <p:sp>
           <p:nvSpPr>
-            <p:cNvPr id="43" name="tx43"/>
+            <p:cNvPr id="37" name="tx37"/>
             <p:cNvSpPr/>
             <p:nvPr/>
           </p:nvSpPr>
           <p:spPr>
             <a:xfrm>
-              <a:off x="1926599" y="2340204"/>
+              <a:off x="1926599" y="2595015"/>
               <a:ext cx="62155" cy="80327"/>
             </a:xfrm>
             <a:prstGeom prst="rect">
@@ -4742,13 +4506,13 @@
         </p:sp>
         <p:sp>
           <p:nvSpPr>
-            <p:cNvPr id="44" name="tx44"/>
+            <p:cNvPr id="38" name="tx38"/>
             <p:cNvSpPr/>
             <p:nvPr/>
           </p:nvSpPr>
           <p:spPr>
             <a:xfrm>
-              <a:off x="1926599" y="1846507"/>
+              <a:off x="1926599" y="1942061"/>
               <a:ext cx="62155" cy="80327"/>
             </a:xfrm>
             <a:prstGeom prst="rect">
@@ -4788,13 +4552,13 @@
         </p:sp>
         <p:sp>
           <p:nvSpPr>
-            <p:cNvPr id="45" name="pl45"/>
+            <p:cNvPr id="39" name="pl39"/>
             <p:cNvSpPr/>
             <p:nvPr/>
           </p:nvSpPr>
           <p:spPr>
             <a:xfrm>
-              <a:off x="1988754" y="5342710"/>
+              <a:off x="1988754" y="5247155"/>
               <a:ext cx="34794" cy="0"/>
             </a:xfrm>
             <a:custGeom>
@@ -4828,13 +4592,13 @@
         </p:sp>
         <p:sp>
           <p:nvSpPr>
-            <p:cNvPr id="46" name="pl46"/>
+            <p:cNvPr id="40" name="pl40"/>
             <p:cNvSpPr/>
             <p:nvPr/>
           </p:nvSpPr>
           <p:spPr>
             <a:xfrm>
-              <a:off x="1988754" y="4849013"/>
+              <a:off x="1988754" y="4594202"/>
               <a:ext cx="34794" cy="0"/>
             </a:xfrm>
             <a:custGeom>
@@ -4868,13 +4632,13 @@
         </p:sp>
         <p:sp>
           <p:nvSpPr>
-            <p:cNvPr id="47" name="pl47"/>
+            <p:cNvPr id="41" name="pl41"/>
             <p:cNvSpPr/>
             <p:nvPr/>
           </p:nvSpPr>
           <p:spPr>
             <a:xfrm>
-              <a:off x="1988754" y="4355317"/>
+              <a:off x="1988754" y="3941249"/>
               <a:ext cx="34794" cy="0"/>
             </a:xfrm>
             <a:custGeom>
@@ -4908,13 +4672,13 @@
         </p:sp>
         <p:sp>
           <p:nvSpPr>
-            <p:cNvPr id="48" name="pl48"/>
+            <p:cNvPr id="42" name="pl42"/>
             <p:cNvSpPr/>
             <p:nvPr/>
           </p:nvSpPr>
           <p:spPr>
             <a:xfrm>
-              <a:off x="1988754" y="3861620"/>
+              <a:off x="1988754" y="3288295"/>
               <a:ext cx="34794" cy="0"/>
             </a:xfrm>
             <a:custGeom>
@@ -4948,13 +4712,13 @@
         </p:sp>
         <p:sp>
           <p:nvSpPr>
-            <p:cNvPr id="49" name="pl49"/>
+            <p:cNvPr id="43" name="pl43"/>
             <p:cNvSpPr/>
             <p:nvPr/>
           </p:nvSpPr>
           <p:spPr>
             <a:xfrm>
-              <a:off x="1988754" y="3367924"/>
+              <a:off x="1988754" y="2635342"/>
               <a:ext cx="34794" cy="0"/>
             </a:xfrm>
             <a:custGeom>
@@ -4988,13 +4752,13 @@
         </p:sp>
         <p:sp>
           <p:nvSpPr>
-            <p:cNvPr id="50" name="pl50"/>
+            <p:cNvPr id="44" name="pl44"/>
             <p:cNvSpPr/>
             <p:nvPr/>
           </p:nvSpPr>
           <p:spPr>
             <a:xfrm>
-              <a:off x="1988754" y="2874227"/>
+              <a:off x="1988754" y="1982389"/>
               <a:ext cx="34794" cy="0"/>
             </a:xfrm>
             <a:custGeom>
@@ -5028,87 +4792,7 @@
         </p:sp>
         <p:sp>
           <p:nvSpPr>
-            <p:cNvPr id="51" name="pl51"/>
-            <p:cNvSpPr/>
-            <p:nvPr/>
-          </p:nvSpPr>
-          <p:spPr>
-            <a:xfrm>
-              <a:off x="1988754" y="2380531"/>
-              <a:ext cx="34794" cy="0"/>
-            </a:xfrm>
-            <a:custGeom>
-              <a:avLst/>
-              <a:pathLst>
-                <a:path w="34794" h="0">
-                  <a:moveTo>
-                    <a:pt x="0" y="0"/>
-                  </a:moveTo>
-                  <a:lnTo>
-                    <a:pt x="34794" y="0"/>
-                  </a:lnTo>
-                </a:path>
-              </a:pathLst>
-            </a:custGeom>
-            <a:ln w="6775" cap="flat">
-              <a:solidFill>
-                <a:srgbClr val="B3B3B3">
-                  <a:alpha val="100000"/>
-                </a:srgbClr>
-              </a:solidFill>
-              <a:prstDash val="solid"/>
-              <a:round/>
-            </a:ln>
-          </p:spPr>
-          <p:txBody>
-            <a:bodyPr/>
-            <a:lstStyle/>
-            <a:p/>
-          </p:txBody>
-        </p:sp>
-        <p:sp>
-          <p:nvSpPr>
-            <p:cNvPr id="52" name="pl52"/>
-            <p:cNvSpPr/>
-            <p:nvPr/>
-          </p:nvSpPr>
-          <p:spPr>
-            <a:xfrm>
-              <a:off x="1988754" y="1886835"/>
-              <a:ext cx="34794" cy="0"/>
-            </a:xfrm>
-            <a:custGeom>
-              <a:avLst/>
-              <a:pathLst>
-                <a:path w="34794" h="0">
-                  <a:moveTo>
-                    <a:pt x="0" y="0"/>
-                  </a:moveTo>
-                  <a:lnTo>
-                    <a:pt x="34794" y="0"/>
-                  </a:lnTo>
-                </a:path>
-              </a:pathLst>
-            </a:custGeom>
-            <a:ln w="6775" cap="flat">
-              <a:solidFill>
-                <a:srgbClr val="B3B3B3">
-                  <a:alpha val="100000"/>
-                </a:srgbClr>
-              </a:solidFill>
-              <a:prstDash val="solid"/>
-              <a:round/>
-            </a:ln>
-          </p:spPr>
-          <p:txBody>
-            <a:bodyPr/>
-            <a:lstStyle/>
-            <a:p/>
-          </p:txBody>
-        </p:sp>
-        <p:sp>
-          <p:nvSpPr>
-            <p:cNvPr id="53" name="pl53"/>
+            <p:cNvPr id="45" name="pl45"/>
             <p:cNvSpPr/>
             <p:nvPr/>
           </p:nvSpPr>
@@ -5148,13 +4832,13 @@
         </p:sp>
         <p:sp>
           <p:nvSpPr>
-            <p:cNvPr id="54" name="pl54"/>
+            <p:cNvPr id="46" name="pl46"/>
             <p:cNvSpPr/>
             <p:nvPr/>
           </p:nvSpPr>
           <p:spPr>
             <a:xfrm>
-              <a:off x="4474013" y="5638927"/>
+              <a:off x="3931228" y="5638927"/>
               <a:ext cx="0" cy="34794"/>
             </a:xfrm>
             <a:custGeom>
@@ -5188,13 +4872,13 @@
         </p:sp>
         <p:sp>
           <p:nvSpPr>
-            <p:cNvPr id="55" name="pl55"/>
+            <p:cNvPr id="47" name="pl47"/>
             <p:cNvSpPr/>
             <p:nvPr/>
           </p:nvSpPr>
           <p:spPr>
             <a:xfrm>
-              <a:off x="6924477" y="5638927"/>
+              <a:off x="5838907" y="5638927"/>
               <a:ext cx="0" cy="34794"/>
             </a:xfrm>
             <a:custGeom>
@@ -5228,7 +4912,47 @@
         </p:sp>
         <p:sp>
           <p:nvSpPr>
-            <p:cNvPr id="56" name="tx56"/>
+            <p:cNvPr id="48" name="pl48"/>
+            <p:cNvSpPr/>
+            <p:nvPr/>
+          </p:nvSpPr>
+          <p:spPr>
+            <a:xfrm>
+              <a:off x="7746586" y="5638927"/>
+              <a:ext cx="0" cy="34794"/>
+            </a:xfrm>
+            <a:custGeom>
+              <a:avLst/>
+              <a:pathLst>
+                <a:path w="0" h="34794">
+                  <a:moveTo>
+                    <a:pt x="0" y="34794"/>
+                  </a:moveTo>
+                  <a:lnTo>
+                    <a:pt x="0" y="0"/>
+                  </a:lnTo>
+                </a:path>
+              </a:pathLst>
+            </a:custGeom>
+            <a:ln w="6775" cap="flat">
+              <a:solidFill>
+                <a:srgbClr val="B3B3B3">
+                  <a:alpha val="100000"/>
+                </a:srgbClr>
+              </a:solidFill>
+              <a:prstDash val="solid"/>
+              <a:round/>
+            </a:ln>
+          </p:spPr>
+          <p:txBody>
+            <a:bodyPr/>
+            <a:lstStyle/>
+            <a:p/>
+          </p:txBody>
+        </p:sp>
+        <p:sp>
+          <p:nvSpPr>
+            <p:cNvPr id="49" name="tx49"/>
             <p:cNvSpPr/>
             <p:nvPr/>
           </p:nvSpPr>
@@ -5274,59 +4998,13 @@
         </p:sp>
         <p:sp>
           <p:nvSpPr>
-            <p:cNvPr id="57" name="tx57"/>
+            <p:cNvPr id="50" name="tx50"/>
             <p:cNvSpPr/>
             <p:nvPr/>
           </p:nvSpPr>
           <p:spPr>
             <a:xfrm>
-              <a:off x="4380779" y="5699866"/>
-              <a:ext cx="186466" cy="81691"/>
-            </a:xfrm>
-            <a:prstGeom prst="rect">
-              <a:avLst/>
-            </a:prstGeom>
-            <a:noFill/>
-          </p:spPr>
-          <p:txBody>
-            <a:bodyPr lIns="0" rIns="0" tIns="0" bIns="0" anchorCtr="1" anchor="ctr" wrap="none"/>
-            <a:lstStyle/>
-            <a:p>
-              <a:pPr algn="l" marL="0" marR="0" indent="0">
-                <a:lnSpc>
-                  <a:spcPts val="880"/>
-                </a:lnSpc>
-                <a:spcBef>
-                  <a:spcPts val="0"/>
-                </a:spcBef>
-                <a:spcAft>
-                  <a:spcPts val="0"/>
-                </a:spcAft>
-              </a:pPr>
-              <a:r>
-                <a:rPr sz="880">
-                  <a:solidFill>
-                    <a:srgbClr val="4D4D4D">
-                      <a:alpha val="100000"/>
-                    </a:srgbClr>
-                  </a:solidFill>
-                  <a:latin typeface="Arial"/>
-                  <a:cs typeface="Arial"/>
-                </a:rPr>
-                <a:t>500</a:t>
-              </a:r>
-            </a:p>
-          </p:txBody>
-        </p:sp>
-        <p:sp>
-          <p:nvSpPr>
-            <p:cNvPr id="58" name="tx58"/>
-            <p:cNvSpPr/>
-            <p:nvPr/>
-          </p:nvSpPr>
-          <p:spPr>
-            <a:xfrm>
-              <a:off x="6800166" y="5699866"/>
+              <a:off x="3806917" y="5699866"/>
               <a:ext cx="248622" cy="81691"/>
             </a:xfrm>
             <a:prstGeom prst="rect">
@@ -5360,6 +5038,98 @@
                   <a:cs typeface="Arial"/>
                 </a:rPr>
                 <a:t>1000</a:t>
+              </a:r>
+            </a:p>
+          </p:txBody>
+        </p:sp>
+        <p:sp>
+          <p:nvSpPr>
+            <p:cNvPr id="51" name="tx51"/>
+            <p:cNvSpPr/>
+            <p:nvPr/>
+          </p:nvSpPr>
+          <p:spPr>
+            <a:xfrm>
+              <a:off x="5714596" y="5699866"/>
+              <a:ext cx="248622" cy="81691"/>
+            </a:xfrm>
+            <a:prstGeom prst="rect">
+              <a:avLst/>
+            </a:prstGeom>
+            <a:noFill/>
+          </p:spPr>
+          <p:txBody>
+            <a:bodyPr lIns="0" rIns="0" tIns="0" bIns="0" anchorCtr="1" anchor="ctr" wrap="none"/>
+            <a:lstStyle/>
+            <a:p>
+              <a:pPr algn="l" marL="0" marR="0" indent="0">
+                <a:lnSpc>
+                  <a:spcPts val="880"/>
+                </a:lnSpc>
+                <a:spcBef>
+                  <a:spcPts val="0"/>
+                </a:spcBef>
+                <a:spcAft>
+                  <a:spcPts val="0"/>
+                </a:spcAft>
+              </a:pPr>
+              <a:r>
+                <a:rPr sz="880">
+                  <a:solidFill>
+                    <a:srgbClr val="4D4D4D">
+                      <a:alpha val="100000"/>
+                    </a:srgbClr>
+                  </a:solidFill>
+                  <a:latin typeface="Arial"/>
+                  <a:cs typeface="Arial"/>
+                </a:rPr>
+                <a:t>2000</a:t>
+              </a:r>
+            </a:p>
+          </p:txBody>
+        </p:sp>
+        <p:sp>
+          <p:nvSpPr>
+            <p:cNvPr id="52" name="tx52"/>
+            <p:cNvSpPr/>
+            <p:nvPr/>
+          </p:nvSpPr>
+          <p:spPr>
+            <a:xfrm>
+              <a:off x="7622275" y="5699811"/>
+              <a:ext cx="248622" cy="81746"/>
+            </a:xfrm>
+            <a:prstGeom prst="rect">
+              <a:avLst/>
+            </a:prstGeom>
+            <a:noFill/>
+          </p:spPr>
+          <p:txBody>
+            <a:bodyPr lIns="0" rIns="0" tIns="0" bIns="0" anchorCtr="1" anchor="ctr" wrap="none"/>
+            <a:lstStyle/>
+            <a:p>
+              <a:pPr algn="l" marL="0" marR="0" indent="0">
+                <a:lnSpc>
+                  <a:spcPts val="880"/>
+                </a:lnSpc>
+                <a:spcBef>
+                  <a:spcPts val="0"/>
+                </a:spcBef>
+                <a:spcAft>
+                  <a:spcPts val="0"/>
+                </a:spcAft>
+              </a:pPr>
+              <a:r>
+                <a:rPr sz="880">
+                  <a:solidFill>
+                    <a:srgbClr val="4D4D4D">
+                      <a:alpha val="100000"/>
+                    </a:srgbClr>
+                  </a:solidFill>
+                  <a:latin typeface="Arial"/>
+                  <a:cs typeface="Arial"/>
+                </a:rPr>
+                <a:t>3000</a:t>
               </a:r>
             </a:p>
           </p:txBody>

--- a/_book/plot/unnamed-chunk-72-1.pptx
+++ b/_book/plot/unnamed-chunk-72-1.pptx
@@ -3192,8 +3192,8 @@
           </p:nvSpPr>
           <p:spPr>
             <a:xfrm>
-              <a:off x="2023549" y="1590617"/>
-              <a:ext cx="6913543" cy="4048310"/>
+              <a:off x="2217943" y="1809173"/>
+              <a:ext cx="2193323" cy="3464924"/>
             </a:xfrm>
             <a:prstGeom prst="rect">
               <a:avLst/>
@@ -3218,28 +3218,28 @@
           </p:nvSpPr>
           <p:spPr>
             <a:xfrm>
-              <a:off x="2977388" y="1590617"/>
-              <a:ext cx="0" cy="4048310"/>
+              <a:off x="2217943" y="4589616"/>
+              <a:ext cx="2193323" cy="0"/>
             </a:xfrm>
             <a:custGeom>
               <a:avLst/>
               <a:pathLst>
-                <a:path w="0" h="4048310">
+                <a:path w="2193323" h="0">
                   <a:moveTo>
-                    <a:pt x="0" y="4048310"/>
+                    <a:pt x="0" y="0"/>
                   </a:moveTo>
                   <a:lnTo>
-                    <a:pt x="0" y="0"/>
-                  </a:lnTo>
-                  <a:lnTo>
-                    <a:pt x="0" y="0"/>
+                    <a:pt x="2193323" y="0"/>
+                  </a:lnTo>
+                  <a:lnTo>
+                    <a:pt x="2193323" y="0"/>
                   </a:lnTo>
                 </a:path>
               </a:pathLst>
             </a:custGeom>
-            <a:ln w="3387" cap="flat">
+            <a:ln w="6775" cap="flat">
               <a:solidFill>
-                <a:srgbClr val="DEDEDE">
+                <a:srgbClr val="EBEBEB">
                   <a:alpha val="100000"/>
                 </a:srgbClr>
               </a:solidFill>
@@ -3261,28 +3261,28 @@
           </p:nvSpPr>
           <p:spPr>
             <a:xfrm>
-              <a:off x="4885067" y="1590617"/>
-              <a:ext cx="0" cy="4048310"/>
+              <a:off x="2217943" y="3535646"/>
+              <a:ext cx="2193323" cy="0"/>
             </a:xfrm>
             <a:custGeom>
               <a:avLst/>
               <a:pathLst>
-                <a:path w="0" h="4048310">
+                <a:path w="2193323" h="0">
                   <a:moveTo>
-                    <a:pt x="0" y="4048310"/>
+                    <a:pt x="0" y="0"/>
                   </a:moveTo>
                   <a:lnTo>
-                    <a:pt x="0" y="0"/>
-                  </a:lnTo>
-                  <a:lnTo>
-                    <a:pt x="0" y="0"/>
+                    <a:pt x="2193323" y="0"/>
+                  </a:lnTo>
+                  <a:lnTo>
+                    <a:pt x="2193323" y="0"/>
                   </a:lnTo>
                 </a:path>
               </a:pathLst>
             </a:custGeom>
-            <a:ln w="3387" cap="flat">
+            <a:ln w="6775" cap="flat">
               <a:solidFill>
-                <a:srgbClr val="DEDEDE">
+                <a:srgbClr val="EBEBEB">
                   <a:alpha val="100000"/>
                 </a:srgbClr>
               </a:solidFill>
@@ -3304,28 +3304,28 @@
           </p:nvSpPr>
           <p:spPr>
             <a:xfrm>
-              <a:off x="6792746" y="1590617"/>
-              <a:ext cx="0" cy="4048310"/>
+              <a:off x="2217943" y="2481677"/>
+              <a:ext cx="2193323" cy="0"/>
             </a:xfrm>
             <a:custGeom>
               <a:avLst/>
               <a:pathLst>
-                <a:path w="0" h="4048310">
+                <a:path w="2193323" h="0">
                   <a:moveTo>
-                    <a:pt x="0" y="4048310"/>
+                    <a:pt x="0" y="0"/>
                   </a:moveTo>
                   <a:lnTo>
-                    <a:pt x="0" y="0"/>
-                  </a:lnTo>
-                  <a:lnTo>
-                    <a:pt x="0" y="0"/>
+                    <a:pt x="2193323" y="0"/>
+                  </a:lnTo>
+                  <a:lnTo>
+                    <a:pt x="2193323" y="0"/>
                   </a:lnTo>
                 </a:path>
               </a:pathLst>
             </a:custGeom>
-            <a:ln w="3387" cap="flat">
+            <a:ln w="6775" cap="flat">
               <a:solidFill>
-                <a:srgbClr val="DEDEDE">
+                <a:srgbClr val="EBEBEB">
                   <a:alpha val="100000"/>
                 </a:srgbClr>
               </a:solidFill>
@@ -3347,28 +3347,28 @@
           </p:nvSpPr>
           <p:spPr>
             <a:xfrm>
-              <a:off x="8700425" y="1590617"/>
-              <a:ext cx="0" cy="4048310"/>
+              <a:off x="2217943" y="5116600"/>
+              <a:ext cx="2193323" cy="0"/>
             </a:xfrm>
             <a:custGeom>
               <a:avLst/>
               <a:pathLst>
-                <a:path w="0" h="4048310">
+                <a:path w="2193323" h="0">
                   <a:moveTo>
-                    <a:pt x="0" y="4048310"/>
+                    <a:pt x="0" y="0"/>
                   </a:moveTo>
                   <a:lnTo>
-                    <a:pt x="0" y="0"/>
-                  </a:lnTo>
-                  <a:lnTo>
-                    <a:pt x="0" y="0"/>
+                    <a:pt x="2193323" y="0"/>
+                  </a:lnTo>
+                  <a:lnTo>
+                    <a:pt x="2193323" y="0"/>
                   </a:lnTo>
                 </a:path>
               </a:pathLst>
             </a:custGeom>
-            <a:ln w="3387" cap="flat">
+            <a:ln w="13550" cap="flat">
               <a:solidFill>
-                <a:srgbClr val="DEDEDE">
+                <a:srgbClr val="EBEBEB">
                   <a:alpha val="100000"/>
                 </a:srgbClr>
               </a:solidFill>
@@ -3390,28 +3390,28 @@
           </p:nvSpPr>
           <p:spPr>
             <a:xfrm>
-              <a:off x="2023549" y="5247155"/>
-              <a:ext cx="6913543" cy="0"/>
+              <a:off x="2217943" y="4062631"/>
+              <a:ext cx="2193323" cy="0"/>
             </a:xfrm>
             <a:custGeom>
               <a:avLst/>
               <a:pathLst>
-                <a:path w="6913543" h="0">
+                <a:path w="2193323" h="0">
                   <a:moveTo>
                     <a:pt x="0" y="0"/>
                   </a:moveTo>
                   <a:lnTo>
-                    <a:pt x="6913543" y="0"/>
-                  </a:lnTo>
-                  <a:lnTo>
-                    <a:pt x="6913543" y="0"/>
+                    <a:pt x="2193323" y="0"/>
+                  </a:lnTo>
+                  <a:lnTo>
+                    <a:pt x="2193323" y="0"/>
                   </a:lnTo>
                 </a:path>
               </a:pathLst>
             </a:custGeom>
-            <a:ln w="6775" cap="flat">
+            <a:ln w="13550" cap="flat">
               <a:solidFill>
-                <a:srgbClr val="DEDEDE">
+                <a:srgbClr val="EBEBEB">
                   <a:alpha val="100000"/>
                 </a:srgbClr>
               </a:solidFill>
@@ -3433,28 +3433,28 @@
           </p:nvSpPr>
           <p:spPr>
             <a:xfrm>
-              <a:off x="2023549" y="4594202"/>
-              <a:ext cx="6913543" cy="0"/>
+              <a:off x="2217943" y="3008662"/>
+              <a:ext cx="2193323" cy="0"/>
             </a:xfrm>
             <a:custGeom>
               <a:avLst/>
               <a:pathLst>
-                <a:path w="6913543" h="0">
+                <a:path w="2193323" h="0">
                   <a:moveTo>
                     <a:pt x="0" y="0"/>
                   </a:moveTo>
                   <a:lnTo>
-                    <a:pt x="6913543" y="0"/>
-                  </a:lnTo>
-                  <a:lnTo>
-                    <a:pt x="6913543" y="0"/>
+                    <a:pt x="2193323" y="0"/>
+                  </a:lnTo>
+                  <a:lnTo>
+                    <a:pt x="2193323" y="0"/>
                   </a:lnTo>
                 </a:path>
               </a:pathLst>
             </a:custGeom>
-            <a:ln w="6775" cap="flat">
+            <a:ln w="13550" cap="flat">
               <a:solidFill>
-                <a:srgbClr val="DEDEDE">
+                <a:srgbClr val="EBEBEB">
                   <a:alpha val="100000"/>
                 </a:srgbClr>
               </a:solidFill>
@@ -3476,28 +3476,28 @@
           </p:nvSpPr>
           <p:spPr>
             <a:xfrm>
-              <a:off x="2023549" y="3941249"/>
-              <a:ext cx="6913543" cy="0"/>
+              <a:off x="2217943" y="1954692"/>
+              <a:ext cx="2193323" cy="0"/>
             </a:xfrm>
             <a:custGeom>
               <a:avLst/>
               <a:pathLst>
-                <a:path w="6913543" h="0">
+                <a:path w="2193323" h="0">
                   <a:moveTo>
                     <a:pt x="0" y="0"/>
                   </a:moveTo>
                   <a:lnTo>
-                    <a:pt x="6913543" y="0"/>
-                  </a:lnTo>
-                  <a:lnTo>
-                    <a:pt x="6913543" y="0"/>
+                    <a:pt x="2193323" y="0"/>
+                  </a:lnTo>
+                  <a:lnTo>
+                    <a:pt x="2193323" y="0"/>
                   </a:lnTo>
                 </a:path>
               </a:pathLst>
             </a:custGeom>
-            <a:ln w="6775" cap="flat">
+            <a:ln w="13550" cap="flat">
               <a:solidFill>
-                <a:srgbClr val="DEDEDE">
+                <a:srgbClr val="EBEBEB">
                   <a:alpha val="100000"/>
                 </a:srgbClr>
               </a:solidFill>
@@ -3519,28 +3519,28 @@
           </p:nvSpPr>
           <p:spPr>
             <a:xfrm>
-              <a:off x="2023549" y="3288295"/>
-              <a:ext cx="6913543" cy="0"/>
+              <a:off x="2531275" y="1809173"/>
+              <a:ext cx="0" cy="3464924"/>
             </a:xfrm>
             <a:custGeom>
               <a:avLst/>
               <a:pathLst>
-                <a:path w="6913543" h="0">
+                <a:path w="0" h="3464924">
                   <a:moveTo>
+                    <a:pt x="0" y="3464924"/>
+                  </a:moveTo>
+                  <a:lnTo>
                     <a:pt x="0" y="0"/>
-                  </a:moveTo>
-                  <a:lnTo>
-                    <a:pt x="6913543" y="0"/>
-                  </a:lnTo>
-                  <a:lnTo>
-                    <a:pt x="6913543" y="0"/>
+                  </a:lnTo>
+                  <a:lnTo>
+                    <a:pt x="0" y="0"/>
                   </a:lnTo>
                 </a:path>
               </a:pathLst>
             </a:custGeom>
-            <a:ln w="6775" cap="flat">
+            <a:ln w="13550" cap="flat">
               <a:solidFill>
-                <a:srgbClr val="DEDEDE">
+                <a:srgbClr val="EBEBEB">
                   <a:alpha val="100000"/>
                 </a:srgbClr>
               </a:solidFill>
@@ -3562,28 +3562,28 @@
           </p:nvSpPr>
           <p:spPr>
             <a:xfrm>
-              <a:off x="2023549" y="2635342"/>
-              <a:ext cx="6913543" cy="0"/>
+              <a:off x="3053495" y="1809173"/>
+              <a:ext cx="0" cy="3464924"/>
             </a:xfrm>
             <a:custGeom>
               <a:avLst/>
               <a:pathLst>
-                <a:path w="6913543" h="0">
+                <a:path w="0" h="3464924">
                   <a:moveTo>
+                    <a:pt x="0" y="3464924"/>
+                  </a:moveTo>
+                  <a:lnTo>
                     <a:pt x="0" y="0"/>
-                  </a:moveTo>
-                  <a:lnTo>
-                    <a:pt x="6913543" y="0"/>
-                  </a:lnTo>
-                  <a:lnTo>
-                    <a:pt x="6913543" y="0"/>
+                  </a:lnTo>
+                  <a:lnTo>
+                    <a:pt x="0" y="0"/>
                   </a:lnTo>
                 </a:path>
               </a:pathLst>
             </a:custGeom>
-            <a:ln w="6775" cap="flat">
+            <a:ln w="13550" cap="flat">
               <a:solidFill>
-                <a:srgbClr val="DEDEDE">
+                <a:srgbClr val="EBEBEB">
                   <a:alpha val="100000"/>
                 </a:srgbClr>
               </a:solidFill>
@@ -3605,28 +3605,28 @@
           </p:nvSpPr>
           <p:spPr>
             <a:xfrm>
-              <a:off x="2023549" y="1982389"/>
-              <a:ext cx="6913543" cy="0"/>
+              <a:off x="3575715" y="1809173"/>
+              <a:ext cx="0" cy="3464924"/>
             </a:xfrm>
             <a:custGeom>
               <a:avLst/>
               <a:pathLst>
-                <a:path w="6913543" h="0">
+                <a:path w="0" h="3464924">
                   <a:moveTo>
+                    <a:pt x="0" y="3464924"/>
+                  </a:moveTo>
+                  <a:lnTo>
                     <a:pt x="0" y="0"/>
-                  </a:moveTo>
-                  <a:lnTo>
-                    <a:pt x="6913543" y="0"/>
-                  </a:lnTo>
-                  <a:lnTo>
-                    <a:pt x="6913543" y="0"/>
+                  </a:lnTo>
+                  <a:lnTo>
+                    <a:pt x="0" y="0"/>
                   </a:lnTo>
                 </a:path>
               </a:pathLst>
             </a:custGeom>
-            <a:ln w="6775" cap="flat">
+            <a:ln w="13550" cap="flat">
               <a:solidFill>
-                <a:srgbClr val="DEDEDE">
+                <a:srgbClr val="EBEBEB">
                   <a:alpha val="100000"/>
                 </a:srgbClr>
               </a:solidFill>
@@ -3648,15 +3648,15 @@
           </p:nvSpPr>
           <p:spPr>
             <a:xfrm>
-              <a:off x="2023549" y="1590617"/>
-              <a:ext cx="0" cy="4048310"/>
+              <a:off x="4097935" y="1809173"/>
+              <a:ext cx="0" cy="3464924"/>
             </a:xfrm>
             <a:custGeom>
               <a:avLst/>
               <a:pathLst>
-                <a:path w="0" h="4048310">
+                <a:path w="0" h="3464924">
                   <a:moveTo>
-                    <a:pt x="0" y="4048310"/>
+                    <a:pt x="0" y="3464924"/>
                   </a:moveTo>
                   <a:lnTo>
                     <a:pt x="0" y="0"/>
@@ -3667,9 +3667,9 @@
                 </a:path>
               </a:pathLst>
             </a:custGeom>
-            <a:ln w="6775" cap="flat">
+            <a:ln w="13550" cap="flat">
               <a:solidFill>
-                <a:srgbClr val="DEDEDE">
+                <a:srgbClr val="EBEBEB">
                   <a:alpha val="100000"/>
                 </a:srgbClr>
               </a:solidFill>
@@ -3685,34 +3685,125 @@
         </p:sp>
         <p:sp>
           <p:nvSpPr>
-            <p:cNvPr id="17" name="pl17"/>
-            <p:cNvSpPr/>
-            <p:nvPr/>
-          </p:nvSpPr>
-          <p:spPr>
-            <a:xfrm>
-              <a:off x="3931228" y="1590617"/>
-              <a:ext cx="0" cy="4048310"/>
-            </a:xfrm>
-            <a:custGeom>
-              <a:avLst/>
-              <a:pathLst>
-                <a:path w="0" h="4048310">
-                  <a:moveTo>
-                    <a:pt x="0" y="4048310"/>
-                  </a:moveTo>
-                  <a:lnTo>
-                    <a:pt x="0" y="0"/>
-                  </a:lnTo>
-                  <a:lnTo>
-                    <a:pt x="0" y="0"/>
-                  </a:lnTo>
-                </a:path>
-              </a:pathLst>
-            </a:custGeom>
-            <a:ln w="6775" cap="flat">
+            <p:cNvPr id="17" name="rc17"/>
+            <p:cNvSpPr/>
+            <p:nvPr/>
+          </p:nvSpPr>
+          <p:spPr>
+            <a:xfrm>
+              <a:off x="3340716" y="4146469"/>
+              <a:ext cx="469997" cy="970130"/>
+            </a:xfrm>
+            <a:prstGeom prst="rect">
+              <a:avLst/>
+            </a:prstGeom>
+            <a:solidFill>
+              <a:srgbClr val="FB6A4A">
+                <a:alpha val="100000"/>
+              </a:srgbClr>
+            </a:solidFill>
+          </p:spPr>
+          <p:txBody>
+            <a:bodyPr/>
+            <a:lstStyle/>
+            <a:p/>
+          </p:txBody>
+        </p:sp>
+        <p:sp>
+          <p:nvSpPr>
+            <p:cNvPr id="18" name="rc18"/>
+            <p:cNvSpPr/>
+            <p:nvPr/>
+          </p:nvSpPr>
+          <p:spPr>
+            <a:xfrm>
+              <a:off x="2296276" y="4709385"/>
+              <a:ext cx="469997" cy="407215"/>
+            </a:xfrm>
+            <a:prstGeom prst="rect">
+              <a:avLst/>
+            </a:prstGeom>
+            <a:solidFill>
+              <a:srgbClr val="FEE5D9">
+                <a:alpha val="100000"/>
+              </a:srgbClr>
+            </a:solidFill>
+          </p:spPr>
+          <p:txBody>
+            <a:bodyPr/>
+            <a:lstStyle/>
+            <a:p/>
+          </p:txBody>
+        </p:sp>
+        <p:sp>
+          <p:nvSpPr>
+            <p:cNvPr id="19" name="rc19"/>
+            <p:cNvSpPr/>
+            <p:nvPr/>
+          </p:nvSpPr>
+          <p:spPr>
+            <a:xfrm>
+              <a:off x="3862936" y="4374031"/>
+              <a:ext cx="469997" cy="742569"/>
+            </a:xfrm>
+            <a:prstGeom prst="rect">
+              <a:avLst/>
+            </a:prstGeom>
+            <a:solidFill>
+              <a:srgbClr val="CB181D">
+                <a:alpha val="100000"/>
+              </a:srgbClr>
+            </a:solidFill>
+          </p:spPr>
+          <p:txBody>
+            <a:bodyPr/>
+            <a:lstStyle/>
+            <a:p/>
+          </p:txBody>
+        </p:sp>
+        <p:sp>
+          <p:nvSpPr>
+            <p:cNvPr id="20" name="rc20"/>
+            <p:cNvSpPr/>
+            <p:nvPr/>
+          </p:nvSpPr>
+          <p:spPr>
+            <a:xfrm>
+              <a:off x="2818496" y="1966669"/>
+              <a:ext cx="469997" cy="3149931"/>
+            </a:xfrm>
+            <a:prstGeom prst="rect">
+              <a:avLst/>
+            </a:prstGeom>
+            <a:solidFill>
+              <a:srgbClr val="FCAE91">
+                <a:alpha val="100000"/>
+              </a:srgbClr>
+            </a:solidFill>
+          </p:spPr>
+          <p:txBody>
+            <a:bodyPr/>
+            <a:lstStyle/>
+            <a:p/>
+          </p:txBody>
+        </p:sp>
+        <p:sp>
+          <p:nvSpPr>
+            <p:cNvPr id="21" name="rc21"/>
+            <p:cNvSpPr/>
+            <p:nvPr/>
+          </p:nvSpPr>
+          <p:spPr>
+            <a:xfrm>
+              <a:off x="2217943" y="1809173"/>
+              <a:ext cx="2193323" cy="3464924"/>
+            </a:xfrm>
+            <a:prstGeom prst="rect">
+              <a:avLst/>
+            </a:prstGeom>
+            <a:ln w="13550" cap="rnd">
               <a:solidFill>
-                <a:srgbClr val="DEDEDE">
+                <a:srgbClr val="333333">
                   <a:alpha val="100000"/>
                 </a:srgbClr>
               </a:solidFill>
@@ -3728,34 +3819,60 @@
         </p:sp>
         <p:sp>
           <p:nvSpPr>
-            <p:cNvPr id="18" name="pl18"/>
-            <p:cNvSpPr/>
-            <p:nvPr/>
-          </p:nvSpPr>
-          <p:spPr>
-            <a:xfrm>
-              <a:off x="5838907" y="1590617"/>
-              <a:ext cx="0" cy="4048310"/>
+            <p:cNvPr id="22" name="rc22"/>
+            <p:cNvSpPr/>
+            <p:nvPr/>
+          </p:nvSpPr>
+          <p:spPr>
+            <a:xfrm>
+              <a:off x="4480856" y="1809173"/>
+              <a:ext cx="2193323" cy="3464924"/>
+            </a:xfrm>
+            <a:prstGeom prst="rect">
+              <a:avLst/>
+            </a:prstGeom>
+            <a:solidFill>
+              <a:srgbClr val="FFFFFF">
+                <a:alpha val="100000"/>
+              </a:srgbClr>
+            </a:solidFill>
+          </p:spPr>
+          <p:txBody>
+            <a:bodyPr/>
+            <a:lstStyle/>
+            <a:p/>
+          </p:txBody>
+        </p:sp>
+        <p:sp>
+          <p:nvSpPr>
+            <p:cNvPr id="23" name="pl23"/>
+            <p:cNvSpPr/>
+            <p:nvPr/>
+          </p:nvSpPr>
+          <p:spPr>
+            <a:xfrm>
+              <a:off x="4480856" y="4589616"/>
+              <a:ext cx="2193323" cy="0"/>
             </a:xfrm>
             <a:custGeom>
               <a:avLst/>
               <a:pathLst>
-                <a:path w="0" h="4048310">
+                <a:path w="2193323" h="0">
                   <a:moveTo>
-                    <a:pt x="0" y="4048310"/>
+                    <a:pt x="0" y="0"/>
                   </a:moveTo>
                   <a:lnTo>
-                    <a:pt x="0" y="0"/>
-                  </a:lnTo>
-                  <a:lnTo>
-                    <a:pt x="0" y="0"/>
+                    <a:pt x="2193323" y="0"/>
+                  </a:lnTo>
+                  <a:lnTo>
+                    <a:pt x="2193323" y="0"/>
                   </a:lnTo>
                 </a:path>
               </a:pathLst>
             </a:custGeom>
             <a:ln w="6775" cap="flat">
               <a:solidFill>
-                <a:srgbClr val="DEDEDE">
+                <a:srgbClr val="EBEBEB">
                   <a:alpha val="100000"/>
                 </a:srgbClr>
               </a:solidFill>
@@ -3771,34 +3888,34 @@
         </p:sp>
         <p:sp>
           <p:nvSpPr>
-            <p:cNvPr id="19" name="pl19"/>
-            <p:cNvSpPr/>
-            <p:nvPr/>
-          </p:nvSpPr>
-          <p:spPr>
-            <a:xfrm>
-              <a:off x="7746586" y="1590617"/>
-              <a:ext cx="0" cy="4048310"/>
+            <p:cNvPr id="24" name="pl24"/>
+            <p:cNvSpPr/>
+            <p:nvPr/>
+          </p:nvSpPr>
+          <p:spPr>
+            <a:xfrm>
+              <a:off x="4480856" y="3535646"/>
+              <a:ext cx="2193323" cy="0"/>
             </a:xfrm>
             <a:custGeom>
               <a:avLst/>
               <a:pathLst>
-                <a:path w="0" h="4048310">
+                <a:path w="2193323" h="0">
                   <a:moveTo>
-                    <a:pt x="0" y="4048310"/>
+                    <a:pt x="0" y="0"/>
                   </a:moveTo>
                   <a:lnTo>
-                    <a:pt x="0" y="0"/>
-                  </a:lnTo>
-                  <a:lnTo>
-                    <a:pt x="0" y="0"/>
+                    <a:pt x="2193323" y="0"/>
+                  </a:lnTo>
+                  <a:lnTo>
+                    <a:pt x="2193323" y="0"/>
                   </a:lnTo>
                 </a:path>
               </a:pathLst>
             </a:custGeom>
             <a:ln w="6775" cap="flat">
               <a:solidFill>
-                <a:srgbClr val="DEDEDE">
+                <a:srgbClr val="EBEBEB">
                   <a:alpha val="100000"/>
                 </a:srgbClr>
               </a:solidFill>
@@ -3814,453 +3931,34 @@
         </p:sp>
         <p:sp>
           <p:nvSpPr>
-            <p:cNvPr id="20" name="rc20"/>
-            <p:cNvSpPr/>
-            <p:nvPr/>
-          </p:nvSpPr>
-          <p:spPr>
-            <a:xfrm>
-              <a:off x="2023549" y="1688560"/>
-              <a:ext cx="6777983" cy="587658"/>
-            </a:xfrm>
-            <a:prstGeom prst="rect">
-              <a:avLst/>
-            </a:prstGeom>
-            <a:solidFill>
-              <a:srgbClr val="595959">
-                <a:alpha val="100000"/>
-              </a:srgbClr>
-            </a:solidFill>
-          </p:spPr>
-          <p:txBody>
-            <a:bodyPr/>
-            <a:lstStyle/>
-            <a:p/>
-          </p:txBody>
-        </p:sp>
-        <p:sp>
-          <p:nvSpPr>
-            <p:cNvPr id="21" name="rc21"/>
-            <p:cNvSpPr/>
-            <p:nvPr/>
-          </p:nvSpPr>
-          <p:spPr>
-            <a:xfrm>
-              <a:off x="2023549" y="2341513"/>
-              <a:ext cx="5856574" cy="587658"/>
-            </a:xfrm>
-            <a:prstGeom prst="rect">
-              <a:avLst/>
-            </a:prstGeom>
-            <a:solidFill>
-              <a:srgbClr val="595959">
-                <a:alpha val="100000"/>
-              </a:srgbClr>
-            </a:solidFill>
-          </p:spPr>
-          <p:txBody>
-            <a:bodyPr/>
-            <a:lstStyle/>
-            <a:p/>
-          </p:txBody>
-        </p:sp>
-        <p:sp>
-          <p:nvSpPr>
-            <p:cNvPr id="22" name="rc22"/>
-            <p:cNvSpPr/>
-            <p:nvPr/>
-          </p:nvSpPr>
-          <p:spPr>
-            <a:xfrm>
-              <a:off x="2023549" y="2994466"/>
-              <a:ext cx="4210247" cy="587658"/>
-            </a:xfrm>
-            <a:prstGeom prst="rect">
-              <a:avLst/>
-            </a:prstGeom>
-            <a:solidFill>
-              <a:srgbClr val="595959">
-                <a:alpha val="100000"/>
-              </a:srgbClr>
-            </a:solidFill>
-          </p:spPr>
-          <p:txBody>
-            <a:bodyPr/>
-            <a:lstStyle/>
-            <a:p/>
-          </p:txBody>
-        </p:sp>
-        <p:sp>
-          <p:nvSpPr>
-            <p:cNvPr id="23" name="rc23"/>
-            <p:cNvSpPr/>
-            <p:nvPr/>
-          </p:nvSpPr>
-          <p:spPr>
-            <a:xfrm>
-              <a:off x="2023549" y="3647420"/>
-              <a:ext cx="4002310" cy="587658"/>
-            </a:xfrm>
-            <a:prstGeom prst="rect">
-              <a:avLst/>
-            </a:prstGeom>
-            <a:solidFill>
-              <a:srgbClr val="595959">
-                <a:alpha val="100000"/>
-              </a:srgbClr>
-            </a:solidFill>
-          </p:spPr>
-          <p:txBody>
-            <a:bodyPr/>
-            <a:lstStyle/>
-            <a:p/>
-          </p:txBody>
-        </p:sp>
-        <p:sp>
-          <p:nvSpPr>
-            <p:cNvPr id="24" name="rc24"/>
-            <p:cNvSpPr/>
-            <p:nvPr/>
-          </p:nvSpPr>
-          <p:spPr>
-            <a:xfrm>
-              <a:off x="2023549" y="4300373"/>
-              <a:ext cx="1577650" cy="587658"/>
-            </a:xfrm>
-            <a:prstGeom prst="rect">
-              <a:avLst/>
-            </a:prstGeom>
-            <a:solidFill>
-              <a:srgbClr val="595959">
-                <a:alpha val="100000"/>
-              </a:srgbClr>
-            </a:solidFill>
-          </p:spPr>
-          <p:txBody>
-            <a:bodyPr/>
-            <a:lstStyle/>
-            <a:p/>
-          </p:txBody>
-        </p:sp>
-        <p:sp>
-          <p:nvSpPr>
-            <p:cNvPr id="25" name="rc25"/>
-            <p:cNvSpPr/>
-            <p:nvPr/>
-          </p:nvSpPr>
-          <p:spPr>
-            <a:xfrm>
-              <a:off x="2023549" y="4953326"/>
-              <a:ext cx="120183" cy="587658"/>
-            </a:xfrm>
-            <a:prstGeom prst="rect">
-              <a:avLst/>
-            </a:prstGeom>
-            <a:solidFill>
-              <a:srgbClr val="595959">
-                <a:alpha val="100000"/>
-              </a:srgbClr>
-            </a:solidFill>
-          </p:spPr>
-          <p:txBody>
-            <a:bodyPr/>
-            <a:lstStyle/>
-            <a:p/>
-          </p:txBody>
-        </p:sp>
-        <p:sp>
-          <p:nvSpPr>
-            <p:cNvPr id="26" name="tx26"/>
-            <p:cNvSpPr/>
-            <p:nvPr/>
-          </p:nvSpPr>
-          <p:spPr>
-            <a:xfrm>
-              <a:off x="8198450" y="1925423"/>
-              <a:ext cx="436637" cy="80245"/>
-            </a:xfrm>
-            <a:prstGeom prst="rect">
-              <a:avLst/>
-            </a:prstGeom>
-            <a:noFill/>
-          </p:spPr>
-          <p:txBody>
-            <a:bodyPr lIns="0" rIns="0" tIns="0" bIns="0" anchorCtr="1" anchor="ctr" wrap="none"/>
-            <a:lstStyle/>
-            <a:p>
-              <a:pPr algn="l" marL="0" marR="0" indent="0">
-                <a:lnSpc>
-                  <a:spcPts val="853"/>
-                </a:lnSpc>
-                <a:spcBef>
-                  <a:spcPts val="0"/>
-                </a:spcBef>
-                <a:spcAft>
-                  <a:spcPts val="0"/>
-                </a:spcAft>
-              </a:pPr>
-              <a:r>
-                <a:rPr sz="853" b="1">
-                  <a:solidFill>
-                    <a:srgbClr val="FFFFFF">
-                      <a:alpha val="100000"/>
-                    </a:srgbClr>
-                  </a:solidFill>
-                  <a:latin typeface="Arial"/>
-                  <a:cs typeface="Arial"/>
-                </a:rPr>
-                <a:t>有益/有害菌</a:t>
-              </a:r>
-            </a:p>
-          </p:txBody>
-        </p:sp>
-        <p:sp>
-          <p:nvSpPr>
-            <p:cNvPr id="27" name="tx27"/>
-            <p:cNvSpPr/>
-            <p:nvPr/>
-          </p:nvSpPr>
-          <p:spPr>
-            <a:xfrm>
-              <a:off x="7307160" y="2590869"/>
-              <a:ext cx="406518" cy="67753"/>
-            </a:xfrm>
-            <a:prstGeom prst="rect">
-              <a:avLst/>
-            </a:prstGeom>
-            <a:noFill/>
-          </p:spPr>
-          <p:txBody>
-            <a:bodyPr lIns="0" rIns="0" tIns="0" bIns="0" anchorCtr="1" anchor="ctr" wrap="none"/>
-            <a:lstStyle/>
-            <a:p>
-              <a:pPr algn="l" marL="0" marR="0" indent="0">
-                <a:lnSpc>
-                  <a:spcPts val="853"/>
-                </a:lnSpc>
-                <a:spcBef>
-                  <a:spcPts val="0"/>
-                </a:spcBef>
-                <a:spcAft>
-                  <a:spcPts val="0"/>
-                </a:spcAft>
-              </a:pPr>
-              <a:r>
-                <a:rPr sz="853" b="1">
-                  <a:solidFill>
-                    <a:srgbClr val="FFFFFF">
-                      <a:alpha val="100000"/>
-                    </a:srgbClr>
-                  </a:solidFill>
-                  <a:latin typeface="Arial"/>
-                  <a:cs typeface="Arial"/>
-                </a:rPr>
-                <a:t>微生态平衡</a:t>
-              </a:r>
-            </a:p>
-          </p:txBody>
-        </p:sp>
-        <p:sp>
-          <p:nvSpPr>
-            <p:cNvPr id="28" name="tx28"/>
-            <p:cNvSpPr/>
-            <p:nvPr/>
-          </p:nvSpPr>
-          <p:spPr>
-            <a:xfrm>
-              <a:off x="5742136" y="3243822"/>
-              <a:ext cx="325215" cy="67753"/>
-            </a:xfrm>
-            <a:prstGeom prst="rect">
-              <a:avLst/>
-            </a:prstGeom>
-            <a:noFill/>
-          </p:spPr>
-          <p:txBody>
-            <a:bodyPr lIns="0" rIns="0" tIns="0" bIns="0" anchorCtr="1" anchor="ctr" wrap="none"/>
-            <a:lstStyle/>
-            <a:p>
-              <a:pPr algn="l" marL="0" marR="0" indent="0">
-                <a:lnSpc>
-                  <a:spcPts val="853"/>
-                </a:lnSpc>
-                <a:spcBef>
-                  <a:spcPts val="0"/>
-                </a:spcBef>
-                <a:spcAft>
-                  <a:spcPts val="0"/>
-                </a:spcAft>
-              </a:pPr>
-              <a:r>
-                <a:rPr sz="853" b="1">
-                  <a:solidFill>
-                    <a:srgbClr val="FFFFFF">
-                      <a:alpha val="100000"/>
-                    </a:srgbClr>
-                  </a:solidFill>
-                  <a:latin typeface="Arial"/>
-                  <a:cs typeface="Arial"/>
-                </a:rPr>
-                <a:t>肠道屏障</a:t>
-              </a:r>
-            </a:p>
-          </p:txBody>
-        </p:sp>
-        <p:sp>
-          <p:nvSpPr>
-            <p:cNvPr id="29" name="tx29"/>
-            <p:cNvSpPr/>
-            <p:nvPr/>
-          </p:nvSpPr>
-          <p:spPr>
-            <a:xfrm>
-              <a:off x="5534199" y="3896775"/>
-              <a:ext cx="325215" cy="67753"/>
-            </a:xfrm>
-            <a:prstGeom prst="rect">
-              <a:avLst/>
-            </a:prstGeom>
-            <a:noFill/>
-          </p:spPr>
-          <p:txBody>
-            <a:bodyPr lIns="0" rIns="0" tIns="0" bIns="0" anchorCtr="1" anchor="ctr" wrap="none"/>
-            <a:lstStyle/>
-            <a:p>
-              <a:pPr algn="l" marL="0" marR="0" indent="0">
-                <a:lnSpc>
-                  <a:spcPts val="853"/>
-                </a:lnSpc>
-                <a:spcBef>
-                  <a:spcPts val="0"/>
-                </a:spcBef>
-                <a:spcAft>
-                  <a:spcPts val="0"/>
-                </a:spcAft>
-              </a:pPr>
-              <a:r>
-                <a:rPr sz="853" b="1">
-                  <a:solidFill>
-                    <a:srgbClr val="FFFFFF">
-                      <a:alpha val="100000"/>
-                    </a:srgbClr>
-                  </a:solidFill>
-                  <a:latin typeface="Arial"/>
-                  <a:cs typeface="Arial"/>
-                </a:rPr>
-                <a:t>肠道菌群</a:t>
-              </a:r>
-            </a:p>
-          </p:txBody>
-        </p:sp>
-        <p:sp>
-          <p:nvSpPr>
-            <p:cNvPr id="30" name="tx30"/>
-            <p:cNvSpPr/>
-            <p:nvPr/>
-          </p:nvSpPr>
-          <p:spPr>
-            <a:xfrm>
-              <a:off x="3767644" y="4565248"/>
-              <a:ext cx="325215" cy="67753"/>
-            </a:xfrm>
-            <a:prstGeom prst="rect">
-              <a:avLst/>
-            </a:prstGeom>
-            <a:noFill/>
-          </p:spPr>
-          <p:txBody>
-            <a:bodyPr lIns="0" rIns="0" tIns="0" bIns="0" anchorCtr="1" anchor="ctr" wrap="none"/>
-            <a:lstStyle/>
-            <a:p>
-              <a:pPr algn="l" marL="0" marR="0" indent="0">
-                <a:lnSpc>
-                  <a:spcPts val="853"/>
-                </a:lnSpc>
-                <a:spcBef>
-                  <a:spcPts val="0"/>
-                </a:spcBef>
-                <a:spcAft>
-                  <a:spcPts val="0"/>
-                </a:spcAft>
-              </a:pPr>
-              <a:r>
-                <a:rPr sz="853">
-                  <a:solidFill>
-                    <a:srgbClr val="000000">
-                      <a:alpha val="100000"/>
-                    </a:srgbClr>
-                  </a:solidFill>
-                  <a:latin typeface="Arial"/>
-                  <a:cs typeface="Arial"/>
-                </a:rPr>
-                <a:t>黏膜免疫</a:t>
-              </a:r>
-            </a:p>
-          </p:txBody>
-        </p:sp>
-        <p:sp>
-          <p:nvSpPr>
-            <p:cNvPr id="31" name="tx31"/>
-            <p:cNvSpPr/>
-            <p:nvPr/>
-          </p:nvSpPr>
-          <p:spPr>
-            <a:xfrm>
-              <a:off x="2310178" y="5218202"/>
-              <a:ext cx="569126" cy="67753"/>
-            </a:xfrm>
-            <a:prstGeom prst="rect">
-              <a:avLst/>
-            </a:prstGeom>
-            <a:noFill/>
-          </p:spPr>
-          <p:txBody>
-            <a:bodyPr lIns="0" rIns="0" tIns="0" bIns="0" anchorCtr="1" anchor="ctr" wrap="none"/>
-            <a:lstStyle/>
-            <a:p>
-              <a:pPr algn="l" marL="0" marR="0" indent="0">
-                <a:lnSpc>
-                  <a:spcPts val="853"/>
-                </a:lnSpc>
-                <a:spcBef>
-                  <a:spcPts val="0"/>
-                </a:spcBef>
-                <a:spcAft>
-                  <a:spcPts val="0"/>
-                </a:spcAft>
-              </a:pPr>
-              <a:r>
-                <a:rPr sz="853">
-                  <a:solidFill>
-                    <a:srgbClr val="000000">
-                      <a:alpha val="100000"/>
-                    </a:srgbClr>
-                  </a:solidFill>
-                  <a:latin typeface="Arial"/>
-                  <a:cs typeface="Arial"/>
-                </a:rPr>
-                <a:t>以上有没有听过</a:t>
-              </a:r>
-            </a:p>
-          </p:txBody>
-        </p:sp>
-        <p:sp>
-          <p:nvSpPr>
-            <p:cNvPr id="32" name="rc32"/>
-            <p:cNvSpPr/>
-            <p:nvPr/>
-          </p:nvSpPr>
-          <p:spPr>
-            <a:xfrm>
-              <a:off x="2023549" y="1590617"/>
-              <a:ext cx="6913543" cy="4048310"/>
-            </a:xfrm>
-            <a:prstGeom prst="rect">
-              <a:avLst/>
-            </a:prstGeom>
-            <a:ln w="13550" cap="rnd">
+            <p:cNvPr id="25" name="pl25"/>
+            <p:cNvSpPr/>
+            <p:nvPr/>
+          </p:nvSpPr>
+          <p:spPr>
+            <a:xfrm>
+              <a:off x="4480856" y="2481677"/>
+              <a:ext cx="2193323" cy="0"/>
+            </a:xfrm>
+            <a:custGeom>
+              <a:avLst/>
+              <a:pathLst>
+                <a:path w="2193323" h="0">
+                  <a:moveTo>
+                    <a:pt x="0" y="0"/>
+                  </a:moveTo>
+                  <a:lnTo>
+                    <a:pt x="2193323" y="0"/>
+                  </a:lnTo>
+                  <a:lnTo>
+                    <a:pt x="2193323" y="0"/>
+                  </a:lnTo>
+                </a:path>
+              </a:pathLst>
+            </a:custGeom>
+            <a:ln w="6775" cap="flat">
               <a:solidFill>
-                <a:srgbClr val="B3B3B3">
+                <a:srgbClr val="EBEBEB">
                   <a:alpha val="100000"/>
                 </a:srgbClr>
               </a:solidFill>
@@ -4276,14 +3974,1160 @@
         </p:sp>
         <p:sp>
           <p:nvSpPr>
-            <p:cNvPr id="33" name="tx33"/>
-            <p:cNvSpPr/>
-            <p:nvPr/>
-          </p:nvSpPr>
-          <p:spPr>
-            <a:xfrm>
-              <a:off x="1926599" y="5205464"/>
-              <a:ext cx="62155" cy="81691"/>
+            <p:cNvPr id="26" name="pl26"/>
+            <p:cNvSpPr/>
+            <p:nvPr/>
+          </p:nvSpPr>
+          <p:spPr>
+            <a:xfrm>
+              <a:off x="4480856" y="5116600"/>
+              <a:ext cx="2193323" cy="0"/>
+            </a:xfrm>
+            <a:custGeom>
+              <a:avLst/>
+              <a:pathLst>
+                <a:path w="2193323" h="0">
+                  <a:moveTo>
+                    <a:pt x="0" y="0"/>
+                  </a:moveTo>
+                  <a:lnTo>
+                    <a:pt x="2193323" y="0"/>
+                  </a:lnTo>
+                  <a:lnTo>
+                    <a:pt x="2193323" y="0"/>
+                  </a:lnTo>
+                </a:path>
+              </a:pathLst>
+            </a:custGeom>
+            <a:ln w="13550" cap="flat">
+              <a:solidFill>
+                <a:srgbClr val="EBEBEB">
+                  <a:alpha val="100000"/>
+                </a:srgbClr>
+              </a:solidFill>
+              <a:prstDash val="solid"/>
+              <a:round/>
+            </a:ln>
+          </p:spPr>
+          <p:txBody>
+            <a:bodyPr/>
+            <a:lstStyle/>
+            <a:p/>
+          </p:txBody>
+        </p:sp>
+        <p:sp>
+          <p:nvSpPr>
+            <p:cNvPr id="27" name="pl27"/>
+            <p:cNvSpPr/>
+            <p:nvPr/>
+          </p:nvSpPr>
+          <p:spPr>
+            <a:xfrm>
+              <a:off x="4480856" y="4062631"/>
+              <a:ext cx="2193323" cy="0"/>
+            </a:xfrm>
+            <a:custGeom>
+              <a:avLst/>
+              <a:pathLst>
+                <a:path w="2193323" h="0">
+                  <a:moveTo>
+                    <a:pt x="0" y="0"/>
+                  </a:moveTo>
+                  <a:lnTo>
+                    <a:pt x="2193323" y="0"/>
+                  </a:lnTo>
+                  <a:lnTo>
+                    <a:pt x="2193323" y="0"/>
+                  </a:lnTo>
+                </a:path>
+              </a:pathLst>
+            </a:custGeom>
+            <a:ln w="13550" cap="flat">
+              <a:solidFill>
+                <a:srgbClr val="EBEBEB">
+                  <a:alpha val="100000"/>
+                </a:srgbClr>
+              </a:solidFill>
+              <a:prstDash val="solid"/>
+              <a:round/>
+            </a:ln>
+          </p:spPr>
+          <p:txBody>
+            <a:bodyPr/>
+            <a:lstStyle/>
+            <a:p/>
+          </p:txBody>
+        </p:sp>
+        <p:sp>
+          <p:nvSpPr>
+            <p:cNvPr id="28" name="pl28"/>
+            <p:cNvSpPr/>
+            <p:nvPr/>
+          </p:nvSpPr>
+          <p:spPr>
+            <a:xfrm>
+              <a:off x="4480856" y="3008662"/>
+              <a:ext cx="2193323" cy="0"/>
+            </a:xfrm>
+            <a:custGeom>
+              <a:avLst/>
+              <a:pathLst>
+                <a:path w="2193323" h="0">
+                  <a:moveTo>
+                    <a:pt x="0" y="0"/>
+                  </a:moveTo>
+                  <a:lnTo>
+                    <a:pt x="2193323" y="0"/>
+                  </a:lnTo>
+                  <a:lnTo>
+                    <a:pt x="2193323" y="0"/>
+                  </a:lnTo>
+                </a:path>
+              </a:pathLst>
+            </a:custGeom>
+            <a:ln w="13550" cap="flat">
+              <a:solidFill>
+                <a:srgbClr val="EBEBEB">
+                  <a:alpha val="100000"/>
+                </a:srgbClr>
+              </a:solidFill>
+              <a:prstDash val="solid"/>
+              <a:round/>
+            </a:ln>
+          </p:spPr>
+          <p:txBody>
+            <a:bodyPr/>
+            <a:lstStyle/>
+            <a:p/>
+          </p:txBody>
+        </p:sp>
+        <p:sp>
+          <p:nvSpPr>
+            <p:cNvPr id="29" name="pl29"/>
+            <p:cNvSpPr/>
+            <p:nvPr/>
+          </p:nvSpPr>
+          <p:spPr>
+            <a:xfrm>
+              <a:off x="4480856" y="1954692"/>
+              <a:ext cx="2193323" cy="0"/>
+            </a:xfrm>
+            <a:custGeom>
+              <a:avLst/>
+              <a:pathLst>
+                <a:path w="2193323" h="0">
+                  <a:moveTo>
+                    <a:pt x="0" y="0"/>
+                  </a:moveTo>
+                  <a:lnTo>
+                    <a:pt x="2193323" y="0"/>
+                  </a:lnTo>
+                  <a:lnTo>
+                    <a:pt x="2193323" y="0"/>
+                  </a:lnTo>
+                </a:path>
+              </a:pathLst>
+            </a:custGeom>
+            <a:ln w="13550" cap="flat">
+              <a:solidFill>
+                <a:srgbClr val="EBEBEB">
+                  <a:alpha val="100000"/>
+                </a:srgbClr>
+              </a:solidFill>
+              <a:prstDash val="solid"/>
+              <a:round/>
+            </a:ln>
+          </p:spPr>
+          <p:txBody>
+            <a:bodyPr/>
+            <a:lstStyle/>
+            <a:p/>
+          </p:txBody>
+        </p:sp>
+        <p:sp>
+          <p:nvSpPr>
+            <p:cNvPr id="30" name="pl30"/>
+            <p:cNvSpPr/>
+            <p:nvPr/>
+          </p:nvSpPr>
+          <p:spPr>
+            <a:xfrm>
+              <a:off x="4794188" y="1809173"/>
+              <a:ext cx="0" cy="3464924"/>
+            </a:xfrm>
+            <a:custGeom>
+              <a:avLst/>
+              <a:pathLst>
+                <a:path w="0" h="3464924">
+                  <a:moveTo>
+                    <a:pt x="0" y="3464924"/>
+                  </a:moveTo>
+                  <a:lnTo>
+                    <a:pt x="0" y="0"/>
+                  </a:lnTo>
+                  <a:lnTo>
+                    <a:pt x="0" y="0"/>
+                  </a:lnTo>
+                </a:path>
+              </a:pathLst>
+            </a:custGeom>
+            <a:ln w="13550" cap="flat">
+              <a:solidFill>
+                <a:srgbClr val="EBEBEB">
+                  <a:alpha val="100000"/>
+                </a:srgbClr>
+              </a:solidFill>
+              <a:prstDash val="solid"/>
+              <a:round/>
+            </a:ln>
+          </p:spPr>
+          <p:txBody>
+            <a:bodyPr/>
+            <a:lstStyle/>
+            <a:p/>
+          </p:txBody>
+        </p:sp>
+        <p:sp>
+          <p:nvSpPr>
+            <p:cNvPr id="31" name="pl31"/>
+            <p:cNvSpPr/>
+            <p:nvPr/>
+          </p:nvSpPr>
+          <p:spPr>
+            <a:xfrm>
+              <a:off x="5316408" y="1809173"/>
+              <a:ext cx="0" cy="3464924"/>
+            </a:xfrm>
+            <a:custGeom>
+              <a:avLst/>
+              <a:pathLst>
+                <a:path w="0" h="3464924">
+                  <a:moveTo>
+                    <a:pt x="0" y="3464924"/>
+                  </a:moveTo>
+                  <a:lnTo>
+                    <a:pt x="0" y="0"/>
+                  </a:lnTo>
+                  <a:lnTo>
+                    <a:pt x="0" y="0"/>
+                  </a:lnTo>
+                </a:path>
+              </a:pathLst>
+            </a:custGeom>
+            <a:ln w="13550" cap="flat">
+              <a:solidFill>
+                <a:srgbClr val="EBEBEB">
+                  <a:alpha val="100000"/>
+                </a:srgbClr>
+              </a:solidFill>
+              <a:prstDash val="solid"/>
+              <a:round/>
+            </a:ln>
+          </p:spPr>
+          <p:txBody>
+            <a:bodyPr/>
+            <a:lstStyle/>
+            <a:p/>
+          </p:txBody>
+        </p:sp>
+        <p:sp>
+          <p:nvSpPr>
+            <p:cNvPr id="32" name="pl32"/>
+            <p:cNvSpPr/>
+            <p:nvPr/>
+          </p:nvSpPr>
+          <p:spPr>
+            <a:xfrm>
+              <a:off x="5838627" y="1809173"/>
+              <a:ext cx="0" cy="3464924"/>
+            </a:xfrm>
+            <a:custGeom>
+              <a:avLst/>
+              <a:pathLst>
+                <a:path w="0" h="3464924">
+                  <a:moveTo>
+                    <a:pt x="0" y="3464924"/>
+                  </a:moveTo>
+                  <a:lnTo>
+                    <a:pt x="0" y="0"/>
+                  </a:lnTo>
+                  <a:lnTo>
+                    <a:pt x="0" y="0"/>
+                  </a:lnTo>
+                </a:path>
+              </a:pathLst>
+            </a:custGeom>
+            <a:ln w="13550" cap="flat">
+              <a:solidFill>
+                <a:srgbClr val="EBEBEB">
+                  <a:alpha val="100000"/>
+                </a:srgbClr>
+              </a:solidFill>
+              <a:prstDash val="solid"/>
+              <a:round/>
+            </a:ln>
+          </p:spPr>
+          <p:txBody>
+            <a:bodyPr/>
+            <a:lstStyle/>
+            <a:p/>
+          </p:txBody>
+        </p:sp>
+        <p:sp>
+          <p:nvSpPr>
+            <p:cNvPr id="33" name="pl33"/>
+            <p:cNvSpPr/>
+            <p:nvPr/>
+          </p:nvSpPr>
+          <p:spPr>
+            <a:xfrm>
+              <a:off x="6360847" y="1809173"/>
+              <a:ext cx="0" cy="3464924"/>
+            </a:xfrm>
+            <a:custGeom>
+              <a:avLst/>
+              <a:pathLst>
+                <a:path w="0" h="3464924">
+                  <a:moveTo>
+                    <a:pt x="0" y="3464924"/>
+                  </a:moveTo>
+                  <a:lnTo>
+                    <a:pt x="0" y="0"/>
+                  </a:lnTo>
+                  <a:lnTo>
+                    <a:pt x="0" y="0"/>
+                  </a:lnTo>
+                </a:path>
+              </a:pathLst>
+            </a:custGeom>
+            <a:ln w="13550" cap="flat">
+              <a:solidFill>
+                <a:srgbClr val="EBEBEB">
+                  <a:alpha val="100000"/>
+                </a:srgbClr>
+              </a:solidFill>
+              <a:prstDash val="solid"/>
+              <a:round/>
+            </a:ln>
+          </p:spPr>
+          <p:txBody>
+            <a:bodyPr/>
+            <a:lstStyle/>
+            <a:p/>
+          </p:txBody>
+        </p:sp>
+        <p:sp>
+          <p:nvSpPr>
+            <p:cNvPr id="34" name="rc34"/>
+            <p:cNvSpPr/>
+            <p:nvPr/>
+          </p:nvSpPr>
+          <p:spPr>
+            <a:xfrm>
+              <a:off x="5603629" y="4180643"/>
+              <a:ext cx="469997" cy="935957"/>
+            </a:xfrm>
+            <a:prstGeom prst="rect">
+              <a:avLst/>
+            </a:prstGeom>
+            <a:solidFill>
+              <a:srgbClr val="FB6A4A">
+                <a:alpha val="100000"/>
+              </a:srgbClr>
+            </a:solidFill>
+          </p:spPr>
+          <p:txBody>
+            <a:bodyPr/>
+            <a:lstStyle/>
+            <a:p/>
+          </p:txBody>
+        </p:sp>
+        <p:sp>
+          <p:nvSpPr>
+            <p:cNvPr id="35" name="rc35"/>
+            <p:cNvSpPr/>
+            <p:nvPr/>
+          </p:nvSpPr>
+          <p:spPr>
+            <a:xfrm>
+              <a:off x="4559189" y="4567234"/>
+              <a:ext cx="469997" cy="549366"/>
+            </a:xfrm>
+            <a:prstGeom prst="rect">
+              <a:avLst/>
+            </a:prstGeom>
+            <a:solidFill>
+              <a:srgbClr val="FEE5D9">
+                <a:alpha val="100000"/>
+              </a:srgbClr>
+            </a:solidFill>
+          </p:spPr>
+          <p:txBody>
+            <a:bodyPr/>
+            <a:lstStyle/>
+            <a:p/>
+          </p:txBody>
+        </p:sp>
+        <p:sp>
+          <p:nvSpPr>
+            <p:cNvPr id="36" name="rc36"/>
+            <p:cNvSpPr/>
+            <p:nvPr/>
+          </p:nvSpPr>
+          <p:spPr>
+            <a:xfrm>
+              <a:off x="6125848" y="3997521"/>
+              <a:ext cx="469997" cy="1119079"/>
+            </a:xfrm>
+            <a:prstGeom prst="rect">
+              <a:avLst/>
+            </a:prstGeom>
+            <a:solidFill>
+              <a:srgbClr val="CB181D">
+                <a:alpha val="100000"/>
+              </a:srgbClr>
+            </a:solidFill>
+          </p:spPr>
+          <p:txBody>
+            <a:bodyPr/>
+            <a:lstStyle/>
+            <a:p/>
+          </p:txBody>
+        </p:sp>
+        <p:sp>
+          <p:nvSpPr>
+            <p:cNvPr id="37" name="rc37"/>
+            <p:cNvSpPr/>
+            <p:nvPr/>
+          </p:nvSpPr>
+          <p:spPr>
+            <a:xfrm>
+              <a:off x="5081409" y="2451157"/>
+              <a:ext cx="469997" cy="2665443"/>
+            </a:xfrm>
+            <a:prstGeom prst="rect">
+              <a:avLst/>
+            </a:prstGeom>
+            <a:solidFill>
+              <a:srgbClr val="FCAE91">
+                <a:alpha val="100000"/>
+              </a:srgbClr>
+            </a:solidFill>
+          </p:spPr>
+          <p:txBody>
+            <a:bodyPr/>
+            <a:lstStyle/>
+            <a:p/>
+          </p:txBody>
+        </p:sp>
+        <p:sp>
+          <p:nvSpPr>
+            <p:cNvPr id="38" name="rc38"/>
+            <p:cNvSpPr/>
+            <p:nvPr/>
+          </p:nvSpPr>
+          <p:spPr>
+            <a:xfrm>
+              <a:off x="4480856" y="1809173"/>
+              <a:ext cx="2193323" cy="3464924"/>
+            </a:xfrm>
+            <a:prstGeom prst="rect">
+              <a:avLst/>
+            </a:prstGeom>
+            <a:ln w="13550" cap="rnd">
+              <a:solidFill>
+                <a:srgbClr val="333333">
+                  <a:alpha val="100000"/>
+                </a:srgbClr>
+              </a:solidFill>
+              <a:prstDash val="solid"/>
+              <a:round/>
+            </a:ln>
+          </p:spPr>
+          <p:txBody>
+            <a:bodyPr/>
+            <a:lstStyle/>
+            <a:p/>
+          </p:txBody>
+        </p:sp>
+        <p:sp>
+          <p:nvSpPr>
+            <p:cNvPr id="39" name="rc39"/>
+            <p:cNvSpPr/>
+            <p:nvPr/>
+          </p:nvSpPr>
+          <p:spPr>
+            <a:xfrm>
+              <a:off x="6743768" y="1809173"/>
+              <a:ext cx="2193323" cy="3464924"/>
+            </a:xfrm>
+            <a:prstGeom prst="rect">
+              <a:avLst/>
+            </a:prstGeom>
+            <a:solidFill>
+              <a:srgbClr val="FFFFFF">
+                <a:alpha val="100000"/>
+              </a:srgbClr>
+            </a:solidFill>
+          </p:spPr>
+          <p:txBody>
+            <a:bodyPr/>
+            <a:lstStyle/>
+            <a:p/>
+          </p:txBody>
+        </p:sp>
+        <p:sp>
+          <p:nvSpPr>
+            <p:cNvPr id="40" name="pl40"/>
+            <p:cNvSpPr/>
+            <p:nvPr/>
+          </p:nvSpPr>
+          <p:spPr>
+            <a:xfrm>
+              <a:off x="6743768" y="4589616"/>
+              <a:ext cx="2193323" cy="0"/>
+            </a:xfrm>
+            <a:custGeom>
+              <a:avLst/>
+              <a:pathLst>
+                <a:path w="2193323" h="0">
+                  <a:moveTo>
+                    <a:pt x="0" y="0"/>
+                  </a:moveTo>
+                  <a:lnTo>
+                    <a:pt x="2193323" y="0"/>
+                  </a:lnTo>
+                  <a:lnTo>
+                    <a:pt x="2193323" y="0"/>
+                  </a:lnTo>
+                </a:path>
+              </a:pathLst>
+            </a:custGeom>
+            <a:ln w="6775" cap="flat">
+              <a:solidFill>
+                <a:srgbClr val="EBEBEB">
+                  <a:alpha val="100000"/>
+                </a:srgbClr>
+              </a:solidFill>
+              <a:prstDash val="solid"/>
+              <a:round/>
+            </a:ln>
+          </p:spPr>
+          <p:txBody>
+            <a:bodyPr/>
+            <a:lstStyle/>
+            <a:p/>
+          </p:txBody>
+        </p:sp>
+        <p:sp>
+          <p:nvSpPr>
+            <p:cNvPr id="41" name="pl41"/>
+            <p:cNvSpPr/>
+            <p:nvPr/>
+          </p:nvSpPr>
+          <p:spPr>
+            <a:xfrm>
+              <a:off x="6743768" y="3535646"/>
+              <a:ext cx="2193323" cy="0"/>
+            </a:xfrm>
+            <a:custGeom>
+              <a:avLst/>
+              <a:pathLst>
+                <a:path w="2193323" h="0">
+                  <a:moveTo>
+                    <a:pt x="0" y="0"/>
+                  </a:moveTo>
+                  <a:lnTo>
+                    <a:pt x="2193323" y="0"/>
+                  </a:lnTo>
+                  <a:lnTo>
+                    <a:pt x="2193323" y="0"/>
+                  </a:lnTo>
+                </a:path>
+              </a:pathLst>
+            </a:custGeom>
+            <a:ln w="6775" cap="flat">
+              <a:solidFill>
+                <a:srgbClr val="EBEBEB">
+                  <a:alpha val="100000"/>
+                </a:srgbClr>
+              </a:solidFill>
+              <a:prstDash val="solid"/>
+              <a:round/>
+            </a:ln>
+          </p:spPr>
+          <p:txBody>
+            <a:bodyPr/>
+            <a:lstStyle/>
+            <a:p/>
+          </p:txBody>
+        </p:sp>
+        <p:sp>
+          <p:nvSpPr>
+            <p:cNvPr id="42" name="pl42"/>
+            <p:cNvSpPr/>
+            <p:nvPr/>
+          </p:nvSpPr>
+          <p:spPr>
+            <a:xfrm>
+              <a:off x="6743768" y="2481677"/>
+              <a:ext cx="2193323" cy="0"/>
+            </a:xfrm>
+            <a:custGeom>
+              <a:avLst/>
+              <a:pathLst>
+                <a:path w="2193323" h="0">
+                  <a:moveTo>
+                    <a:pt x="0" y="0"/>
+                  </a:moveTo>
+                  <a:lnTo>
+                    <a:pt x="2193323" y="0"/>
+                  </a:lnTo>
+                  <a:lnTo>
+                    <a:pt x="2193323" y="0"/>
+                  </a:lnTo>
+                </a:path>
+              </a:pathLst>
+            </a:custGeom>
+            <a:ln w="6775" cap="flat">
+              <a:solidFill>
+                <a:srgbClr val="EBEBEB">
+                  <a:alpha val="100000"/>
+                </a:srgbClr>
+              </a:solidFill>
+              <a:prstDash val="solid"/>
+              <a:round/>
+            </a:ln>
+          </p:spPr>
+          <p:txBody>
+            <a:bodyPr/>
+            <a:lstStyle/>
+            <a:p/>
+          </p:txBody>
+        </p:sp>
+        <p:sp>
+          <p:nvSpPr>
+            <p:cNvPr id="43" name="pl43"/>
+            <p:cNvSpPr/>
+            <p:nvPr/>
+          </p:nvSpPr>
+          <p:spPr>
+            <a:xfrm>
+              <a:off x="6743768" y="5116600"/>
+              <a:ext cx="2193323" cy="0"/>
+            </a:xfrm>
+            <a:custGeom>
+              <a:avLst/>
+              <a:pathLst>
+                <a:path w="2193323" h="0">
+                  <a:moveTo>
+                    <a:pt x="0" y="0"/>
+                  </a:moveTo>
+                  <a:lnTo>
+                    <a:pt x="2193323" y="0"/>
+                  </a:lnTo>
+                  <a:lnTo>
+                    <a:pt x="2193323" y="0"/>
+                  </a:lnTo>
+                </a:path>
+              </a:pathLst>
+            </a:custGeom>
+            <a:ln w="13550" cap="flat">
+              <a:solidFill>
+                <a:srgbClr val="EBEBEB">
+                  <a:alpha val="100000"/>
+                </a:srgbClr>
+              </a:solidFill>
+              <a:prstDash val="solid"/>
+              <a:round/>
+            </a:ln>
+          </p:spPr>
+          <p:txBody>
+            <a:bodyPr/>
+            <a:lstStyle/>
+            <a:p/>
+          </p:txBody>
+        </p:sp>
+        <p:sp>
+          <p:nvSpPr>
+            <p:cNvPr id="44" name="pl44"/>
+            <p:cNvSpPr/>
+            <p:nvPr/>
+          </p:nvSpPr>
+          <p:spPr>
+            <a:xfrm>
+              <a:off x="6743768" y="4062631"/>
+              <a:ext cx="2193323" cy="0"/>
+            </a:xfrm>
+            <a:custGeom>
+              <a:avLst/>
+              <a:pathLst>
+                <a:path w="2193323" h="0">
+                  <a:moveTo>
+                    <a:pt x="0" y="0"/>
+                  </a:moveTo>
+                  <a:lnTo>
+                    <a:pt x="2193323" y="0"/>
+                  </a:lnTo>
+                  <a:lnTo>
+                    <a:pt x="2193323" y="0"/>
+                  </a:lnTo>
+                </a:path>
+              </a:pathLst>
+            </a:custGeom>
+            <a:ln w="13550" cap="flat">
+              <a:solidFill>
+                <a:srgbClr val="EBEBEB">
+                  <a:alpha val="100000"/>
+                </a:srgbClr>
+              </a:solidFill>
+              <a:prstDash val="solid"/>
+              <a:round/>
+            </a:ln>
+          </p:spPr>
+          <p:txBody>
+            <a:bodyPr/>
+            <a:lstStyle/>
+            <a:p/>
+          </p:txBody>
+        </p:sp>
+        <p:sp>
+          <p:nvSpPr>
+            <p:cNvPr id="45" name="pl45"/>
+            <p:cNvSpPr/>
+            <p:nvPr/>
+          </p:nvSpPr>
+          <p:spPr>
+            <a:xfrm>
+              <a:off x="6743768" y="3008662"/>
+              <a:ext cx="2193323" cy="0"/>
+            </a:xfrm>
+            <a:custGeom>
+              <a:avLst/>
+              <a:pathLst>
+                <a:path w="2193323" h="0">
+                  <a:moveTo>
+                    <a:pt x="0" y="0"/>
+                  </a:moveTo>
+                  <a:lnTo>
+                    <a:pt x="2193323" y="0"/>
+                  </a:lnTo>
+                  <a:lnTo>
+                    <a:pt x="2193323" y="0"/>
+                  </a:lnTo>
+                </a:path>
+              </a:pathLst>
+            </a:custGeom>
+            <a:ln w="13550" cap="flat">
+              <a:solidFill>
+                <a:srgbClr val="EBEBEB">
+                  <a:alpha val="100000"/>
+                </a:srgbClr>
+              </a:solidFill>
+              <a:prstDash val="solid"/>
+              <a:round/>
+            </a:ln>
+          </p:spPr>
+          <p:txBody>
+            <a:bodyPr/>
+            <a:lstStyle/>
+            <a:p/>
+          </p:txBody>
+        </p:sp>
+        <p:sp>
+          <p:nvSpPr>
+            <p:cNvPr id="46" name="pl46"/>
+            <p:cNvSpPr/>
+            <p:nvPr/>
+          </p:nvSpPr>
+          <p:spPr>
+            <a:xfrm>
+              <a:off x="6743768" y="1954692"/>
+              <a:ext cx="2193323" cy="0"/>
+            </a:xfrm>
+            <a:custGeom>
+              <a:avLst/>
+              <a:pathLst>
+                <a:path w="2193323" h="0">
+                  <a:moveTo>
+                    <a:pt x="0" y="0"/>
+                  </a:moveTo>
+                  <a:lnTo>
+                    <a:pt x="2193323" y="0"/>
+                  </a:lnTo>
+                  <a:lnTo>
+                    <a:pt x="2193323" y="0"/>
+                  </a:lnTo>
+                </a:path>
+              </a:pathLst>
+            </a:custGeom>
+            <a:ln w="13550" cap="flat">
+              <a:solidFill>
+                <a:srgbClr val="EBEBEB">
+                  <a:alpha val="100000"/>
+                </a:srgbClr>
+              </a:solidFill>
+              <a:prstDash val="solid"/>
+              <a:round/>
+            </a:ln>
+          </p:spPr>
+          <p:txBody>
+            <a:bodyPr/>
+            <a:lstStyle/>
+            <a:p/>
+          </p:txBody>
+        </p:sp>
+        <p:sp>
+          <p:nvSpPr>
+            <p:cNvPr id="47" name="pl47"/>
+            <p:cNvSpPr/>
+            <p:nvPr/>
+          </p:nvSpPr>
+          <p:spPr>
+            <a:xfrm>
+              <a:off x="7057100" y="1809173"/>
+              <a:ext cx="0" cy="3464924"/>
+            </a:xfrm>
+            <a:custGeom>
+              <a:avLst/>
+              <a:pathLst>
+                <a:path w="0" h="3464924">
+                  <a:moveTo>
+                    <a:pt x="0" y="3464924"/>
+                  </a:moveTo>
+                  <a:lnTo>
+                    <a:pt x="0" y="0"/>
+                  </a:lnTo>
+                  <a:lnTo>
+                    <a:pt x="0" y="0"/>
+                  </a:lnTo>
+                </a:path>
+              </a:pathLst>
+            </a:custGeom>
+            <a:ln w="13550" cap="flat">
+              <a:solidFill>
+                <a:srgbClr val="EBEBEB">
+                  <a:alpha val="100000"/>
+                </a:srgbClr>
+              </a:solidFill>
+              <a:prstDash val="solid"/>
+              <a:round/>
+            </a:ln>
+          </p:spPr>
+          <p:txBody>
+            <a:bodyPr/>
+            <a:lstStyle/>
+            <a:p/>
+          </p:txBody>
+        </p:sp>
+        <p:sp>
+          <p:nvSpPr>
+            <p:cNvPr id="48" name="pl48"/>
+            <p:cNvSpPr/>
+            <p:nvPr/>
+          </p:nvSpPr>
+          <p:spPr>
+            <a:xfrm>
+              <a:off x="7579320" y="1809173"/>
+              <a:ext cx="0" cy="3464924"/>
+            </a:xfrm>
+            <a:custGeom>
+              <a:avLst/>
+              <a:pathLst>
+                <a:path w="0" h="3464924">
+                  <a:moveTo>
+                    <a:pt x="0" y="3464924"/>
+                  </a:moveTo>
+                  <a:lnTo>
+                    <a:pt x="0" y="0"/>
+                  </a:lnTo>
+                  <a:lnTo>
+                    <a:pt x="0" y="0"/>
+                  </a:lnTo>
+                </a:path>
+              </a:pathLst>
+            </a:custGeom>
+            <a:ln w="13550" cap="flat">
+              <a:solidFill>
+                <a:srgbClr val="EBEBEB">
+                  <a:alpha val="100000"/>
+                </a:srgbClr>
+              </a:solidFill>
+              <a:prstDash val="solid"/>
+              <a:round/>
+            </a:ln>
+          </p:spPr>
+          <p:txBody>
+            <a:bodyPr/>
+            <a:lstStyle/>
+            <a:p/>
+          </p:txBody>
+        </p:sp>
+        <p:sp>
+          <p:nvSpPr>
+            <p:cNvPr id="49" name="pl49"/>
+            <p:cNvSpPr/>
+            <p:nvPr/>
+          </p:nvSpPr>
+          <p:spPr>
+            <a:xfrm>
+              <a:off x="8101540" y="1809173"/>
+              <a:ext cx="0" cy="3464924"/>
+            </a:xfrm>
+            <a:custGeom>
+              <a:avLst/>
+              <a:pathLst>
+                <a:path w="0" h="3464924">
+                  <a:moveTo>
+                    <a:pt x="0" y="3464924"/>
+                  </a:moveTo>
+                  <a:lnTo>
+                    <a:pt x="0" y="0"/>
+                  </a:lnTo>
+                  <a:lnTo>
+                    <a:pt x="0" y="0"/>
+                  </a:lnTo>
+                </a:path>
+              </a:pathLst>
+            </a:custGeom>
+            <a:ln w="13550" cap="flat">
+              <a:solidFill>
+                <a:srgbClr val="EBEBEB">
+                  <a:alpha val="100000"/>
+                </a:srgbClr>
+              </a:solidFill>
+              <a:prstDash val="solid"/>
+              <a:round/>
+            </a:ln>
+          </p:spPr>
+          <p:txBody>
+            <a:bodyPr/>
+            <a:lstStyle/>
+            <a:p/>
+          </p:txBody>
+        </p:sp>
+        <p:sp>
+          <p:nvSpPr>
+            <p:cNvPr id="50" name="pl50"/>
+            <p:cNvSpPr/>
+            <p:nvPr/>
+          </p:nvSpPr>
+          <p:spPr>
+            <a:xfrm>
+              <a:off x="8623760" y="1809173"/>
+              <a:ext cx="0" cy="3464924"/>
+            </a:xfrm>
+            <a:custGeom>
+              <a:avLst/>
+              <a:pathLst>
+                <a:path w="0" h="3464924">
+                  <a:moveTo>
+                    <a:pt x="0" y="3464924"/>
+                  </a:moveTo>
+                  <a:lnTo>
+                    <a:pt x="0" y="0"/>
+                  </a:lnTo>
+                  <a:lnTo>
+                    <a:pt x="0" y="0"/>
+                  </a:lnTo>
+                </a:path>
+              </a:pathLst>
+            </a:custGeom>
+            <a:ln w="13550" cap="flat">
+              <a:solidFill>
+                <a:srgbClr val="EBEBEB">
+                  <a:alpha val="100000"/>
+                </a:srgbClr>
+              </a:solidFill>
+              <a:prstDash val="solid"/>
+              <a:round/>
+            </a:ln>
+          </p:spPr>
+          <p:txBody>
+            <a:bodyPr/>
+            <a:lstStyle/>
+            <a:p/>
+          </p:txBody>
+        </p:sp>
+        <p:sp>
+          <p:nvSpPr>
+            <p:cNvPr id="51" name="rc51"/>
+            <p:cNvSpPr/>
+            <p:nvPr/>
+          </p:nvSpPr>
+          <p:spPr>
+            <a:xfrm>
+              <a:off x="7866541" y="3832920"/>
+              <a:ext cx="469997" cy="1283680"/>
+            </a:xfrm>
+            <a:prstGeom prst="rect">
+              <a:avLst/>
+            </a:prstGeom>
+            <a:solidFill>
+              <a:srgbClr val="FB6A4A">
+                <a:alpha val="100000"/>
+              </a:srgbClr>
+            </a:solidFill>
+          </p:spPr>
+          <p:txBody>
+            <a:bodyPr/>
+            <a:lstStyle/>
+            <a:p/>
+          </p:txBody>
+        </p:sp>
+        <p:sp>
+          <p:nvSpPr>
+            <p:cNvPr id="52" name="rc52"/>
+            <p:cNvSpPr/>
+            <p:nvPr/>
+          </p:nvSpPr>
+          <p:spPr>
+            <a:xfrm>
+              <a:off x="6822101" y="4778790"/>
+              <a:ext cx="469997" cy="337810"/>
+            </a:xfrm>
+            <a:prstGeom prst="rect">
+              <a:avLst/>
+            </a:prstGeom>
+            <a:solidFill>
+              <a:srgbClr val="FEE5D9">
+                <a:alpha val="100000"/>
+              </a:srgbClr>
+            </a:solidFill>
+          </p:spPr>
+          <p:txBody>
+            <a:bodyPr/>
+            <a:lstStyle/>
+            <a:p/>
+          </p:txBody>
+        </p:sp>
+        <p:sp>
+          <p:nvSpPr>
+            <p:cNvPr id="53" name="rc53"/>
+            <p:cNvSpPr/>
+            <p:nvPr/>
+          </p:nvSpPr>
+          <p:spPr>
+            <a:xfrm>
+              <a:off x="8388761" y="3832920"/>
+              <a:ext cx="469997" cy="1283680"/>
+            </a:xfrm>
+            <a:prstGeom prst="rect">
+              <a:avLst/>
+            </a:prstGeom>
+            <a:solidFill>
+              <a:srgbClr val="CB181D">
+                <a:alpha val="100000"/>
+              </a:srgbClr>
+            </a:solidFill>
+          </p:spPr>
+          <p:txBody>
+            <a:bodyPr/>
+            <a:lstStyle/>
+            <a:p/>
+          </p:txBody>
+        </p:sp>
+        <p:sp>
+          <p:nvSpPr>
+            <p:cNvPr id="54" name="rc54"/>
+            <p:cNvSpPr/>
+            <p:nvPr/>
+          </p:nvSpPr>
+          <p:spPr>
+            <a:xfrm>
+              <a:off x="7344321" y="2751925"/>
+              <a:ext cx="469997" cy="2364674"/>
+            </a:xfrm>
+            <a:prstGeom prst="rect">
+              <a:avLst/>
+            </a:prstGeom>
+            <a:solidFill>
+              <a:srgbClr val="FCAE91">
+                <a:alpha val="100000"/>
+              </a:srgbClr>
+            </a:solidFill>
+          </p:spPr>
+          <p:txBody>
+            <a:bodyPr/>
+            <a:lstStyle/>
+            <a:p/>
+          </p:txBody>
+        </p:sp>
+        <p:sp>
+          <p:nvSpPr>
+            <p:cNvPr id="55" name="rc55"/>
+            <p:cNvSpPr/>
+            <p:nvPr/>
+          </p:nvSpPr>
+          <p:spPr>
+            <a:xfrm>
+              <a:off x="6743768" y="1809173"/>
+              <a:ext cx="2193323" cy="3464924"/>
+            </a:xfrm>
+            <a:prstGeom prst="rect">
+              <a:avLst/>
+            </a:prstGeom>
+            <a:ln w="13550" cap="rnd">
+              <a:solidFill>
+                <a:srgbClr val="333333">
+                  <a:alpha val="100000"/>
+                </a:srgbClr>
+              </a:solidFill>
+              <a:prstDash val="solid"/>
+              <a:round/>
+            </a:ln>
+          </p:spPr>
+          <p:txBody>
+            <a:bodyPr/>
+            <a:lstStyle/>
+            <a:p/>
+          </p:txBody>
+        </p:sp>
+        <p:sp>
+          <p:nvSpPr>
+            <p:cNvPr id="56" name="rc56"/>
+            <p:cNvSpPr/>
+            <p:nvPr/>
+          </p:nvSpPr>
+          <p:spPr>
+            <a:xfrm>
+              <a:off x="2217943" y="1590617"/>
+              <a:ext cx="2193323" cy="218555"/>
+            </a:xfrm>
+            <a:prstGeom prst="rect">
+              <a:avLst/>
+            </a:prstGeom>
+            <a:solidFill>
+              <a:srgbClr val="D9D9D9">
+                <a:alpha val="100000"/>
+              </a:srgbClr>
+            </a:solidFill>
+            <a:ln w="13550" cap="rnd">
+              <a:solidFill>
+                <a:srgbClr val="333333">
+                  <a:alpha val="100000"/>
+                </a:srgbClr>
+              </a:solidFill>
+              <a:prstDash val="solid"/>
+              <a:round/>
+            </a:ln>
+          </p:spPr>
+          <p:txBody>
+            <a:bodyPr/>
+            <a:lstStyle/>
+            <a:p/>
+          </p:txBody>
+        </p:sp>
+        <p:sp>
+          <p:nvSpPr>
+            <p:cNvPr id="57" name="tx57"/>
+            <p:cNvSpPr/>
+            <p:nvPr/>
+          </p:nvSpPr>
+          <p:spPr>
+            <a:xfrm>
+              <a:off x="3105055" y="1670045"/>
+              <a:ext cx="419100" cy="69850"/>
             </a:xfrm>
             <a:prstGeom prst="rect">
               <a:avLst/>
@@ -4306,30 +5150,65 @@
                 </a:spcAft>
               </a:pPr>
               <a:r>
-                <a:rPr sz="880" b="1">
+                <a:rPr sz="880">
                   <a:solidFill>
-                    <a:srgbClr val="4D4D4D">
+                    <a:srgbClr val="1A1A1A">
                       <a:alpha val="100000"/>
                     </a:srgbClr>
                   </a:solidFill>
                   <a:latin typeface="Arial"/>
                   <a:cs typeface="Arial"/>
                 </a:rPr>
-                <a:t>6</a:t>
+                <a:t>基础研究者</a:t>
               </a:r>
             </a:p>
           </p:txBody>
         </p:sp>
         <p:sp>
           <p:nvSpPr>
-            <p:cNvPr id="34" name="tx34"/>
-            <p:cNvSpPr/>
-            <p:nvPr/>
-          </p:nvSpPr>
-          <p:spPr>
-            <a:xfrm>
-              <a:off x="1926599" y="4553929"/>
-              <a:ext cx="62155" cy="80272"/>
+            <p:cNvPr id="58" name="rc58"/>
+            <p:cNvSpPr/>
+            <p:nvPr/>
+          </p:nvSpPr>
+          <p:spPr>
+            <a:xfrm>
+              <a:off x="4480856" y="1590617"/>
+              <a:ext cx="2193323" cy="218555"/>
+            </a:xfrm>
+            <a:prstGeom prst="rect">
+              <a:avLst/>
+            </a:prstGeom>
+            <a:solidFill>
+              <a:srgbClr val="D9D9D9">
+                <a:alpha val="100000"/>
+              </a:srgbClr>
+            </a:solidFill>
+            <a:ln w="13550" cap="rnd">
+              <a:solidFill>
+                <a:srgbClr val="333333">
+                  <a:alpha val="100000"/>
+                </a:srgbClr>
+              </a:solidFill>
+              <a:prstDash val="solid"/>
+              <a:round/>
+            </a:ln>
+          </p:spPr>
+          <p:txBody>
+            <a:bodyPr/>
+            <a:lstStyle/>
+            <a:p/>
+          </p:txBody>
+        </p:sp>
+        <p:sp>
+          <p:nvSpPr>
+            <p:cNvPr id="59" name="tx59"/>
+            <p:cNvSpPr/>
+            <p:nvPr/>
+          </p:nvSpPr>
+          <p:spPr>
+            <a:xfrm>
+              <a:off x="5409878" y="1670045"/>
+              <a:ext cx="335280" cy="69850"/>
             </a:xfrm>
             <a:prstGeom prst="rect">
               <a:avLst/>
@@ -4352,30 +5231,65 @@
                 </a:spcAft>
               </a:pPr>
               <a:r>
-                <a:rPr sz="880" b="1">
+                <a:rPr sz="880">
                   <a:solidFill>
-                    <a:srgbClr val="4D4D4D">
+                    <a:srgbClr val="1A1A1A">
                       <a:alpha val="100000"/>
                     </a:srgbClr>
                   </a:solidFill>
                   <a:latin typeface="Arial"/>
                   <a:cs typeface="Arial"/>
                 </a:rPr>
-                <a:t>5</a:t>
+                <a:t>临床医生</a:t>
               </a:r>
             </a:p>
           </p:txBody>
         </p:sp>
         <p:sp>
           <p:nvSpPr>
-            <p:cNvPr id="35" name="tx35"/>
-            <p:cNvSpPr/>
-            <p:nvPr/>
-          </p:nvSpPr>
-          <p:spPr>
-            <a:xfrm>
-              <a:off x="1926599" y="3900921"/>
-              <a:ext cx="62155" cy="80327"/>
+            <p:cNvPr id="60" name="rc60"/>
+            <p:cNvSpPr/>
+            <p:nvPr/>
+          </p:nvSpPr>
+          <p:spPr>
+            <a:xfrm>
+              <a:off x="6743768" y="1590617"/>
+              <a:ext cx="2193323" cy="218555"/>
+            </a:xfrm>
+            <a:prstGeom prst="rect">
+              <a:avLst/>
+            </a:prstGeom>
+            <a:solidFill>
+              <a:srgbClr val="D9D9D9">
+                <a:alpha val="100000"/>
+              </a:srgbClr>
+            </a:solidFill>
+            <a:ln w="13550" cap="rnd">
+              <a:solidFill>
+                <a:srgbClr val="333333">
+                  <a:alpha val="100000"/>
+                </a:srgbClr>
+              </a:solidFill>
+              <a:prstDash val="solid"/>
+              <a:round/>
+            </a:ln>
+          </p:spPr>
+          <p:txBody>
+            <a:bodyPr/>
+            <a:lstStyle/>
+            <a:p/>
+          </p:txBody>
+        </p:sp>
+        <p:sp>
+          <p:nvSpPr>
+            <p:cNvPr id="61" name="tx61"/>
+            <p:cNvSpPr/>
+            <p:nvPr/>
+          </p:nvSpPr>
+          <p:spPr>
+            <a:xfrm>
+              <a:off x="7672790" y="1670045"/>
+              <a:ext cx="335280" cy="69850"/>
             </a:xfrm>
             <a:prstGeom prst="rect">
               <a:avLst/>
@@ -4398,185 +5312,47 @@
                 </a:spcAft>
               </a:pPr>
               <a:r>
-                <a:rPr sz="880" b="1">
+                <a:rPr sz="880">
                   <a:solidFill>
-                    <a:srgbClr val="4D4D4D">
+                    <a:srgbClr val="1A1A1A">
                       <a:alpha val="100000"/>
                     </a:srgbClr>
                   </a:solidFill>
                   <a:latin typeface="Arial"/>
                   <a:cs typeface="Arial"/>
                 </a:rPr>
-                <a:t>4</a:t>
+                <a:t>企业人员</a:t>
               </a:r>
             </a:p>
           </p:txBody>
         </p:sp>
         <p:sp>
           <p:nvSpPr>
-            <p:cNvPr id="36" name="tx36"/>
-            <p:cNvSpPr/>
-            <p:nvPr/>
-          </p:nvSpPr>
-          <p:spPr>
-            <a:xfrm>
-              <a:off x="1926599" y="3246604"/>
-              <a:ext cx="62155" cy="81691"/>
-            </a:xfrm>
-            <a:prstGeom prst="rect">
-              <a:avLst/>
-            </a:prstGeom>
-            <a:noFill/>
-          </p:spPr>
-          <p:txBody>
-            <a:bodyPr lIns="0" rIns="0" tIns="0" bIns="0" anchorCtr="1" anchor="ctr" wrap="none"/>
-            <a:lstStyle/>
-            <a:p>
-              <a:pPr algn="l" marL="0" marR="0" indent="0">
-                <a:lnSpc>
-                  <a:spcPts val="880"/>
-                </a:lnSpc>
-                <a:spcBef>
-                  <a:spcPts val="0"/>
-                </a:spcBef>
-                <a:spcAft>
-                  <a:spcPts val="0"/>
-                </a:spcAft>
-              </a:pPr>
-              <a:r>
-                <a:rPr sz="880" b="1">
-                  <a:solidFill>
-                    <a:srgbClr val="4D4D4D">
-                      <a:alpha val="100000"/>
-                    </a:srgbClr>
-                  </a:solidFill>
-                  <a:latin typeface="Arial"/>
-                  <a:cs typeface="Arial"/>
-                </a:rPr>
-                <a:t>3</a:t>
-              </a:r>
-            </a:p>
-          </p:txBody>
-        </p:sp>
-        <p:sp>
-          <p:nvSpPr>
-            <p:cNvPr id="37" name="tx37"/>
-            <p:cNvSpPr/>
-            <p:nvPr/>
-          </p:nvSpPr>
-          <p:spPr>
-            <a:xfrm>
-              <a:off x="1926599" y="2595015"/>
-              <a:ext cx="62155" cy="80327"/>
-            </a:xfrm>
-            <a:prstGeom prst="rect">
-              <a:avLst/>
-            </a:prstGeom>
-            <a:noFill/>
-          </p:spPr>
-          <p:txBody>
-            <a:bodyPr lIns="0" rIns="0" tIns="0" bIns="0" anchorCtr="1" anchor="ctr" wrap="none"/>
-            <a:lstStyle/>
-            <a:p>
-              <a:pPr algn="l" marL="0" marR="0" indent="0">
-                <a:lnSpc>
-                  <a:spcPts val="880"/>
-                </a:lnSpc>
-                <a:spcBef>
-                  <a:spcPts val="0"/>
-                </a:spcBef>
-                <a:spcAft>
-                  <a:spcPts val="0"/>
-                </a:spcAft>
-              </a:pPr>
-              <a:r>
-                <a:rPr sz="880" b="1">
-                  <a:solidFill>
-                    <a:srgbClr val="4D4D4D">
-                      <a:alpha val="100000"/>
-                    </a:srgbClr>
-                  </a:solidFill>
-                  <a:latin typeface="Arial"/>
-                  <a:cs typeface="Arial"/>
-                </a:rPr>
-                <a:t>2</a:t>
-              </a:r>
-            </a:p>
-          </p:txBody>
-        </p:sp>
-        <p:sp>
-          <p:nvSpPr>
-            <p:cNvPr id="38" name="tx38"/>
-            <p:cNvSpPr/>
-            <p:nvPr/>
-          </p:nvSpPr>
-          <p:spPr>
-            <a:xfrm>
-              <a:off x="1926599" y="1942061"/>
-              <a:ext cx="62155" cy="80327"/>
-            </a:xfrm>
-            <a:prstGeom prst="rect">
-              <a:avLst/>
-            </a:prstGeom>
-            <a:noFill/>
-          </p:spPr>
-          <p:txBody>
-            <a:bodyPr lIns="0" rIns="0" tIns="0" bIns="0" anchorCtr="1" anchor="ctr" wrap="none"/>
-            <a:lstStyle/>
-            <a:p>
-              <a:pPr algn="l" marL="0" marR="0" indent="0">
-                <a:lnSpc>
-                  <a:spcPts val="880"/>
-                </a:lnSpc>
-                <a:spcBef>
-                  <a:spcPts val="0"/>
-                </a:spcBef>
-                <a:spcAft>
-                  <a:spcPts val="0"/>
-                </a:spcAft>
-              </a:pPr>
-              <a:r>
-                <a:rPr sz="880" b="1">
-                  <a:solidFill>
-                    <a:srgbClr val="4D4D4D">
-                      <a:alpha val="100000"/>
-                    </a:srgbClr>
-                  </a:solidFill>
-                  <a:latin typeface="Arial"/>
-                  <a:cs typeface="Arial"/>
-                </a:rPr>
-                <a:t>1</a:t>
-              </a:r>
-            </a:p>
-          </p:txBody>
-        </p:sp>
-        <p:sp>
-          <p:nvSpPr>
-            <p:cNvPr id="39" name="pl39"/>
-            <p:cNvSpPr/>
-            <p:nvPr/>
-          </p:nvSpPr>
-          <p:spPr>
-            <a:xfrm>
-              <a:off x="1988754" y="5247155"/>
-              <a:ext cx="34794" cy="0"/>
+            <p:cNvPr id="62" name="pl62"/>
+            <p:cNvSpPr/>
+            <p:nvPr/>
+          </p:nvSpPr>
+          <p:spPr>
+            <a:xfrm>
+              <a:off x="2531275" y="5274097"/>
+              <a:ext cx="0" cy="34794"/>
             </a:xfrm>
             <a:custGeom>
               <a:avLst/>
               <a:pathLst>
-                <a:path w="34794" h="0">
+                <a:path w="0" h="34794">
                   <a:moveTo>
+                    <a:pt x="0" y="34794"/>
+                  </a:moveTo>
+                  <a:lnTo>
                     <a:pt x="0" y="0"/>
-                  </a:moveTo>
-                  <a:lnTo>
-                    <a:pt x="34794" y="0"/>
                   </a:lnTo>
                 </a:path>
               </a:pathLst>
             </a:custGeom>
-            <a:ln w="6775" cap="flat">
+            <a:ln w="13550" cap="flat">
               <a:solidFill>
-                <a:srgbClr val="B3B3B3">
+                <a:srgbClr val="333333">
                   <a:alpha val="100000"/>
                 </a:srgbClr>
               </a:solidFill>
@@ -4592,31 +5368,31 @@
         </p:sp>
         <p:sp>
           <p:nvSpPr>
-            <p:cNvPr id="40" name="pl40"/>
-            <p:cNvSpPr/>
-            <p:nvPr/>
-          </p:nvSpPr>
-          <p:spPr>
-            <a:xfrm>
-              <a:off x="1988754" y="4594202"/>
-              <a:ext cx="34794" cy="0"/>
+            <p:cNvPr id="63" name="pl63"/>
+            <p:cNvSpPr/>
+            <p:nvPr/>
+          </p:nvSpPr>
+          <p:spPr>
+            <a:xfrm>
+              <a:off x="3053495" y="5274097"/>
+              <a:ext cx="0" cy="34794"/>
             </a:xfrm>
             <a:custGeom>
               <a:avLst/>
               <a:pathLst>
-                <a:path w="34794" h="0">
+                <a:path w="0" h="34794">
                   <a:moveTo>
+                    <a:pt x="0" y="34794"/>
+                  </a:moveTo>
+                  <a:lnTo>
                     <a:pt x="0" y="0"/>
-                  </a:moveTo>
-                  <a:lnTo>
-                    <a:pt x="34794" y="0"/>
                   </a:lnTo>
                 </a:path>
               </a:pathLst>
             </a:custGeom>
-            <a:ln w="6775" cap="flat">
+            <a:ln w="13550" cap="flat">
               <a:solidFill>
-                <a:srgbClr val="B3B3B3">
+                <a:srgbClr val="333333">
                   <a:alpha val="100000"/>
                 </a:srgbClr>
               </a:solidFill>
@@ -4632,31 +5408,31 @@
         </p:sp>
         <p:sp>
           <p:nvSpPr>
-            <p:cNvPr id="41" name="pl41"/>
-            <p:cNvSpPr/>
-            <p:nvPr/>
-          </p:nvSpPr>
-          <p:spPr>
-            <a:xfrm>
-              <a:off x="1988754" y="3941249"/>
-              <a:ext cx="34794" cy="0"/>
+            <p:cNvPr id="64" name="pl64"/>
+            <p:cNvSpPr/>
+            <p:nvPr/>
+          </p:nvSpPr>
+          <p:spPr>
+            <a:xfrm>
+              <a:off x="3575715" y="5274097"/>
+              <a:ext cx="0" cy="34794"/>
             </a:xfrm>
             <a:custGeom>
               <a:avLst/>
               <a:pathLst>
-                <a:path w="34794" h="0">
+                <a:path w="0" h="34794">
                   <a:moveTo>
+                    <a:pt x="0" y="34794"/>
+                  </a:moveTo>
+                  <a:lnTo>
                     <a:pt x="0" y="0"/>
-                  </a:moveTo>
-                  <a:lnTo>
-                    <a:pt x="34794" y="0"/>
                   </a:lnTo>
                 </a:path>
               </a:pathLst>
             </a:custGeom>
-            <a:ln w="6775" cap="flat">
+            <a:ln w="13550" cap="flat">
               <a:solidFill>
-                <a:srgbClr val="B3B3B3">
+                <a:srgbClr val="333333">
                   <a:alpha val="100000"/>
                 </a:srgbClr>
               </a:solidFill>
@@ -4672,31 +5448,31 @@
         </p:sp>
         <p:sp>
           <p:nvSpPr>
-            <p:cNvPr id="42" name="pl42"/>
-            <p:cNvSpPr/>
-            <p:nvPr/>
-          </p:nvSpPr>
-          <p:spPr>
-            <a:xfrm>
-              <a:off x="1988754" y="3288295"/>
-              <a:ext cx="34794" cy="0"/>
+            <p:cNvPr id="65" name="pl65"/>
+            <p:cNvSpPr/>
+            <p:nvPr/>
+          </p:nvSpPr>
+          <p:spPr>
+            <a:xfrm>
+              <a:off x="4097935" y="5274097"/>
+              <a:ext cx="0" cy="34794"/>
             </a:xfrm>
             <a:custGeom>
               <a:avLst/>
               <a:pathLst>
-                <a:path w="34794" h="0">
+                <a:path w="0" h="34794">
                   <a:moveTo>
+                    <a:pt x="0" y="34794"/>
+                  </a:moveTo>
+                  <a:lnTo>
                     <a:pt x="0" y="0"/>
-                  </a:moveTo>
-                  <a:lnTo>
-                    <a:pt x="34794" y="0"/>
                   </a:lnTo>
                 </a:path>
               </a:pathLst>
             </a:custGeom>
-            <a:ln w="6775" cap="flat">
+            <a:ln w="13550" cap="flat">
               <a:solidFill>
-                <a:srgbClr val="B3B3B3">
+                <a:srgbClr val="333333">
                   <a:alpha val="100000"/>
                 </a:srgbClr>
               </a:solidFill>
@@ -4712,31 +5488,31 @@
         </p:sp>
         <p:sp>
           <p:nvSpPr>
-            <p:cNvPr id="43" name="pl43"/>
-            <p:cNvSpPr/>
-            <p:nvPr/>
-          </p:nvSpPr>
-          <p:spPr>
-            <a:xfrm>
-              <a:off x="1988754" y="2635342"/>
-              <a:ext cx="34794" cy="0"/>
+            <p:cNvPr id="66" name="pl66"/>
+            <p:cNvSpPr/>
+            <p:nvPr/>
+          </p:nvSpPr>
+          <p:spPr>
+            <a:xfrm>
+              <a:off x="4794188" y="5274097"/>
+              <a:ext cx="0" cy="34794"/>
             </a:xfrm>
             <a:custGeom>
               <a:avLst/>
               <a:pathLst>
-                <a:path w="34794" h="0">
+                <a:path w="0" h="34794">
                   <a:moveTo>
+                    <a:pt x="0" y="34794"/>
+                  </a:moveTo>
+                  <a:lnTo>
                     <a:pt x="0" y="0"/>
-                  </a:moveTo>
-                  <a:lnTo>
-                    <a:pt x="34794" y="0"/>
                   </a:lnTo>
                 </a:path>
               </a:pathLst>
             </a:custGeom>
-            <a:ln w="6775" cap="flat">
+            <a:ln w="13550" cap="flat">
               <a:solidFill>
-                <a:srgbClr val="B3B3B3">
+                <a:srgbClr val="333333">
                   <a:alpha val="100000"/>
                 </a:srgbClr>
               </a:solidFill>
@@ -4752,31 +5528,31 @@
         </p:sp>
         <p:sp>
           <p:nvSpPr>
-            <p:cNvPr id="44" name="pl44"/>
-            <p:cNvSpPr/>
-            <p:nvPr/>
-          </p:nvSpPr>
-          <p:spPr>
-            <a:xfrm>
-              <a:off x="1988754" y="1982389"/>
-              <a:ext cx="34794" cy="0"/>
+            <p:cNvPr id="67" name="pl67"/>
+            <p:cNvSpPr/>
+            <p:nvPr/>
+          </p:nvSpPr>
+          <p:spPr>
+            <a:xfrm>
+              <a:off x="5316408" y="5274097"/>
+              <a:ext cx="0" cy="34794"/>
             </a:xfrm>
             <a:custGeom>
               <a:avLst/>
               <a:pathLst>
-                <a:path w="34794" h="0">
+                <a:path w="0" h="34794">
                   <a:moveTo>
+                    <a:pt x="0" y="34794"/>
+                  </a:moveTo>
+                  <a:lnTo>
                     <a:pt x="0" y="0"/>
-                  </a:moveTo>
-                  <a:lnTo>
-                    <a:pt x="34794" y="0"/>
                   </a:lnTo>
                 </a:path>
               </a:pathLst>
             </a:custGeom>
-            <a:ln w="6775" cap="flat">
+            <a:ln w="13550" cap="flat">
               <a:solidFill>
-                <a:srgbClr val="B3B3B3">
+                <a:srgbClr val="333333">
                   <a:alpha val="100000"/>
                 </a:srgbClr>
               </a:solidFill>
@@ -4792,13 +5568,13 @@
         </p:sp>
         <p:sp>
           <p:nvSpPr>
-            <p:cNvPr id="45" name="pl45"/>
-            <p:cNvSpPr/>
-            <p:nvPr/>
-          </p:nvSpPr>
-          <p:spPr>
-            <a:xfrm>
-              <a:off x="2023549" y="5638927"/>
+            <p:cNvPr id="68" name="pl68"/>
+            <p:cNvSpPr/>
+            <p:nvPr/>
+          </p:nvSpPr>
+          <p:spPr>
+            <a:xfrm>
+              <a:off x="5838627" y="5274097"/>
               <a:ext cx="0" cy="34794"/>
             </a:xfrm>
             <a:custGeom>
@@ -4814,9 +5590,9 @@
                 </a:path>
               </a:pathLst>
             </a:custGeom>
-            <a:ln w="6775" cap="flat">
+            <a:ln w="13550" cap="flat">
               <a:solidFill>
-                <a:srgbClr val="B3B3B3">
+                <a:srgbClr val="333333">
                   <a:alpha val="100000"/>
                 </a:srgbClr>
               </a:solidFill>
@@ -4832,13 +5608,13 @@
         </p:sp>
         <p:sp>
           <p:nvSpPr>
-            <p:cNvPr id="46" name="pl46"/>
-            <p:cNvSpPr/>
-            <p:nvPr/>
-          </p:nvSpPr>
-          <p:spPr>
-            <a:xfrm>
-              <a:off x="3931228" y="5638927"/>
+            <p:cNvPr id="69" name="pl69"/>
+            <p:cNvSpPr/>
+            <p:nvPr/>
+          </p:nvSpPr>
+          <p:spPr>
+            <a:xfrm>
+              <a:off x="6360847" y="5274097"/>
               <a:ext cx="0" cy="34794"/>
             </a:xfrm>
             <a:custGeom>
@@ -4854,9 +5630,9 @@
                 </a:path>
               </a:pathLst>
             </a:custGeom>
-            <a:ln w="6775" cap="flat">
+            <a:ln w="13550" cap="flat">
               <a:solidFill>
-                <a:srgbClr val="B3B3B3">
+                <a:srgbClr val="333333">
                   <a:alpha val="100000"/>
                 </a:srgbClr>
               </a:solidFill>
@@ -4872,13 +5648,13 @@
         </p:sp>
         <p:sp>
           <p:nvSpPr>
-            <p:cNvPr id="47" name="pl47"/>
-            <p:cNvSpPr/>
-            <p:nvPr/>
-          </p:nvSpPr>
-          <p:spPr>
-            <a:xfrm>
-              <a:off x="5838907" y="5638927"/>
+            <p:cNvPr id="70" name="pl70"/>
+            <p:cNvSpPr/>
+            <p:nvPr/>
+          </p:nvSpPr>
+          <p:spPr>
+            <a:xfrm>
+              <a:off x="7057100" y="5274097"/>
               <a:ext cx="0" cy="34794"/>
             </a:xfrm>
             <a:custGeom>
@@ -4894,9 +5670,9 @@
                 </a:path>
               </a:pathLst>
             </a:custGeom>
-            <a:ln w="6775" cap="flat">
+            <a:ln w="13550" cap="flat">
               <a:solidFill>
-                <a:srgbClr val="B3B3B3">
+                <a:srgbClr val="333333">
                   <a:alpha val="100000"/>
                 </a:srgbClr>
               </a:solidFill>
@@ -4912,13 +5688,13 @@
         </p:sp>
         <p:sp>
           <p:nvSpPr>
-            <p:cNvPr id="48" name="pl48"/>
-            <p:cNvSpPr/>
-            <p:nvPr/>
-          </p:nvSpPr>
-          <p:spPr>
-            <a:xfrm>
-              <a:off x="7746586" y="5638927"/>
+            <p:cNvPr id="71" name="pl71"/>
+            <p:cNvSpPr/>
+            <p:nvPr/>
+          </p:nvSpPr>
+          <p:spPr>
+            <a:xfrm>
+              <a:off x="7579320" y="5274097"/>
               <a:ext cx="0" cy="34794"/>
             </a:xfrm>
             <a:custGeom>
@@ -4934,9 +5710,9 @@
                 </a:path>
               </a:pathLst>
             </a:custGeom>
-            <a:ln w="6775" cap="flat">
+            <a:ln w="13550" cap="flat">
               <a:solidFill>
-                <a:srgbClr val="B3B3B3">
+                <a:srgbClr val="333333">
                   <a:alpha val="100000"/>
                 </a:srgbClr>
               </a:solidFill>
@@ -4952,14 +5728,94 @@
         </p:sp>
         <p:sp>
           <p:nvSpPr>
-            <p:cNvPr id="49" name="tx49"/>
-            <p:cNvSpPr/>
-            <p:nvPr/>
-          </p:nvSpPr>
-          <p:spPr>
-            <a:xfrm>
-              <a:off x="1992471" y="5699866"/>
-              <a:ext cx="62155" cy="81691"/>
+            <p:cNvPr id="72" name="pl72"/>
+            <p:cNvSpPr/>
+            <p:nvPr/>
+          </p:nvSpPr>
+          <p:spPr>
+            <a:xfrm>
+              <a:off x="8101540" y="5274097"/>
+              <a:ext cx="0" cy="34794"/>
+            </a:xfrm>
+            <a:custGeom>
+              <a:avLst/>
+              <a:pathLst>
+                <a:path w="0" h="34794">
+                  <a:moveTo>
+                    <a:pt x="0" y="34794"/>
+                  </a:moveTo>
+                  <a:lnTo>
+                    <a:pt x="0" y="0"/>
+                  </a:lnTo>
+                </a:path>
+              </a:pathLst>
+            </a:custGeom>
+            <a:ln w="13550" cap="flat">
+              <a:solidFill>
+                <a:srgbClr val="333333">
+                  <a:alpha val="100000"/>
+                </a:srgbClr>
+              </a:solidFill>
+              <a:prstDash val="solid"/>
+              <a:round/>
+            </a:ln>
+          </p:spPr>
+          <p:txBody>
+            <a:bodyPr/>
+            <a:lstStyle/>
+            <a:p/>
+          </p:txBody>
+        </p:sp>
+        <p:sp>
+          <p:nvSpPr>
+            <p:cNvPr id="73" name="pl73"/>
+            <p:cNvSpPr/>
+            <p:nvPr/>
+          </p:nvSpPr>
+          <p:spPr>
+            <a:xfrm>
+              <a:off x="8623760" y="5274097"/>
+              <a:ext cx="0" cy="34794"/>
+            </a:xfrm>
+            <a:custGeom>
+              <a:avLst/>
+              <a:pathLst>
+                <a:path w="0" h="34794">
+                  <a:moveTo>
+                    <a:pt x="0" y="34794"/>
+                  </a:moveTo>
+                  <a:lnTo>
+                    <a:pt x="0" y="0"/>
+                  </a:lnTo>
+                </a:path>
+              </a:pathLst>
+            </a:custGeom>
+            <a:ln w="13550" cap="flat">
+              <a:solidFill>
+                <a:srgbClr val="333333">
+                  <a:alpha val="100000"/>
+                </a:srgbClr>
+              </a:solidFill>
+              <a:prstDash val="solid"/>
+              <a:round/>
+            </a:ln>
+          </p:spPr>
+          <p:txBody>
+            <a:bodyPr/>
+            <a:lstStyle/>
+            <a:p/>
+          </p:txBody>
+        </p:sp>
+        <p:sp>
+          <p:nvSpPr>
+            <p:cNvPr id="74" name="tx74"/>
+            <p:cNvSpPr/>
+            <p:nvPr/>
+          </p:nvSpPr>
+          <p:spPr>
+            <a:xfrm>
+              <a:off x="1993785" y="5072289"/>
+              <a:ext cx="161528" cy="84311"/>
             </a:xfrm>
             <a:prstGeom prst="rect">
               <a:avLst/>
@@ -4991,21 +5847,21 @@
                   <a:latin typeface="Arial"/>
                   <a:cs typeface="Arial"/>
                 </a:rPr>
-                <a:t>0</a:t>
+                <a:t>0%</a:t>
               </a:r>
             </a:p>
           </p:txBody>
         </p:sp>
         <p:sp>
           <p:nvSpPr>
-            <p:cNvPr id="50" name="tx50"/>
-            <p:cNvSpPr/>
-            <p:nvPr/>
-          </p:nvSpPr>
-          <p:spPr>
-            <a:xfrm>
-              <a:off x="3806917" y="5699866"/>
-              <a:ext cx="248622" cy="81691"/>
+            <p:cNvPr id="75" name="tx75"/>
+            <p:cNvSpPr/>
+            <p:nvPr/>
+          </p:nvSpPr>
+          <p:spPr>
+            <a:xfrm>
+              <a:off x="1931629" y="4018320"/>
+              <a:ext cx="223683" cy="84311"/>
             </a:xfrm>
             <a:prstGeom prst="rect">
               <a:avLst/>
@@ -5037,21 +5893,21 @@
                   <a:latin typeface="Arial"/>
                   <a:cs typeface="Arial"/>
                 </a:rPr>
-                <a:t>1000</a:t>
+                <a:t>20%</a:t>
               </a:r>
             </a:p>
           </p:txBody>
         </p:sp>
         <p:sp>
           <p:nvSpPr>
-            <p:cNvPr id="51" name="tx51"/>
-            <p:cNvSpPr/>
-            <p:nvPr/>
-          </p:nvSpPr>
-          <p:spPr>
-            <a:xfrm>
-              <a:off x="5714596" y="5699866"/>
-              <a:ext cx="248622" cy="81691"/>
+            <p:cNvPr id="76" name="tx76"/>
+            <p:cNvSpPr/>
+            <p:nvPr/>
+          </p:nvSpPr>
+          <p:spPr>
+            <a:xfrm>
+              <a:off x="1931629" y="2964351"/>
+              <a:ext cx="223683" cy="84311"/>
             </a:xfrm>
             <a:prstGeom prst="rect">
               <a:avLst/>
@@ -5083,21 +5939,21 @@
                   <a:latin typeface="Arial"/>
                   <a:cs typeface="Arial"/>
                 </a:rPr>
-                <a:t>2000</a:t>
+                <a:t>40%</a:t>
               </a:r>
             </a:p>
           </p:txBody>
         </p:sp>
         <p:sp>
           <p:nvSpPr>
-            <p:cNvPr id="52" name="tx52"/>
-            <p:cNvSpPr/>
-            <p:nvPr/>
-          </p:nvSpPr>
-          <p:spPr>
-            <a:xfrm>
-              <a:off x="7622275" y="5699811"/>
-              <a:ext cx="248622" cy="81746"/>
+            <p:cNvPr id="77" name="tx77"/>
+            <p:cNvSpPr/>
+            <p:nvPr/>
+          </p:nvSpPr>
+          <p:spPr>
+            <a:xfrm>
+              <a:off x="1931629" y="1910381"/>
+              <a:ext cx="223683" cy="84311"/>
             </a:xfrm>
             <a:prstGeom prst="rect">
               <a:avLst/>
@@ -5129,7 +5985,585 @@
                   <a:latin typeface="Arial"/>
                   <a:cs typeface="Arial"/>
                 </a:rPr>
-                <a:t>3000</a:t>
+                <a:t>60%</a:t>
+              </a:r>
+            </a:p>
+          </p:txBody>
+        </p:sp>
+        <p:sp>
+          <p:nvSpPr>
+            <p:cNvPr id="78" name="pl78"/>
+            <p:cNvSpPr/>
+            <p:nvPr/>
+          </p:nvSpPr>
+          <p:spPr>
+            <a:xfrm>
+              <a:off x="2183149" y="5116600"/>
+              <a:ext cx="34794" cy="0"/>
+            </a:xfrm>
+            <a:custGeom>
+              <a:avLst/>
+              <a:pathLst>
+                <a:path w="34794" h="0">
+                  <a:moveTo>
+                    <a:pt x="0" y="0"/>
+                  </a:moveTo>
+                  <a:lnTo>
+                    <a:pt x="34794" y="0"/>
+                  </a:lnTo>
+                </a:path>
+              </a:pathLst>
+            </a:custGeom>
+            <a:ln w="13550" cap="flat">
+              <a:solidFill>
+                <a:srgbClr val="333333">
+                  <a:alpha val="100000"/>
+                </a:srgbClr>
+              </a:solidFill>
+              <a:prstDash val="solid"/>
+              <a:round/>
+            </a:ln>
+          </p:spPr>
+          <p:txBody>
+            <a:bodyPr/>
+            <a:lstStyle/>
+            <a:p/>
+          </p:txBody>
+        </p:sp>
+        <p:sp>
+          <p:nvSpPr>
+            <p:cNvPr id="79" name="pl79"/>
+            <p:cNvSpPr/>
+            <p:nvPr/>
+          </p:nvSpPr>
+          <p:spPr>
+            <a:xfrm>
+              <a:off x="2183149" y="4062631"/>
+              <a:ext cx="34794" cy="0"/>
+            </a:xfrm>
+            <a:custGeom>
+              <a:avLst/>
+              <a:pathLst>
+                <a:path w="34794" h="0">
+                  <a:moveTo>
+                    <a:pt x="0" y="0"/>
+                  </a:moveTo>
+                  <a:lnTo>
+                    <a:pt x="34794" y="0"/>
+                  </a:lnTo>
+                </a:path>
+              </a:pathLst>
+            </a:custGeom>
+            <a:ln w="13550" cap="flat">
+              <a:solidFill>
+                <a:srgbClr val="333333">
+                  <a:alpha val="100000"/>
+                </a:srgbClr>
+              </a:solidFill>
+              <a:prstDash val="solid"/>
+              <a:round/>
+            </a:ln>
+          </p:spPr>
+          <p:txBody>
+            <a:bodyPr/>
+            <a:lstStyle/>
+            <a:p/>
+          </p:txBody>
+        </p:sp>
+        <p:sp>
+          <p:nvSpPr>
+            <p:cNvPr id="80" name="pl80"/>
+            <p:cNvSpPr/>
+            <p:nvPr/>
+          </p:nvSpPr>
+          <p:spPr>
+            <a:xfrm>
+              <a:off x="2183149" y="3008662"/>
+              <a:ext cx="34794" cy="0"/>
+            </a:xfrm>
+            <a:custGeom>
+              <a:avLst/>
+              <a:pathLst>
+                <a:path w="34794" h="0">
+                  <a:moveTo>
+                    <a:pt x="0" y="0"/>
+                  </a:moveTo>
+                  <a:lnTo>
+                    <a:pt x="34794" y="0"/>
+                  </a:lnTo>
+                </a:path>
+              </a:pathLst>
+            </a:custGeom>
+            <a:ln w="13550" cap="flat">
+              <a:solidFill>
+                <a:srgbClr val="333333">
+                  <a:alpha val="100000"/>
+                </a:srgbClr>
+              </a:solidFill>
+              <a:prstDash val="solid"/>
+              <a:round/>
+            </a:ln>
+          </p:spPr>
+          <p:txBody>
+            <a:bodyPr/>
+            <a:lstStyle/>
+            <a:p/>
+          </p:txBody>
+        </p:sp>
+        <p:sp>
+          <p:nvSpPr>
+            <p:cNvPr id="81" name="pl81"/>
+            <p:cNvSpPr/>
+            <p:nvPr/>
+          </p:nvSpPr>
+          <p:spPr>
+            <a:xfrm>
+              <a:off x="2183149" y="1954692"/>
+              <a:ext cx="34794" cy="0"/>
+            </a:xfrm>
+            <a:custGeom>
+              <a:avLst/>
+              <a:pathLst>
+                <a:path w="34794" h="0">
+                  <a:moveTo>
+                    <a:pt x="0" y="0"/>
+                  </a:moveTo>
+                  <a:lnTo>
+                    <a:pt x="34794" y="0"/>
+                  </a:lnTo>
+                </a:path>
+              </a:pathLst>
+            </a:custGeom>
+            <a:ln w="13550" cap="flat">
+              <a:solidFill>
+                <a:srgbClr val="333333">
+                  <a:alpha val="100000"/>
+                </a:srgbClr>
+              </a:solidFill>
+              <a:prstDash val="solid"/>
+              <a:round/>
+            </a:ln>
+          </p:spPr>
+          <p:txBody>
+            <a:bodyPr/>
+            <a:lstStyle/>
+            <a:p/>
+          </p:txBody>
+        </p:sp>
+        <p:sp>
+          <p:nvSpPr>
+            <p:cNvPr id="82" name="rc82"/>
+            <p:cNvSpPr/>
+            <p:nvPr/>
+          </p:nvSpPr>
+          <p:spPr>
+            <a:xfrm>
+              <a:off x="4123377" y="5613598"/>
+              <a:ext cx="2908281" cy="358634"/>
+            </a:xfrm>
+            <a:prstGeom prst="rect">
+              <a:avLst/>
+            </a:prstGeom>
+            <a:solidFill>
+              <a:srgbClr val="FFFFFF">
+                <a:alpha val="100000"/>
+              </a:srgbClr>
+            </a:solidFill>
+          </p:spPr>
+          <p:txBody>
+            <a:bodyPr/>
+            <a:lstStyle/>
+            <a:p/>
+          </p:txBody>
+        </p:sp>
+        <p:sp>
+          <p:nvSpPr>
+            <p:cNvPr id="83" name="rc83"/>
+            <p:cNvSpPr/>
+            <p:nvPr/>
+          </p:nvSpPr>
+          <p:spPr>
+            <a:xfrm>
+              <a:off x="4262555" y="5683187"/>
+              <a:ext cx="219455" cy="219455"/>
+            </a:xfrm>
+            <a:prstGeom prst="rect">
+              <a:avLst/>
+            </a:prstGeom>
+            <a:solidFill>
+              <a:srgbClr val="FFFFFF">
+                <a:alpha val="100000"/>
+              </a:srgbClr>
+            </a:solidFill>
+          </p:spPr>
+          <p:txBody>
+            <a:bodyPr/>
+            <a:lstStyle/>
+            <a:p/>
+          </p:txBody>
+        </p:sp>
+        <p:sp>
+          <p:nvSpPr>
+            <p:cNvPr id="84" name="rc84"/>
+            <p:cNvSpPr/>
+            <p:nvPr/>
+          </p:nvSpPr>
+          <p:spPr>
+            <a:xfrm>
+              <a:off x="4271555" y="5692187"/>
+              <a:ext cx="201455" cy="201456"/>
+            </a:xfrm>
+            <a:prstGeom prst="rect">
+              <a:avLst/>
+            </a:prstGeom>
+            <a:solidFill>
+              <a:srgbClr val="FEE5D9">
+                <a:alpha val="100000"/>
+              </a:srgbClr>
+            </a:solidFill>
+          </p:spPr>
+          <p:txBody>
+            <a:bodyPr/>
+            <a:lstStyle/>
+            <a:p/>
+          </p:txBody>
+        </p:sp>
+        <p:sp>
+          <p:nvSpPr>
+            <p:cNvPr id="85" name="rc85"/>
+            <p:cNvSpPr/>
+            <p:nvPr/>
+          </p:nvSpPr>
+          <p:spPr>
+            <a:xfrm>
+              <a:off x="4907168" y="5683187"/>
+              <a:ext cx="219455" cy="219455"/>
+            </a:xfrm>
+            <a:prstGeom prst="rect">
+              <a:avLst/>
+            </a:prstGeom>
+            <a:solidFill>
+              <a:srgbClr val="FFFFFF">
+                <a:alpha val="100000"/>
+              </a:srgbClr>
+            </a:solidFill>
+          </p:spPr>
+          <p:txBody>
+            <a:bodyPr/>
+            <a:lstStyle/>
+            <a:p/>
+          </p:txBody>
+        </p:sp>
+        <p:sp>
+          <p:nvSpPr>
+            <p:cNvPr id="86" name="rc86"/>
+            <p:cNvSpPr/>
+            <p:nvPr/>
+          </p:nvSpPr>
+          <p:spPr>
+            <a:xfrm>
+              <a:off x="4916168" y="5692187"/>
+              <a:ext cx="201456" cy="201456"/>
+            </a:xfrm>
+            <a:prstGeom prst="rect">
+              <a:avLst/>
+            </a:prstGeom>
+            <a:solidFill>
+              <a:srgbClr val="FCAE91">
+                <a:alpha val="100000"/>
+              </a:srgbClr>
+            </a:solidFill>
+          </p:spPr>
+          <p:txBody>
+            <a:bodyPr/>
+            <a:lstStyle/>
+            <a:p/>
+          </p:txBody>
+        </p:sp>
+        <p:sp>
+          <p:nvSpPr>
+            <p:cNvPr id="87" name="rc87"/>
+            <p:cNvSpPr/>
+            <p:nvPr/>
+          </p:nvSpPr>
+          <p:spPr>
+            <a:xfrm>
+              <a:off x="5742433" y="5683187"/>
+              <a:ext cx="219455" cy="219455"/>
+            </a:xfrm>
+            <a:prstGeom prst="rect">
+              <a:avLst/>
+            </a:prstGeom>
+            <a:solidFill>
+              <a:srgbClr val="FFFFFF">
+                <a:alpha val="100000"/>
+              </a:srgbClr>
+            </a:solidFill>
+          </p:spPr>
+          <p:txBody>
+            <a:bodyPr/>
+            <a:lstStyle/>
+            <a:p/>
+          </p:txBody>
+        </p:sp>
+        <p:sp>
+          <p:nvSpPr>
+            <p:cNvPr id="88" name="rc88"/>
+            <p:cNvSpPr/>
+            <p:nvPr/>
+          </p:nvSpPr>
+          <p:spPr>
+            <a:xfrm>
+              <a:off x="5751433" y="5692187"/>
+              <a:ext cx="201456" cy="201456"/>
+            </a:xfrm>
+            <a:prstGeom prst="rect">
+              <a:avLst/>
+            </a:prstGeom>
+            <a:solidFill>
+              <a:srgbClr val="FB6A4A">
+                <a:alpha val="100000"/>
+              </a:srgbClr>
+            </a:solidFill>
+          </p:spPr>
+          <p:txBody>
+            <a:bodyPr/>
+            <a:lstStyle/>
+            <a:p/>
+          </p:txBody>
+        </p:sp>
+        <p:sp>
+          <p:nvSpPr>
+            <p:cNvPr id="89" name="rc89"/>
+            <p:cNvSpPr/>
+            <p:nvPr/>
+          </p:nvSpPr>
+          <p:spPr>
+            <a:xfrm>
+              <a:off x="6291719" y="5683187"/>
+              <a:ext cx="219455" cy="219455"/>
+            </a:xfrm>
+            <a:prstGeom prst="rect">
+              <a:avLst/>
+            </a:prstGeom>
+            <a:solidFill>
+              <a:srgbClr val="FFFFFF">
+                <a:alpha val="100000"/>
+              </a:srgbClr>
+            </a:solidFill>
+          </p:spPr>
+          <p:txBody>
+            <a:bodyPr/>
+            <a:lstStyle/>
+            <a:p/>
+          </p:txBody>
+        </p:sp>
+        <p:sp>
+          <p:nvSpPr>
+            <p:cNvPr id="90" name="rc90"/>
+            <p:cNvSpPr/>
+            <p:nvPr/>
+          </p:nvSpPr>
+          <p:spPr>
+            <a:xfrm>
+              <a:off x="6300719" y="5692187"/>
+              <a:ext cx="201456" cy="201456"/>
+            </a:xfrm>
+            <a:prstGeom prst="rect">
+              <a:avLst/>
+            </a:prstGeom>
+            <a:solidFill>
+              <a:srgbClr val="CB181D">
+                <a:alpha val="100000"/>
+              </a:srgbClr>
+            </a:solidFill>
+          </p:spPr>
+          <p:txBody>
+            <a:bodyPr/>
+            <a:lstStyle/>
+            <a:p/>
+          </p:txBody>
+        </p:sp>
+        <p:sp>
+          <p:nvSpPr>
+            <p:cNvPr id="91" name="tx91"/>
+            <p:cNvSpPr/>
+            <p:nvPr/>
+          </p:nvSpPr>
+          <p:spPr>
+            <a:xfrm>
+              <a:off x="4551600" y="5763065"/>
+              <a:ext cx="251460" cy="69850"/>
+            </a:xfrm>
+            <a:prstGeom prst="rect">
+              <a:avLst/>
+            </a:prstGeom>
+            <a:noFill/>
+          </p:spPr>
+          <p:txBody>
+            <a:bodyPr lIns="0" rIns="0" tIns="0" bIns="0" anchorCtr="1" anchor="ctr" wrap="none"/>
+            <a:lstStyle/>
+            <a:p>
+              <a:pPr algn="l" marL="0" marR="0" indent="0">
+                <a:lnSpc>
+                  <a:spcPts val="880"/>
+                </a:lnSpc>
+                <a:spcBef>
+                  <a:spcPts val="0"/>
+                </a:spcBef>
+                <a:spcAft>
+                  <a:spcPts val="0"/>
+                </a:spcAft>
+              </a:pPr>
+              <a:r>
+                <a:rPr sz="880">
+                  <a:solidFill>
+                    <a:srgbClr val="000000">
+                      <a:alpha val="100000"/>
+                    </a:srgbClr>
+                  </a:solidFill>
+                  <a:latin typeface="Arial"/>
+                  <a:cs typeface="Arial"/>
+                </a:rPr>
+                <a:t>不必要</a:t>
+              </a:r>
+            </a:p>
+          </p:txBody>
+        </p:sp>
+        <p:sp>
+          <p:nvSpPr>
+            <p:cNvPr id="92" name="tx92"/>
+            <p:cNvSpPr/>
+            <p:nvPr/>
+          </p:nvSpPr>
+          <p:spPr>
+            <a:xfrm>
+              <a:off x="5196213" y="5763065"/>
+              <a:ext cx="419100" cy="69850"/>
+            </a:xfrm>
+            <a:prstGeom prst="rect">
+              <a:avLst/>
+            </a:prstGeom>
+            <a:noFill/>
+          </p:spPr>
+          <p:txBody>
+            <a:bodyPr lIns="0" rIns="0" tIns="0" bIns="0" anchorCtr="1" anchor="ctr" wrap="none"/>
+            <a:lstStyle/>
+            <a:p>
+              <a:pPr algn="l" marL="0" marR="0" indent="0">
+                <a:lnSpc>
+                  <a:spcPts val="880"/>
+                </a:lnSpc>
+                <a:spcBef>
+                  <a:spcPts val="0"/>
+                </a:spcBef>
+                <a:spcAft>
+                  <a:spcPts val="0"/>
+                </a:spcAft>
+              </a:pPr>
+              <a:r>
+                <a:rPr sz="880">
+                  <a:solidFill>
+                    <a:srgbClr val="000000">
+                      <a:alpha val="100000"/>
+                    </a:srgbClr>
+                  </a:solidFill>
+                  <a:latin typeface="Arial"/>
+                  <a:cs typeface="Arial"/>
+                </a:rPr>
+                <a:t>可适度摄入</a:t>
+              </a:r>
+            </a:p>
+          </p:txBody>
+        </p:sp>
+        <p:sp>
+          <p:nvSpPr>
+            <p:cNvPr id="93" name="tx93"/>
+            <p:cNvSpPr/>
+            <p:nvPr/>
+          </p:nvSpPr>
+          <p:spPr>
+            <a:xfrm>
+              <a:off x="6031478" y="5763065"/>
+              <a:ext cx="167640" cy="69850"/>
+            </a:xfrm>
+            <a:prstGeom prst="rect">
+              <a:avLst/>
+            </a:prstGeom>
+            <a:noFill/>
+          </p:spPr>
+          <p:txBody>
+            <a:bodyPr lIns="0" rIns="0" tIns="0" bIns="0" anchorCtr="1" anchor="ctr" wrap="none"/>
+            <a:lstStyle/>
+            <a:p>
+              <a:pPr algn="l" marL="0" marR="0" indent="0">
+                <a:lnSpc>
+                  <a:spcPts val="880"/>
+                </a:lnSpc>
+                <a:spcBef>
+                  <a:spcPts val="0"/>
+                </a:spcBef>
+                <a:spcAft>
+                  <a:spcPts val="0"/>
+                </a:spcAft>
+              </a:pPr>
+              <a:r>
+                <a:rPr sz="880">
+                  <a:solidFill>
+                    <a:srgbClr val="000000">
+                      <a:alpha val="100000"/>
+                    </a:srgbClr>
+                  </a:solidFill>
+                  <a:latin typeface="Arial"/>
+                  <a:cs typeface="Arial"/>
+                </a:rPr>
+                <a:t>必要</a:t>
+              </a:r>
+            </a:p>
+          </p:txBody>
+        </p:sp>
+        <p:sp>
+          <p:nvSpPr>
+            <p:cNvPr id="94" name="tx94"/>
+            <p:cNvSpPr/>
+            <p:nvPr/>
+          </p:nvSpPr>
+          <p:spPr>
+            <a:xfrm>
+              <a:off x="6580764" y="5763065"/>
+              <a:ext cx="335280" cy="69850"/>
+            </a:xfrm>
+            <a:prstGeom prst="rect">
+              <a:avLst/>
+            </a:prstGeom>
+            <a:noFill/>
+          </p:spPr>
+          <p:txBody>
+            <a:bodyPr lIns="0" rIns="0" tIns="0" bIns="0" anchorCtr="1" anchor="ctr" wrap="none"/>
+            <a:lstStyle/>
+            <a:p>
+              <a:pPr algn="l" marL="0" marR="0" indent="0">
+                <a:lnSpc>
+                  <a:spcPts val="880"/>
+                </a:lnSpc>
+                <a:spcBef>
+                  <a:spcPts val="0"/>
+                </a:spcBef>
+                <a:spcAft>
+                  <a:spcPts val="0"/>
+                </a:spcAft>
+              </a:pPr>
+              <a:r>
+                <a:rPr sz="880">
+                  <a:solidFill>
+                    <a:srgbClr val="000000">
+                      <a:alpha val="100000"/>
+                    </a:srgbClr>
+                  </a:solidFill>
+                  <a:latin typeface="Arial"/>
+                  <a:cs typeface="Arial"/>
+                </a:rPr>
+                <a:t>非常必要</a:t>
               </a:r>
             </a:p>
           </p:txBody>

--- a/_book/plot/unnamed-chunk-72-1.pptx
+++ b/_book/plot/unnamed-chunk-72-1.pptx
@@ -3192,8 +3192,8 @@
           </p:nvSpPr>
           <p:spPr>
             <a:xfrm>
-              <a:off x="2019661" y="1590617"/>
-              <a:ext cx="6917431" cy="4055309"/>
+              <a:off x="2017917" y="1590617"/>
+              <a:ext cx="6919174" cy="4059006"/>
             </a:xfrm>
             <a:prstGeom prst="rect">
               <a:avLst/>
@@ -3218,15 +3218,15 @@
           </p:nvSpPr>
           <p:spPr>
             <a:xfrm>
-              <a:off x="2895409" y="1590617"/>
-              <a:ext cx="0" cy="4055309"/>
+              <a:off x="2893886" y="1590617"/>
+              <a:ext cx="0" cy="4059006"/>
             </a:xfrm>
             <a:custGeom>
               <a:avLst/>
               <a:pathLst>
-                <a:path w="0" h="4055309">
+                <a:path w="0" h="4059006">
                   <a:moveTo>
-                    <a:pt x="0" y="4055309"/>
+                    <a:pt x="0" y="4059006"/>
                   </a:moveTo>
                   <a:lnTo>
                     <a:pt x="0" y="0"/>
@@ -3261,15 +3261,15 @@
           </p:nvSpPr>
           <p:spPr>
             <a:xfrm>
-              <a:off x="4646906" y="1590617"/>
-              <a:ext cx="0" cy="4055309"/>
+              <a:off x="4645824" y="1590617"/>
+              <a:ext cx="0" cy="4059006"/>
             </a:xfrm>
             <a:custGeom>
               <a:avLst/>
               <a:pathLst>
-                <a:path w="0" h="4055309">
+                <a:path w="0" h="4059006">
                   <a:moveTo>
-                    <a:pt x="0" y="4055309"/>
+                    <a:pt x="0" y="4059006"/>
                   </a:moveTo>
                   <a:lnTo>
                     <a:pt x="0" y="0"/>
@@ -3304,15 +3304,15 @@
           </p:nvSpPr>
           <p:spPr>
             <a:xfrm>
-              <a:off x="6398403" y="1590617"/>
-              <a:ext cx="0" cy="4055309"/>
+              <a:off x="6397763" y="1590617"/>
+              <a:ext cx="0" cy="4059006"/>
             </a:xfrm>
             <a:custGeom>
               <a:avLst/>
               <a:pathLst>
-                <a:path w="0" h="4055309">
+                <a:path w="0" h="4059006">
                   <a:moveTo>
-                    <a:pt x="0" y="4055309"/>
+                    <a:pt x="0" y="4059006"/>
                   </a:moveTo>
                   <a:lnTo>
                     <a:pt x="0" y="0"/>
@@ -3347,15 +3347,15 @@
           </p:nvSpPr>
           <p:spPr>
             <a:xfrm>
-              <a:off x="8149899" y="1590617"/>
-              <a:ext cx="0" cy="4055309"/>
+              <a:off x="8149701" y="1590617"/>
+              <a:ext cx="0" cy="4059006"/>
             </a:xfrm>
             <a:custGeom>
               <a:avLst/>
               <a:pathLst>
-                <a:path w="0" h="4055309">
+                <a:path w="0" h="4059006">
                   <a:moveTo>
-                    <a:pt x="0" y="4055309"/>
+                    <a:pt x="0" y="4059006"/>
                   </a:moveTo>
                   <a:lnTo>
                     <a:pt x="0" y="0"/>
@@ -3390,21 +3390,21 @@
           </p:nvSpPr>
           <p:spPr>
             <a:xfrm>
-              <a:off x="2019661" y="5178006"/>
-              <a:ext cx="6917431" cy="0"/>
+              <a:off x="2017917" y="5181276"/>
+              <a:ext cx="6919174" cy="0"/>
             </a:xfrm>
             <a:custGeom>
               <a:avLst/>
               <a:pathLst>
-                <a:path w="6917431" h="0">
+                <a:path w="6919174" h="0">
                   <a:moveTo>
                     <a:pt x="0" y="0"/>
                   </a:moveTo>
                   <a:lnTo>
-                    <a:pt x="6917431" y="0"/>
-                  </a:lnTo>
-                  <a:lnTo>
-                    <a:pt x="6917431" y="0"/>
+                    <a:pt x="6919174" y="0"/>
+                  </a:lnTo>
+                  <a:lnTo>
+                    <a:pt x="6919174" y="0"/>
                   </a:lnTo>
                 </a:path>
               </a:pathLst>
@@ -3433,21 +3433,21 @@
           </p:nvSpPr>
           <p:spPr>
             <a:xfrm>
-              <a:off x="2019661" y="4398139"/>
-              <a:ext cx="6917431" cy="0"/>
+              <a:off x="2017917" y="4400698"/>
+              <a:ext cx="6919174" cy="0"/>
             </a:xfrm>
             <a:custGeom>
               <a:avLst/>
               <a:pathLst>
-                <a:path w="6917431" h="0">
+                <a:path w="6919174" h="0">
                   <a:moveTo>
                     <a:pt x="0" y="0"/>
                   </a:moveTo>
                   <a:lnTo>
-                    <a:pt x="6917431" y="0"/>
-                  </a:lnTo>
-                  <a:lnTo>
-                    <a:pt x="6917431" y="0"/>
+                    <a:pt x="6919174" y="0"/>
+                  </a:lnTo>
+                  <a:lnTo>
+                    <a:pt x="6919174" y="0"/>
                   </a:lnTo>
                 </a:path>
               </a:pathLst>
@@ -3476,21 +3476,21 @@
           </p:nvSpPr>
           <p:spPr>
             <a:xfrm>
-              <a:off x="2019661" y="3618271"/>
-              <a:ext cx="6917431" cy="0"/>
+              <a:off x="2017917" y="3620120"/>
+              <a:ext cx="6919174" cy="0"/>
             </a:xfrm>
             <a:custGeom>
               <a:avLst/>
               <a:pathLst>
-                <a:path w="6917431" h="0">
+                <a:path w="6919174" h="0">
                   <a:moveTo>
                     <a:pt x="0" y="0"/>
                   </a:moveTo>
                   <a:lnTo>
-                    <a:pt x="6917431" y="0"/>
-                  </a:lnTo>
-                  <a:lnTo>
-                    <a:pt x="6917431" y="0"/>
+                    <a:pt x="6919174" y="0"/>
+                  </a:lnTo>
+                  <a:lnTo>
+                    <a:pt x="6919174" y="0"/>
                   </a:lnTo>
                 </a:path>
               </a:pathLst>
@@ -3519,21 +3519,21 @@
           </p:nvSpPr>
           <p:spPr>
             <a:xfrm>
-              <a:off x="2019661" y="2838404"/>
-              <a:ext cx="6917431" cy="0"/>
+              <a:off x="2017917" y="2839542"/>
+              <a:ext cx="6919174" cy="0"/>
             </a:xfrm>
             <a:custGeom>
               <a:avLst/>
               <a:pathLst>
-                <a:path w="6917431" h="0">
+                <a:path w="6919174" h="0">
                   <a:moveTo>
                     <a:pt x="0" y="0"/>
                   </a:moveTo>
                   <a:lnTo>
-                    <a:pt x="6917431" y="0"/>
-                  </a:lnTo>
-                  <a:lnTo>
-                    <a:pt x="6917431" y="0"/>
+                    <a:pt x="6919174" y="0"/>
+                  </a:lnTo>
+                  <a:lnTo>
+                    <a:pt x="6919174" y="0"/>
                   </a:lnTo>
                 </a:path>
               </a:pathLst>
@@ -3562,21 +3562,21 @@
           </p:nvSpPr>
           <p:spPr>
             <a:xfrm>
-              <a:off x="2019661" y="2058537"/>
-              <a:ext cx="6917431" cy="0"/>
+              <a:off x="2017917" y="2058964"/>
+              <a:ext cx="6919174" cy="0"/>
             </a:xfrm>
             <a:custGeom>
               <a:avLst/>
               <a:pathLst>
-                <a:path w="6917431" h="0">
+                <a:path w="6919174" h="0">
                   <a:moveTo>
                     <a:pt x="0" y="0"/>
                   </a:moveTo>
                   <a:lnTo>
-                    <a:pt x="6917431" y="0"/>
-                  </a:lnTo>
-                  <a:lnTo>
-                    <a:pt x="6917431" y="0"/>
+                    <a:pt x="6919174" y="0"/>
+                  </a:lnTo>
+                  <a:lnTo>
+                    <a:pt x="6919174" y="0"/>
                   </a:lnTo>
                 </a:path>
               </a:pathLst>
@@ -3605,15 +3605,15 @@
           </p:nvSpPr>
           <p:spPr>
             <a:xfrm>
-              <a:off x="2019661" y="1590617"/>
-              <a:ext cx="0" cy="4055309"/>
+              <a:off x="2017917" y="1590617"/>
+              <a:ext cx="0" cy="4059006"/>
             </a:xfrm>
             <a:custGeom>
               <a:avLst/>
               <a:pathLst>
-                <a:path w="0" h="4055309">
+                <a:path w="0" h="4059006">
                   <a:moveTo>
-                    <a:pt x="0" y="4055309"/>
+                    <a:pt x="0" y="4059006"/>
                   </a:moveTo>
                   <a:lnTo>
                     <a:pt x="0" y="0"/>
@@ -3648,15 +3648,15 @@
           </p:nvSpPr>
           <p:spPr>
             <a:xfrm>
-              <a:off x="3771157" y="1590617"/>
-              <a:ext cx="0" cy="4055309"/>
+              <a:off x="3769855" y="1590617"/>
+              <a:ext cx="0" cy="4059006"/>
             </a:xfrm>
             <a:custGeom>
               <a:avLst/>
               <a:pathLst>
-                <a:path w="0" h="4055309">
+                <a:path w="0" h="4059006">
                   <a:moveTo>
-                    <a:pt x="0" y="4055309"/>
+                    <a:pt x="0" y="4059006"/>
                   </a:moveTo>
                   <a:lnTo>
                     <a:pt x="0" y="0"/>
@@ -3691,15 +3691,15 @@
           </p:nvSpPr>
           <p:spPr>
             <a:xfrm>
-              <a:off x="5522654" y="1590617"/>
-              <a:ext cx="0" cy="4055309"/>
+              <a:off x="5521794" y="1590617"/>
+              <a:ext cx="0" cy="4059006"/>
             </a:xfrm>
             <a:custGeom>
               <a:avLst/>
               <a:pathLst>
-                <a:path w="0" h="4055309">
+                <a:path w="0" h="4059006">
                   <a:moveTo>
-                    <a:pt x="0" y="4055309"/>
+                    <a:pt x="0" y="4059006"/>
                   </a:moveTo>
                   <a:lnTo>
                     <a:pt x="0" y="0"/>
@@ -3734,15 +3734,15 @@
           </p:nvSpPr>
           <p:spPr>
             <a:xfrm>
-              <a:off x="7274151" y="1590617"/>
-              <a:ext cx="0" cy="4055309"/>
+              <a:off x="7273732" y="1590617"/>
+              <a:ext cx="0" cy="4059006"/>
             </a:xfrm>
             <a:custGeom>
               <a:avLst/>
               <a:pathLst>
-                <a:path w="0" h="4055309">
+                <a:path w="0" h="4059006">
                   <a:moveTo>
-                    <a:pt x="0" y="4055309"/>
+                    <a:pt x="0" y="4059006"/>
                   </a:moveTo>
                   <a:lnTo>
                     <a:pt x="0" y="0"/>
@@ -3777,8 +3777,8 @@
           </p:nvSpPr>
           <p:spPr>
             <a:xfrm>
-              <a:off x="2019661" y="1707597"/>
-              <a:ext cx="6781795" cy="701880"/>
+              <a:off x="2017917" y="1707703"/>
+              <a:ext cx="6783504" cy="702520"/>
             </a:xfrm>
             <a:prstGeom prst="rect">
               <a:avLst/>
@@ -3803,8 +3803,8 @@
           </p:nvSpPr>
           <p:spPr>
             <a:xfrm>
-              <a:off x="2019661" y="2487464"/>
-              <a:ext cx="5874520" cy="701880"/>
+              <a:off x="2017917" y="2488282"/>
+              <a:ext cx="5876000" cy="702520"/>
             </a:xfrm>
             <a:prstGeom prst="rect">
               <a:avLst/>
@@ -3829,8 +3829,8 @@
           </p:nvSpPr>
           <p:spPr>
             <a:xfrm>
-              <a:off x="2019661" y="3267331"/>
-              <a:ext cx="3842783" cy="701880"/>
+              <a:off x="2017917" y="3268860"/>
+              <a:ext cx="3843752" cy="702520"/>
             </a:xfrm>
             <a:prstGeom prst="rect">
               <a:avLst/>
@@ -3855,8 +3855,8 @@
           </p:nvSpPr>
           <p:spPr>
             <a:xfrm>
-              <a:off x="2019661" y="4047198"/>
-              <a:ext cx="2231406" cy="701880"/>
+              <a:off x="2017917" y="4049438"/>
+              <a:ext cx="2231969" cy="702520"/>
             </a:xfrm>
             <a:prstGeom prst="rect">
               <a:avLst/>
@@ -3881,8 +3881,8 @@
           </p:nvSpPr>
           <p:spPr>
             <a:xfrm>
-              <a:off x="2019661" y="4827066"/>
-              <a:ext cx="28023" cy="701880"/>
+              <a:off x="2017917" y="4830016"/>
+              <a:ext cx="28031" cy="702520"/>
             </a:xfrm>
             <a:prstGeom prst="rect">
               <a:avLst/>
@@ -3907,7 +3907,7 @@
           </p:nvSpPr>
           <p:spPr>
             <a:xfrm>
-              <a:off x="7662472" y="1992409"/>
+              <a:off x="7662395" y="1992836"/>
               <a:ext cx="97818" cy="45309"/>
             </a:xfrm>
             <a:custGeom>
@@ -4097,7 +4097,7 @@
           </p:nvSpPr>
           <p:spPr>
             <a:xfrm>
-              <a:off x="7689149" y="2027132"/>
+              <a:off x="7689073" y="2027559"/>
               <a:ext cx="44462" cy="8045"/>
             </a:xfrm>
             <a:custGeom>
@@ -4140,7 +4140,7 @@
           </p:nvSpPr>
           <p:spPr>
             <a:xfrm>
-              <a:off x="7666706" y="2047035"/>
+              <a:off x="7666630" y="2047461"/>
               <a:ext cx="88925" cy="43616"/>
             </a:xfrm>
             <a:custGeom>
@@ -4405,7 +4405,7 @@
           </p:nvSpPr>
           <p:spPr>
             <a:xfrm>
-              <a:off x="7783157" y="2064820"/>
+              <a:off x="7783080" y="2065247"/>
               <a:ext cx="17361" cy="29218"/>
             </a:xfrm>
             <a:custGeom>
@@ -4457,7 +4457,7 @@
           </p:nvSpPr>
           <p:spPr>
             <a:xfrm>
-              <a:off x="7878435" y="1998337"/>
+              <a:off x="7878358" y="1998764"/>
               <a:ext cx="95277" cy="92313"/>
             </a:xfrm>
             <a:custGeom>
@@ -4605,7 +4605,7 @@
           </p:nvSpPr>
           <p:spPr>
             <a:xfrm>
-              <a:off x="7936025" y="2025015"/>
+              <a:off x="7935948" y="2025442"/>
               <a:ext cx="41498" cy="41075"/>
             </a:xfrm>
             <a:custGeom>
@@ -4702,7 +4702,7 @@
           </p:nvSpPr>
           <p:spPr>
             <a:xfrm>
-              <a:off x="7992768" y="1996644"/>
+              <a:off x="7992691" y="1997070"/>
               <a:ext cx="87232" cy="94854"/>
             </a:xfrm>
             <a:custGeom>
@@ -4907,7 +4907,7 @@
           </p:nvSpPr>
           <p:spPr>
             <a:xfrm>
-              <a:off x="8008860" y="2016546"/>
+              <a:off x="8008783" y="2016973"/>
               <a:ext cx="55472" cy="8045"/>
             </a:xfrm>
             <a:custGeom>
@@ -4950,7 +4950,7 @@
           </p:nvSpPr>
           <p:spPr>
             <a:xfrm>
-              <a:off x="8014364" y="2036448"/>
+              <a:off x="8014288" y="2036875"/>
               <a:ext cx="44462" cy="33029"/>
             </a:xfrm>
             <a:custGeom>
@@ -4993,7 +4993,7 @@
           </p:nvSpPr>
           <p:spPr>
             <a:xfrm>
-              <a:off x="8022834" y="2044494"/>
+              <a:off x="8022757" y="2044921"/>
               <a:ext cx="27524" cy="16938"/>
             </a:xfrm>
             <a:custGeom>
@@ -5036,7 +5036,7 @@
           </p:nvSpPr>
           <p:spPr>
             <a:xfrm>
-              <a:off x="8108795" y="1997490"/>
+              <a:off x="8108719" y="1997917"/>
               <a:ext cx="71987" cy="36840"/>
             </a:xfrm>
             <a:custGeom>
@@ -5079,7 +5079,7 @@
           </p:nvSpPr>
           <p:spPr>
             <a:xfrm>
-              <a:off x="8117265" y="2005536"/>
+              <a:off x="8117188" y="2005963"/>
               <a:ext cx="55472" cy="20749"/>
             </a:xfrm>
             <a:custGeom>
@@ -5122,7 +5122,7 @@
           </p:nvSpPr>
           <p:spPr>
             <a:xfrm>
-              <a:off x="8099903" y="2042800"/>
+              <a:off x="8099826" y="2043227"/>
               <a:ext cx="40228" cy="47850"/>
             </a:xfrm>
             <a:custGeom>
@@ -5177,7 +5177,7 @@
           </p:nvSpPr>
           <p:spPr>
             <a:xfrm>
-              <a:off x="8107949" y="2050423"/>
+              <a:off x="8107872" y="2050849"/>
               <a:ext cx="24137" cy="26254"/>
             </a:xfrm>
             <a:custGeom>
@@ -5220,7 +5220,7 @@
           </p:nvSpPr>
           <p:spPr>
             <a:xfrm>
-              <a:off x="8149447" y="2042800"/>
+              <a:off x="8149371" y="2043227"/>
               <a:ext cx="39804" cy="47850"/>
             </a:xfrm>
             <a:custGeom>
@@ -5275,7 +5275,7 @@
           </p:nvSpPr>
           <p:spPr>
             <a:xfrm>
-              <a:off x="8157493" y="2050423"/>
+              <a:off x="8157416" y="2050849"/>
               <a:ext cx="23713" cy="26254"/>
             </a:xfrm>
             <a:custGeom>
@@ -5318,7 +5318,7 @@
           </p:nvSpPr>
           <p:spPr>
             <a:xfrm>
-              <a:off x="8204497" y="1993256"/>
+              <a:off x="8204420" y="1993682"/>
               <a:ext cx="39804" cy="97395"/>
             </a:xfrm>
             <a:custGeom>
@@ -5460,7 +5460,7 @@
           </p:nvSpPr>
           <p:spPr>
             <a:xfrm>
-              <a:off x="8245572" y="1993679"/>
+              <a:off x="8245495" y="1994106"/>
               <a:ext cx="56319" cy="96971"/>
             </a:xfrm>
             <a:custGeom>
@@ -5671,7 +5671,7 @@
           </p:nvSpPr>
           <p:spPr>
             <a:xfrm>
-              <a:off x="8257429" y="2011465"/>
+              <a:off x="8257352" y="2011891"/>
               <a:ext cx="13127" cy="10162"/>
             </a:xfrm>
             <a:custGeom>
@@ -5741,7 +5741,7 @@
           </p:nvSpPr>
           <p:spPr>
             <a:xfrm>
-              <a:off x="8278178" y="2011465"/>
+              <a:off x="8278101" y="2011891"/>
               <a:ext cx="11856" cy="10162"/>
             </a:xfrm>
             <a:custGeom>
@@ -5784,7 +5784,7 @@
           </p:nvSpPr>
           <p:spPr>
             <a:xfrm>
-              <a:off x="8257429" y="2028826"/>
+              <a:off x="8257352" y="2029253"/>
               <a:ext cx="12280" cy="10162"/>
             </a:xfrm>
             <a:custGeom>
@@ -5854,7 +5854,7 @@
           </p:nvSpPr>
           <p:spPr>
             <a:xfrm>
-              <a:off x="8276061" y="2028826"/>
+              <a:off x="8275984" y="2029253"/>
               <a:ext cx="13974" cy="10162"/>
             </a:xfrm>
             <a:custGeom>
@@ -5924,7 +5924,7 @@
           </p:nvSpPr>
           <p:spPr>
             <a:xfrm>
-              <a:off x="8312478" y="1993256"/>
+              <a:off x="8312402" y="1993682"/>
               <a:ext cx="33876" cy="97395"/>
             </a:xfrm>
             <a:custGeom>
@@ -6222,7 +6222,7 @@
           </p:nvSpPr>
           <p:spPr>
             <a:xfrm>
-              <a:off x="8343814" y="1992832"/>
+              <a:off x="8343737" y="1993259"/>
               <a:ext cx="67329" cy="97818"/>
             </a:xfrm>
             <a:custGeom>
@@ -6574,7 +6574,7 @@
           </p:nvSpPr>
           <p:spPr>
             <a:xfrm>
-              <a:off x="8379808" y="2030944"/>
+              <a:off x="8379731" y="2031370"/>
               <a:ext cx="16938" cy="20749"/>
             </a:xfrm>
             <a:custGeom>
@@ -6644,7 +6644,7 @@
           </p:nvSpPr>
           <p:spPr>
             <a:xfrm>
-              <a:off x="8359059" y="2030944"/>
+              <a:off x="8358982" y="2031370"/>
               <a:ext cx="14820" cy="20749"/>
             </a:xfrm>
             <a:custGeom>
@@ -6714,7 +6714,7 @@
           </p:nvSpPr>
           <p:spPr>
             <a:xfrm>
-              <a:off x="8421307" y="1992409"/>
+              <a:off x="8421230" y="1992836"/>
               <a:ext cx="95277" cy="98242"/>
             </a:xfrm>
             <a:custGeom>
@@ -7084,7 +7084,7 @@
           </p:nvSpPr>
           <p:spPr>
             <a:xfrm>
-              <a:off x="8452643" y="2050846"/>
+              <a:off x="8452566" y="2051273"/>
               <a:ext cx="46156" cy="5504"/>
             </a:xfrm>
             <a:custGeom>
@@ -7127,7 +7127,7 @@
           </p:nvSpPr>
           <p:spPr>
             <a:xfrm>
-              <a:off x="8452643" y="2063126"/>
+              <a:off x="8452566" y="2063553"/>
               <a:ext cx="46156" cy="5504"/>
             </a:xfrm>
             <a:custGeom>
@@ -7170,7 +7170,7 @@
           </p:nvSpPr>
           <p:spPr>
             <a:xfrm>
-              <a:off x="8452643" y="2074983"/>
+              <a:off x="8452566" y="2075410"/>
               <a:ext cx="46156" cy="5504"/>
             </a:xfrm>
             <a:custGeom>
@@ -7213,7 +7213,7 @@
           </p:nvSpPr>
           <p:spPr>
             <a:xfrm>
-              <a:off x="8534370" y="1998337"/>
+              <a:off x="8534293" y="1998764"/>
               <a:ext cx="88079" cy="27101"/>
             </a:xfrm>
             <a:custGeom>
@@ -7319,7 +7319,7 @@
           </p:nvSpPr>
           <p:spPr>
             <a:xfrm>
-              <a:off x="8550461" y="2011888"/>
+              <a:off x="8550384" y="2012315"/>
               <a:ext cx="24983" cy="22019"/>
             </a:xfrm>
             <a:custGeom>
@@ -7416,7 +7416,7 @@
           </p:nvSpPr>
           <p:spPr>
             <a:xfrm>
-              <a:off x="8532676" y="2014005"/>
+              <a:off x="8532599" y="2014432"/>
               <a:ext cx="91890" cy="76645"/>
             </a:xfrm>
             <a:custGeom>
@@ -7597,7 +7597,7 @@
           </p:nvSpPr>
           <p:spPr>
             <a:xfrm>
-              <a:off x="8539451" y="2025862"/>
+              <a:off x="8539374" y="2026289"/>
               <a:ext cx="24560" cy="22019"/>
             </a:xfrm>
             <a:custGeom>
@@ -7694,7 +7694,7 @@
           </p:nvSpPr>
           <p:spPr>
             <a:xfrm>
-              <a:off x="8585608" y="2064397"/>
+              <a:off x="8585531" y="2064823"/>
               <a:ext cx="36840" cy="26254"/>
             </a:xfrm>
             <a:custGeom>
@@ -7791,7 +7791,7 @@
           </p:nvSpPr>
           <p:spPr>
             <a:xfrm>
-              <a:off x="6646791" y="2772276"/>
+              <a:off x="6646486" y="2773414"/>
               <a:ext cx="97818" cy="45309"/>
             </a:xfrm>
             <a:custGeom>
@@ -7981,7 +7981,7 @@
           </p:nvSpPr>
           <p:spPr>
             <a:xfrm>
-              <a:off x="6673469" y="2807000"/>
+              <a:off x="6673164" y="2808137"/>
               <a:ext cx="44462" cy="8045"/>
             </a:xfrm>
             <a:custGeom>
@@ -8024,7 +8024,7 @@
           </p:nvSpPr>
           <p:spPr>
             <a:xfrm>
-              <a:off x="6651026" y="2826902"/>
+              <a:off x="6650721" y="2828040"/>
               <a:ext cx="88925" cy="43616"/>
             </a:xfrm>
             <a:custGeom>
@@ -8289,7 +8289,7 @@
           </p:nvSpPr>
           <p:spPr>
             <a:xfrm>
-              <a:off x="6767477" y="2844687"/>
+              <a:off x="6767171" y="2845825"/>
               <a:ext cx="17361" cy="29218"/>
             </a:xfrm>
             <a:custGeom>
@@ -8341,7 +8341,7 @@
           </p:nvSpPr>
           <p:spPr>
             <a:xfrm>
-              <a:off x="6864025" y="2776934"/>
+              <a:off x="6863719" y="2778072"/>
               <a:ext cx="96971" cy="90619"/>
             </a:xfrm>
             <a:custGeom>
@@ -8396,7 +8396,7 @@
           </p:nvSpPr>
           <p:spPr>
             <a:xfrm>
-              <a:off x="6889856" y="2785403"/>
+              <a:off x="6889550" y="2786541"/>
               <a:ext cx="46156" cy="19055"/>
             </a:xfrm>
             <a:custGeom>
@@ -8439,7 +8439,7 @@
           </p:nvSpPr>
           <p:spPr>
             <a:xfrm>
-              <a:off x="6889856" y="2812505"/>
+              <a:off x="6889550" y="2813642"/>
               <a:ext cx="46156" cy="19479"/>
             </a:xfrm>
             <a:custGeom>
@@ -8482,7 +8482,7 @@
           </p:nvSpPr>
           <p:spPr>
             <a:xfrm>
-              <a:off x="6889856" y="2840029"/>
+              <a:off x="6889550" y="2841167"/>
               <a:ext cx="46156" cy="19479"/>
             </a:xfrm>
             <a:custGeom>
@@ -8525,7 +8525,7 @@
           </p:nvSpPr>
           <p:spPr>
             <a:xfrm>
-              <a:off x="6981322" y="2772700"/>
+              <a:off x="6981017" y="2773837"/>
               <a:ext cx="77916" cy="52085"/>
             </a:xfrm>
             <a:custGeom>
@@ -8592,7 +8592,7 @@
           </p:nvSpPr>
           <p:spPr>
             <a:xfrm>
-              <a:off x="6989792" y="2790485"/>
+              <a:off x="6989486" y="2791622"/>
               <a:ext cx="26254" cy="16514"/>
             </a:xfrm>
             <a:custGeom>
@@ -8635,7 +8635,7 @@
           </p:nvSpPr>
           <p:spPr>
             <a:xfrm>
-              <a:off x="7024515" y="2790485"/>
+              <a:off x="7024210" y="2791622"/>
               <a:ext cx="26254" cy="16514"/>
             </a:xfrm>
             <a:custGeom>
@@ -8678,7 +8678,7 @@
           </p:nvSpPr>
           <p:spPr>
             <a:xfrm>
-              <a:off x="7015622" y="2826055"/>
+              <a:off x="7015317" y="2827193"/>
               <a:ext cx="17361" cy="21172"/>
             </a:xfrm>
             <a:custGeom>
@@ -8775,7 +8775,7 @@
           </p:nvSpPr>
           <p:spPr>
             <a:xfrm>
-              <a:off x="7045688" y="2828172"/>
+              <a:off x="7045382" y="2829310"/>
               <a:ext cx="23290" cy="29641"/>
             </a:xfrm>
             <a:custGeom>
@@ -8872,7 +8872,7 @@
           </p:nvSpPr>
           <p:spPr>
             <a:xfrm>
-              <a:off x="6972006" y="2830713"/>
+              <a:off x="6971701" y="2831851"/>
               <a:ext cx="19902" cy="31759"/>
             </a:xfrm>
             <a:custGeom>
@@ -8969,7 +8969,7 @@
           </p:nvSpPr>
           <p:spPr>
             <a:xfrm>
-              <a:off x="6999108" y="2832830"/>
+              <a:off x="6998802" y="2833968"/>
               <a:ext cx="50391" cy="35146"/>
             </a:xfrm>
             <a:custGeom>
@@ -9252,7 +9252,7 @@
           </p:nvSpPr>
           <p:spPr>
             <a:xfrm>
-              <a:off x="7086340" y="2773123"/>
+              <a:off x="7086034" y="2774261"/>
               <a:ext cx="17361" cy="21596"/>
             </a:xfrm>
             <a:custGeom>
@@ -9349,7 +9349,7 @@
           </p:nvSpPr>
           <p:spPr>
             <a:xfrm>
-              <a:off x="7080411" y="2804459"/>
+              <a:off x="7080106" y="2805596"/>
               <a:ext cx="27101" cy="60554"/>
             </a:xfrm>
             <a:custGeom>
@@ -9461,7 +9461,7 @@
           </p:nvSpPr>
           <p:spPr>
             <a:xfrm>
-              <a:off x="7103278" y="2773123"/>
+              <a:off x="7102973" y="2774261"/>
               <a:ext cx="76645" cy="98242"/>
             </a:xfrm>
             <a:custGeom>
@@ -10143,7 +10143,7 @@
           </p:nvSpPr>
           <p:spPr>
             <a:xfrm>
-              <a:off x="7158751" y="2773123"/>
+              <a:off x="7158446" y="2774261"/>
               <a:ext cx="14820" cy="14820"/>
             </a:xfrm>
             <a:custGeom>
@@ -10240,7 +10240,7 @@
           </p:nvSpPr>
           <p:spPr>
             <a:xfrm>
-              <a:off x="7190087" y="2779475"/>
+              <a:off x="7189781" y="2780612"/>
               <a:ext cx="94854" cy="91043"/>
             </a:xfrm>
             <a:custGeom>
@@ -10499,7 +10499,7 @@
           </p:nvSpPr>
           <p:spPr>
             <a:xfrm>
-              <a:off x="7295528" y="2773123"/>
+              <a:off x="7295222" y="2774261"/>
               <a:ext cx="37264" cy="97395"/>
             </a:xfrm>
             <a:custGeom>
@@ -10791,7 +10791,7 @@
           </p:nvSpPr>
           <p:spPr>
             <a:xfrm>
-              <a:off x="7335333" y="2772700"/>
+              <a:off x="7335027" y="2773837"/>
               <a:ext cx="58860" cy="41075"/>
             </a:xfrm>
             <a:custGeom>
@@ -10870,7 +10870,7 @@
           </p:nvSpPr>
           <p:spPr>
             <a:xfrm>
-              <a:off x="7335756" y="2816739"/>
+              <a:off x="7335451" y="2817877"/>
               <a:ext cx="58860" cy="53779"/>
             </a:xfrm>
             <a:custGeom>
@@ -11087,7 +11087,7 @@
           </p:nvSpPr>
           <p:spPr>
             <a:xfrm>
-              <a:off x="7343802" y="2838335"/>
+              <a:off x="7343496" y="2839473"/>
               <a:ext cx="15244" cy="18632"/>
             </a:xfrm>
             <a:custGeom>
@@ -11184,7 +11184,7 @@
           </p:nvSpPr>
           <p:spPr>
             <a:xfrm>
-              <a:off x="7409014" y="2772276"/>
+              <a:off x="7408709" y="2773414"/>
               <a:ext cx="90619" cy="27948"/>
             </a:xfrm>
             <a:custGeom>
@@ -11305,7 +11305,7 @@
           </p:nvSpPr>
           <p:spPr>
             <a:xfrm>
-              <a:off x="7406050" y="2803188"/>
+              <a:off x="7405744" y="2804326"/>
               <a:ext cx="97395" cy="66906"/>
             </a:xfrm>
             <a:custGeom>
@@ -11594,7 +11594,7 @@
           </p:nvSpPr>
           <p:spPr>
             <a:xfrm>
-              <a:off x="7526735" y="2777358"/>
+              <a:off x="7526430" y="2778495"/>
               <a:ext cx="71987" cy="36840"/>
             </a:xfrm>
             <a:custGeom>
@@ -11637,7 +11637,7 @@
           </p:nvSpPr>
           <p:spPr>
             <a:xfrm>
-              <a:off x="7535204" y="2785403"/>
+              <a:off x="7534899" y="2786541"/>
               <a:ext cx="55472" cy="20749"/>
             </a:xfrm>
             <a:custGeom>
@@ -11680,7 +11680,7 @@
           </p:nvSpPr>
           <p:spPr>
             <a:xfrm>
-              <a:off x="7517843" y="2822668"/>
+              <a:off x="7517537" y="2823805"/>
               <a:ext cx="40228" cy="47850"/>
             </a:xfrm>
             <a:custGeom>
@@ -11735,7 +11735,7 @@
           </p:nvSpPr>
           <p:spPr>
             <a:xfrm>
-              <a:off x="7525888" y="2830290"/>
+              <a:off x="7525583" y="2831427"/>
               <a:ext cx="24137" cy="26254"/>
             </a:xfrm>
             <a:custGeom>
@@ -11778,7 +11778,7 @@
           </p:nvSpPr>
           <p:spPr>
             <a:xfrm>
-              <a:off x="7567387" y="2822668"/>
+              <a:off x="7567082" y="2823805"/>
               <a:ext cx="39804" cy="47850"/>
             </a:xfrm>
             <a:custGeom>
@@ -11833,7 +11833,7 @@
           </p:nvSpPr>
           <p:spPr>
             <a:xfrm>
-              <a:off x="7575433" y="2830290"/>
+              <a:off x="7575127" y="2831427"/>
               <a:ext cx="23713" cy="26254"/>
             </a:xfrm>
             <a:custGeom>
@@ -11876,7 +11876,7 @@
           </p:nvSpPr>
           <p:spPr>
             <a:xfrm>
-              <a:off x="7622436" y="2773123"/>
+              <a:off x="7622131" y="2774261"/>
               <a:ext cx="39804" cy="97395"/>
             </a:xfrm>
             <a:custGeom>
@@ -12018,7 +12018,7 @@
           </p:nvSpPr>
           <p:spPr>
             <a:xfrm>
-              <a:off x="7663512" y="2773546"/>
+              <a:off x="7663206" y="2774684"/>
               <a:ext cx="56319" cy="96971"/>
             </a:xfrm>
             <a:custGeom>
@@ -12229,7 +12229,7 @@
           </p:nvSpPr>
           <p:spPr>
             <a:xfrm>
-              <a:off x="7675369" y="2791332"/>
+              <a:off x="7675063" y="2792469"/>
               <a:ext cx="13127" cy="10162"/>
             </a:xfrm>
             <a:custGeom>
@@ -12299,7 +12299,7 @@
           </p:nvSpPr>
           <p:spPr>
             <a:xfrm>
-              <a:off x="7696118" y="2791332"/>
+              <a:off x="7695812" y="2792469"/>
               <a:ext cx="11856" cy="10162"/>
             </a:xfrm>
             <a:custGeom>
@@ -12342,7 +12342,7 @@
           </p:nvSpPr>
           <p:spPr>
             <a:xfrm>
-              <a:off x="7675369" y="2808693"/>
+              <a:off x="7675063" y="2809831"/>
               <a:ext cx="12280" cy="10162"/>
             </a:xfrm>
             <a:custGeom>
@@ -12412,7 +12412,7 @@
           </p:nvSpPr>
           <p:spPr>
             <a:xfrm>
-              <a:off x="7694001" y="2808693"/>
+              <a:off x="7693695" y="2809831"/>
               <a:ext cx="13974" cy="10162"/>
             </a:xfrm>
             <a:custGeom>
@@ -12482,7 +12482,7 @@
           </p:nvSpPr>
           <p:spPr>
             <a:xfrm>
-              <a:off x="4398245" y="3552143"/>
+              <a:off x="4397428" y="3553992"/>
               <a:ext cx="97818" cy="45309"/>
             </a:xfrm>
             <a:custGeom>
@@ -12672,7 +12672,7 @@
           </p:nvSpPr>
           <p:spPr>
             <a:xfrm>
-              <a:off x="4424923" y="3586867"/>
+              <a:off x="4424105" y="3588715"/>
               <a:ext cx="44462" cy="8045"/>
             </a:xfrm>
             <a:custGeom>
@@ -12715,7 +12715,7 @@
           </p:nvSpPr>
           <p:spPr>
             <a:xfrm>
-              <a:off x="4402480" y="3606769"/>
+              <a:off x="4401662" y="3608618"/>
               <a:ext cx="88925" cy="43616"/>
             </a:xfrm>
             <a:custGeom>
@@ -12980,7 +12980,7 @@
           </p:nvSpPr>
           <p:spPr>
             <a:xfrm>
-              <a:off x="4518930" y="3624554"/>
+              <a:off x="4518113" y="3626403"/>
               <a:ext cx="17361" cy="29218"/>
             </a:xfrm>
             <a:custGeom>
@@ -13032,7 +13032,7 @@
           </p:nvSpPr>
           <p:spPr>
             <a:xfrm>
-              <a:off x="4614208" y="3558072"/>
+              <a:off x="4613391" y="3559920"/>
               <a:ext cx="95277" cy="92313"/>
             </a:xfrm>
             <a:custGeom>
@@ -13180,7 +13180,7 @@
           </p:nvSpPr>
           <p:spPr>
             <a:xfrm>
-              <a:off x="4671798" y="3584749"/>
+              <a:off x="4670981" y="3586598"/>
               <a:ext cx="41498" cy="41075"/>
             </a:xfrm>
             <a:custGeom>
@@ -13277,7 +13277,7 @@
           </p:nvSpPr>
           <p:spPr>
             <a:xfrm>
-              <a:off x="4728542" y="3556378"/>
+              <a:off x="4727724" y="3558226"/>
               <a:ext cx="87232" cy="94854"/>
             </a:xfrm>
             <a:custGeom>
@@ -13482,7 +13482,7 @@
           </p:nvSpPr>
           <p:spPr>
             <a:xfrm>
-              <a:off x="4744633" y="3576280"/>
+              <a:off x="4743815" y="3578129"/>
               <a:ext cx="55472" cy="8045"/>
             </a:xfrm>
             <a:custGeom>
@@ -13525,7 +13525,7 @@
           </p:nvSpPr>
           <p:spPr>
             <a:xfrm>
-              <a:off x="4750138" y="3596183"/>
+              <a:off x="4749320" y="3598031"/>
               <a:ext cx="44462" cy="33029"/>
             </a:xfrm>
             <a:custGeom>
@@ -13568,7 +13568,7 @@
           </p:nvSpPr>
           <p:spPr>
             <a:xfrm>
-              <a:off x="4758607" y="3604229"/>
+              <a:off x="4757790" y="3606077"/>
               <a:ext cx="27524" cy="16938"/>
             </a:xfrm>
             <a:custGeom>
@@ -13611,7 +13611,7 @@
           </p:nvSpPr>
           <p:spPr>
             <a:xfrm>
-              <a:off x="4830595" y="3605075"/>
+              <a:off x="4829777" y="3606924"/>
               <a:ext cx="98665" cy="45309"/>
             </a:xfrm>
             <a:custGeom>
@@ -13879,7 +13879,7 @@
           </p:nvSpPr>
           <p:spPr>
             <a:xfrm>
-              <a:off x="4834829" y="3552143"/>
+              <a:off x="4834012" y="3553992"/>
               <a:ext cx="90619" cy="52932"/>
             </a:xfrm>
             <a:custGeom>
@@ -14009,7 +14009,7 @@
           </p:nvSpPr>
           <p:spPr>
             <a:xfrm>
-              <a:off x="4846263" y="3552990"/>
+              <a:off x="4845445" y="3554839"/>
               <a:ext cx="19479" cy="17785"/>
             </a:xfrm>
             <a:custGeom>
@@ -14106,7 +14106,7 @@
           </p:nvSpPr>
           <p:spPr>
             <a:xfrm>
-              <a:off x="4894113" y="3552990"/>
+              <a:off x="4893296" y="3554839"/>
               <a:ext cx="19055" cy="17785"/>
             </a:xfrm>
             <a:custGeom>
@@ -14203,7 +14203,7 @@
           </p:nvSpPr>
           <p:spPr>
             <a:xfrm>
-              <a:off x="4890302" y="3583479"/>
+              <a:off x="4889485" y="3585328"/>
               <a:ext cx="33029" cy="23290"/>
             </a:xfrm>
             <a:custGeom>
@@ -14273,7 +14273,7 @@
           </p:nvSpPr>
           <p:spPr>
             <a:xfrm>
-              <a:off x="4940270" y="3612274"/>
+              <a:off x="4939453" y="3614123"/>
               <a:ext cx="96971" cy="35146"/>
             </a:xfrm>
             <a:custGeom>
@@ -14352,7 +14352,7 @@
           </p:nvSpPr>
           <p:spPr>
             <a:xfrm>
-              <a:off x="4941541" y="3556801"/>
+              <a:off x="4940723" y="3558650"/>
               <a:ext cx="55896" cy="55896"/>
             </a:xfrm>
             <a:custGeom>
@@ -14497,7 +14497,7 @@
           </p:nvSpPr>
           <p:spPr>
             <a:xfrm>
-              <a:off x="4963137" y="3564424"/>
+              <a:off x="4962319" y="3566272"/>
               <a:ext cx="13550" cy="15244"/>
             </a:xfrm>
             <a:custGeom>
@@ -14540,7 +14540,7 @@
           </p:nvSpPr>
           <p:spPr>
             <a:xfrm>
-              <a:off x="5007600" y="3554684"/>
+              <a:off x="5006782" y="3556533"/>
               <a:ext cx="22866" cy="60130"/>
             </a:xfrm>
             <a:custGeom>
@@ -14763,7 +14763,7 @@
           </p:nvSpPr>
           <p:spPr>
             <a:xfrm>
-              <a:off x="5002942" y="3560612"/>
+              <a:off x="5002124" y="3562461"/>
               <a:ext cx="8469" cy="38958"/>
             </a:xfrm>
             <a:custGeom>
@@ -14806,7 +14806,7 @@
           </p:nvSpPr>
           <p:spPr>
             <a:xfrm>
-              <a:off x="5088480" y="3553414"/>
+              <a:off x="5087663" y="3555262"/>
               <a:ext cx="54625" cy="96971"/>
             </a:xfrm>
             <a:custGeom>
@@ -15122,7 +15122,7 @@
           </p:nvSpPr>
           <p:spPr>
             <a:xfrm>
-              <a:off x="5102454" y="3595336"/>
+              <a:off x="5101637" y="3597184"/>
               <a:ext cx="18632" cy="24560"/>
             </a:xfrm>
             <a:custGeom>
@@ -15219,7 +15219,7 @@
           </p:nvSpPr>
           <p:spPr>
             <a:xfrm>
-              <a:off x="5052063" y="3552990"/>
+              <a:off x="5051245" y="3554839"/>
               <a:ext cx="34723" cy="93584"/>
             </a:xfrm>
             <a:custGeom>
@@ -15340,7 +15340,7 @@
           </p:nvSpPr>
           <p:spPr>
             <a:xfrm>
-              <a:off x="5059685" y="3575010"/>
+              <a:off x="5058868" y="3576859"/>
               <a:ext cx="19479" cy="24560"/>
             </a:xfrm>
             <a:custGeom>
@@ -15383,7 +15383,7 @@
           </p:nvSpPr>
           <p:spPr>
             <a:xfrm>
-              <a:off x="5059685" y="3607616"/>
+              <a:off x="5058868" y="3609465"/>
               <a:ext cx="19479" cy="24560"/>
             </a:xfrm>
             <a:custGeom>
@@ -15426,7 +15426,7 @@
           </p:nvSpPr>
           <p:spPr>
             <a:xfrm>
-              <a:off x="5163432" y="3553837"/>
+              <a:off x="5162614" y="3555686"/>
               <a:ext cx="87232" cy="19055"/>
             </a:xfrm>
             <a:custGeom>
@@ -15535,7 +15535,7 @@
           </p:nvSpPr>
           <p:spPr>
             <a:xfrm>
-              <a:off x="5156233" y="3575010"/>
+              <a:off x="5155416" y="3576859"/>
               <a:ext cx="95277" cy="76222"/>
             </a:xfrm>
             <a:custGeom>
@@ -15710,7 +15710,7 @@
           </p:nvSpPr>
           <p:spPr>
             <a:xfrm>
-              <a:off x="5182064" y="3575433"/>
+              <a:off x="5181247" y="3577282"/>
               <a:ext cx="15244" cy="16514"/>
             </a:xfrm>
             <a:custGeom>
@@ -15807,7 +15807,7 @@
           </p:nvSpPr>
           <p:spPr>
             <a:xfrm>
-              <a:off x="5278189" y="3557225"/>
+              <a:off x="5277371" y="3559073"/>
               <a:ext cx="71987" cy="36840"/>
             </a:xfrm>
             <a:custGeom>
@@ -15850,7 +15850,7 @@
           </p:nvSpPr>
           <p:spPr>
             <a:xfrm>
-              <a:off x="5286658" y="3565270"/>
+              <a:off x="5285840" y="3567119"/>
               <a:ext cx="55472" cy="20749"/>
             </a:xfrm>
             <a:custGeom>
@@ -15893,7 +15893,7 @@
           </p:nvSpPr>
           <p:spPr>
             <a:xfrm>
-              <a:off x="5269296" y="3602535"/>
+              <a:off x="5268479" y="3604383"/>
               <a:ext cx="40228" cy="47850"/>
             </a:xfrm>
             <a:custGeom>
@@ -15948,7 +15948,7 @@
           </p:nvSpPr>
           <p:spPr>
             <a:xfrm>
-              <a:off x="5277342" y="3610157"/>
+              <a:off x="5276524" y="3612005"/>
               <a:ext cx="24137" cy="26254"/>
             </a:xfrm>
             <a:custGeom>
@@ -15991,7 +15991,7 @@
           </p:nvSpPr>
           <p:spPr>
             <a:xfrm>
-              <a:off x="5318841" y="3602535"/>
+              <a:off x="5318023" y="3604383"/>
               <a:ext cx="39804" cy="47850"/>
             </a:xfrm>
             <a:custGeom>
@@ -16046,7 +16046,7 @@
           </p:nvSpPr>
           <p:spPr>
             <a:xfrm>
-              <a:off x="5326886" y="3610157"/>
+              <a:off x="5326069" y="3612005"/>
               <a:ext cx="23713" cy="26254"/>
             </a:xfrm>
             <a:custGeom>
@@ -16089,7 +16089,7 @@
           </p:nvSpPr>
           <p:spPr>
             <a:xfrm>
-              <a:off x="5373467" y="3552990"/>
+              <a:off x="5372649" y="3554839"/>
               <a:ext cx="33876" cy="97395"/>
             </a:xfrm>
             <a:custGeom>
@@ -16387,7 +16387,7 @@
           </p:nvSpPr>
           <p:spPr>
             <a:xfrm>
-              <a:off x="5404803" y="3552567"/>
+              <a:off x="5403985" y="3554415"/>
               <a:ext cx="67329" cy="97818"/>
             </a:xfrm>
             <a:custGeom>
@@ -16739,7 +16739,7 @@
           </p:nvSpPr>
           <p:spPr>
             <a:xfrm>
-              <a:off x="5440796" y="3590678"/>
+              <a:off x="5439979" y="3592526"/>
               <a:ext cx="16938" cy="20749"/>
             </a:xfrm>
             <a:custGeom>
@@ -16809,7 +16809,7 @@
           </p:nvSpPr>
           <p:spPr>
             <a:xfrm>
-              <a:off x="5420047" y="3590678"/>
+              <a:off x="5419229" y="3592526"/>
               <a:ext cx="14820" cy="20749"/>
             </a:xfrm>
             <a:custGeom>
@@ -16879,7 +16879,7 @@
           </p:nvSpPr>
           <p:spPr>
             <a:xfrm>
-              <a:off x="5482295" y="3552143"/>
+              <a:off x="5481478" y="3553992"/>
               <a:ext cx="95277" cy="98242"/>
             </a:xfrm>
             <a:custGeom>
@@ -17249,7 +17249,7 @@
           </p:nvSpPr>
           <p:spPr>
             <a:xfrm>
-              <a:off x="5513631" y="3610580"/>
+              <a:off x="5512813" y="3612429"/>
               <a:ext cx="46156" cy="5504"/>
             </a:xfrm>
             <a:custGeom>
@@ -17292,7 +17292,7 @@
           </p:nvSpPr>
           <p:spPr>
             <a:xfrm>
-              <a:off x="5513631" y="3622861"/>
+              <a:off x="5512813" y="3624709"/>
               <a:ext cx="46156" cy="5504"/>
             </a:xfrm>
             <a:custGeom>
@@ -17335,7 +17335,7 @@
           </p:nvSpPr>
           <p:spPr>
             <a:xfrm>
-              <a:off x="5513631" y="3634717"/>
+              <a:off x="5512813" y="3636566"/>
               <a:ext cx="46156" cy="5504"/>
             </a:xfrm>
             <a:custGeom>
@@ -17378,7 +17378,7 @@
           </p:nvSpPr>
           <p:spPr>
             <a:xfrm>
-              <a:off x="5595358" y="3558072"/>
+              <a:off x="5594541" y="3559920"/>
               <a:ext cx="88079" cy="27101"/>
             </a:xfrm>
             <a:custGeom>
@@ -17484,7 +17484,7 @@
           </p:nvSpPr>
           <p:spPr>
             <a:xfrm>
-              <a:off x="5611450" y="3571622"/>
+              <a:off x="5610632" y="3573471"/>
               <a:ext cx="24983" cy="22019"/>
             </a:xfrm>
             <a:custGeom>
@@ -17581,7 +17581,7 @@
           </p:nvSpPr>
           <p:spPr>
             <a:xfrm>
-              <a:off x="5593664" y="3573740"/>
+              <a:off x="5592847" y="3575588"/>
               <a:ext cx="91890" cy="76645"/>
             </a:xfrm>
             <a:custGeom>
@@ -17762,7 +17762,7 @@
           </p:nvSpPr>
           <p:spPr>
             <a:xfrm>
-              <a:off x="5600440" y="3585596"/>
+              <a:off x="5599622" y="3587445"/>
               <a:ext cx="24560" cy="22019"/>
             </a:xfrm>
             <a:custGeom>
@@ -17859,7 +17859,7 @@
           </p:nvSpPr>
           <p:spPr>
             <a:xfrm>
-              <a:off x="5646596" y="3624131"/>
+              <a:off x="5645779" y="3625980"/>
               <a:ext cx="36840" cy="26254"/>
             </a:xfrm>
             <a:custGeom>
@@ -17956,7 +17956,7 @@
           </p:nvSpPr>
           <p:spPr>
             <a:xfrm>
-              <a:off x="4424146" y="4347774"/>
+              <a:off x="4423008" y="4350333"/>
               <a:ext cx="37264" cy="97395"/>
             </a:xfrm>
             <a:custGeom>
@@ -18152,7 +18152,7 @@
           </p:nvSpPr>
           <p:spPr>
             <a:xfrm>
-              <a:off x="4463528" y="4350314"/>
+              <a:off x="4462389" y="4352874"/>
               <a:ext cx="60554" cy="94430"/>
             </a:xfrm>
             <a:custGeom>
@@ -18453,7 +18453,7 @@
           </p:nvSpPr>
           <p:spPr>
             <a:xfrm>
-              <a:off x="4471997" y="4358360"/>
+              <a:off x="4470858" y="4360920"/>
               <a:ext cx="33876" cy="12280"/>
             </a:xfrm>
             <a:custGeom>
@@ -18496,7 +18496,7 @@
           </p:nvSpPr>
           <p:spPr>
             <a:xfrm>
-              <a:off x="4471997" y="4378686"/>
+              <a:off x="4470858" y="4381246"/>
               <a:ext cx="33876" cy="11856"/>
             </a:xfrm>
             <a:custGeom>
@@ -18539,7 +18539,7 @@
           </p:nvSpPr>
           <p:spPr>
             <a:xfrm>
-              <a:off x="4533398" y="4347774"/>
+              <a:off x="4532260" y="4350333"/>
               <a:ext cx="33876" cy="97395"/>
             </a:xfrm>
             <a:custGeom>
@@ -18837,7 +18837,7 @@
           </p:nvSpPr>
           <p:spPr>
             <a:xfrm>
-              <a:off x="4562617" y="4352008"/>
+              <a:off x="4561478" y="4354568"/>
               <a:ext cx="67753" cy="93160"/>
             </a:xfrm>
             <a:custGeom>
@@ -18991,7 +18991,7 @@
           </p:nvSpPr>
           <p:spPr>
             <a:xfrm>
-              <a:off x="4579132" y="4359630"/>
+              <a:off x="4577993" y="4362190"/>
               <a:ext cx="39381" cy="10586"/>
             </a:xfrm>
             <a:custGeom>
@@ -19034,7 +19034,7 @@
           </p:nvSpPr>
           <p:spPr>
             <a:xfrm>
-              <a:off x="4579132" y="4377839"/>
+              <a:off x="4577993" y="4380399"/>
               <a:ext cx="20749" cy="11856"/>
             </a:xfrm>
             <a:custGeom>
@@ -19077,7 +19077,7 @@
           </p:nvSpPr>
           <p:spPr>
             <a:xfrm>
-              <a:off x="4590142" y="4417221"/>
+              <a:off x="4589003" y="4419780"/>
               <a:ext cx="27948" cy="13974"/>
             </a:xfrm>
             <a:custGeom>
@@ -19120,7 +19120,7 @@
           </p:nvSpPr>
           <p:spPr>
             <a:xfrm>
-              <a:off x="4640956" y="4347774"/>
+              <a:off x="4639818" y="4350333"/>
               <a:ext cx="29641" cy="97395"/>
             </a:xfrm>
             <a:custGeom>
@@ -19256,7 +19256,7 @@
           </p:nvSpPr>
           <p:spPr>
             <a:xfrm>
-              <a:off x="4665517" y="4347350"/>
+              <a:off x="4664378" y="4349910"/>
               <a:ext cx="74104" cy="97395"/>
             </a:xfrm>
             <a:custGeom>
@@ -19587,7 +19587,7 @@
           </p:nvSpPr>
           <p:spPr>
             <a:xfrm>
-              <a:off x="4682032" y="4382921"/>
+              <a:off x="4680893" y="4385480"/>
               <a:ext cx="18632" cy="15244"/>
             </a:xfrm>
             <a:custGeom>
@@ -19660,7 +19660,7 @@
           </p:nvSpPr>
           <p:spPr>
             <a:xfrm>
-              <a:off x="4709133" y="4382921"/>
+              <a:off x="4707994" y="4385480"/>
               <a:ext cx="18208" cy="15244"/>
             </a:xfrm>
             <a:custGeom>
@@ -19706,7 +19706,7 @@
           </p:nvSpPr>
           <p:spPr>
             <a:xfrm>
-              <a:off x="4749785" y="4352855"/>
+              <a:off x="4748646" y="4355415"/>
               <a:ext cx="91466" cy="92313"/>
             </a:xfrm>
             <a:custGeom>
@@ -20010,7 +20010,7 @@
           </p:nvSpPr>
           <p:spPr>
             <a:xfrm>
-              <a:off x="4769687" y="4360901"/>
+              <a:off x="4768549" y="4363460"/>
               <a:ext cx="27101" cy="17361"/>
             </a:xfrm>
             <a:custGeom>
@@ -20053,7 +20053,7 @@
           </p:nvSpPr>
           <p:spPr>
             <a:xfrm>
-              <a:off x="4805258" y="4360901"/>
+              <a:off x="4804119" y="4363460"/>
               <a:ext cx="27524" cy="17361"/>
             </a:xfrm>
             <a:custGeom>
@@ -20096,7 +20096,7 @@
           </p:nvSpPr>
           <p:spPr>
             <a:xfrm>
-              <a:off x="4769264" y="4386308"/>
+              <a:off x="4768125" y="4388868"/>
               <a:ext cx="27524" cy="17361"/>
             </a:xfrm>
             <a:custGeom>
@@ -20169,7 +20169,7 @@
           </p:nvSpPr>
           <p:spPr>
             <a:xfrm>
-              <a:off x="4805258" y="4386308"/>
+              <a:off x="4804119" y="4388868"/>
               <a:ext cx="27524" cy="17361"/>
             </a:xfrm>
             <a:custGeom>
@@ -20212,7 +20212,7 @@
           </p:nvSpPr>
           <p:spPr>
             <a:xfrm>
-              <a:off x="4903500" y="4347774"/>
+              <a:off x="4902361" y="4350333"/>
               <a:ext cx="53355" cy="97818"/>
             </a:xfrm>
             <a:custGeom>
@@ -20534,7 +20534,7 @@
           </p:nvSpPr>
           <p:spPr>
             <a:xfrm>
-              <a:off x="4918744" y="4373605"/>
+              <a:off x="4917606" y="4376164"/>
               <a:ext cx="22866" cy="37687"/>
             </a:xfrm>
             <a:custGeom>
@@ -20631,7 +20631,7 @@
           </p:nvSpPr>
           <p:spPr>
             <a:xfrm>
-              <a:off x="4859037" y="4348621"/>
+              <a:off x="4857898" y="4351180"/>
               <a:ext cx="45309" cy="22019"/>
             </a:xfrm>
             <a:custGeom>
@@ -20740,7 +20740,7 @@
           </p:nvSpPr>
           <p:spPr>
             <a:xfrm>
-              <a:off x="4886138" y="4372758"/>
+              <a:off x="4884999" y="4375317"/>
               <a:ext cx="18632" cy="22019"/>
             </a:xfrm>
             <a:custGeom>
@@ -20837,7 +20837,7 @@
           </p:nvSpPr>
           <p:spPr>
             <a:xfrm>
-              <a:off x="4857343" y="4373181"/>
+              <a:off x="4856204" y="4375741"/>
               <a:ext cx="19902" cy="24983"/>
             </a:xfrm>
             <a:custGeom>
@@ -20934,7 +20934,7 @@
           </p:nvSpPr>
           <p:spPr>
             <a:xfrm>
-              <a:off x="4857766" y="4391813"/>
+              <a:off x="4856628" y="4394373"/>
               <a:ext cx="45733" cy="53355"/>
             </a:xfrm>
             <a:custGeom>
@@ -21217,7 +21217,7 @@
           </p:nvSpPr>
           <p:spPr>
             <a:xfrm>
-              <a:off x="4967442" y="4351585"/>
+              <a:off x="4966303" y="4354144"/>
               <a:ext cx="96971" cy="94007"/>
             </a:xfrm>
             <a:custGeom>
@@ -21422,7 +21422,7 @@
           </p:nvSpPr>
           <p:spPr>
             <a:xfrm>
-              <a:off x="4986497" y="4359630"/>
+              <a:off x="4985359" y="4362190"/>
               <a:ext cx="24983" cy="10586"/>
             </a:xfrm>
             <a:custGeom>
@@ -21465,7 +21465,7 @@
           </p:nvSpPr>
           <p:spPr>
             <a:xfrm>
-              <a:off x="5019950" y="4359630"/>
+              <a:off x="5018812" y="4362190"/>
               <a:ext cx="25407" cy="10586"/>
             </a:xfrm>
             <a:custGeom>
@@ -21508,7 +21508,7 @@
           </p:nvSpPr>
           <p:spPr>
             <a:xfrm>
-              <a:off x="4986497" y="4377416"/>
+              <a:off x="4985359" y="4379975"/>
               <a:ext cx="24983" cy="10162"/>
             </a:xfrm>
             <a:custGeom>
@@ -21551,7 +21551,7 @@
           </p:nvSpPr>
           <p:spPr>
             <a:xfrm>
-              <a:off x="5019950" y="4377416"/>
+              <a:off x="5018812" y="4379975"/>
               <a:ext cx="25407" cy="10162"/>
             </a:xfrm>
             <a:custGeom>
@@ -21594,7 +21594,7 @@
           </p:nvSpPr>
           <p:spPr>
             <a:xfrm>
-              <a:off x="5076270" y="4352008"/>
+              <a:off x="5075132" y="4354568"/>
               <a:ext cx="96548" cy="93160"/>
             </a:xfrm>
             <a:custGeom>
@@ -21901,7 +21901,7 @@
           </p:nvSpPr>
           <p:spPr>
             <a:xfrm>
-              <a:off x="5187639" y="4346927"/>
+              <a:off x="5186501" y="4349486"/>
               <a:ext cx="90619" cy="27948"/>
             </a:xfrm>
             <a:custGeom>
@@ -22022,7 +22022,7 @@
           </p:nvSpPr>
           <p:spPr>
             <a:xfrm>
-              <a:off x="5184675" y="4377839"/>
+              <a:off x="5183537" y="4380399"/>
               <a:ext cx="97395" cy="66906"/>
             </a:xfrm>
             <a:custGeom>
@@ -22311,7 +22311,7 @@
           </p:nvSpPr>
           <p:spPr>
             <a:xfrm>
-              <a:off x="2221187" y="5132722"/>
+              <a:off x="2219493" y="5135993"/>
               <a:ext cx="95277" cy="92313"/>
             </a:xfrm>
             <a:custGeom>
@@ -22459,7 +22459,7 @@
           </p:nvSpPr>
           <p:spPr>
             <a:xfrm>
-              <a:off x="2278777" y="5159400"/>
+              <a:off x="2277083" y="5162671"/>
               <a:ext cx="41498" cy="41075"/>
             </a:xfrm>
             <a:custGeom>
@@ -22556,7 +22556,7 @@
           </p:nvSpPr>
           <p:spPr>
             <a:xfrm>
-              <a:off x="2330439" y="5126794"/>
+              <a:off x="2328745" y="5130064"/>
               <a:ext cx="97818" cy="45309"/>
             </a:xfrm>
             <a:custGeom>
@@ -22746,7 +22746,7 @@
           </p:nvSpPr>
           <p:spPr>
             <a:xfrm>
-              <a:off x="2357117" y="5161517"/>
+              <a:off x="2355423" y="5164788"/>
               <a:ext cx="44462" cy="8045"/>
             </a:xfrm>
             <a:custGeom>
@@ -22789,7 +22789,7 @@
           </p:nvSpPr>
           <p:spPr>
             <a:xfrm>
-              <a:off x="2334673" y="5181420"/>
+              <a:off x="2332979" y="5184690"/>
               <a:ext cx="88925" cy="43616"/>
             </a:xfrm>
             <a:custGeom>
@@ -23054,8 +23054,8 @@
           </p:nvSpPr>
           <p:spPr>
             <a:xfrm>
-              <a:off x="2019661" y="1590617"/>
-              <a:ext cx="6917431" cy="4055309"/>
+              <a:off x="2017917" y="1590617"/>
+              <a:ext cx="6919174" cy="4059006"/>
             </a:xfrm>
             <a:prstGeom prst="rect">
               <a:avLst/>
@@ -23084,7 +23084,7 @@
           </p:nvSpPr>
           <p:spPr>
             <a:xfrm>
-              <a:off x="1926148" y="5139561"/>
+              <a:off x="1924405" y="5142832"/>
               <a:ext cx="55607" cy="77980"/>
             </a:xfrm>
             <a:custGeom>
@@ -23916,7 +23916,7 @@
           </p:nvSpPr>
           <p:spPr>
             <a:xfrm>
-              <a:off x="1924402" y="4359694"/>
+              <a:off x="1922659" y="4362253"/>
               <a:ext cx="59863" cy="76889"/>
             </a:xfrm>
             <a:custGeom>
@@ -23980,7 +23980,7 @@
           </p:nvSpPr>
           <p:spPr>
             <a:xfrm>
-              <a:off x="1936899" y="4373680"/>
+              <a:off x="1935155" y="4376240"/>
               <a:ext cx="22952" cy="35836"/>
             </a:xfrm>
             <a:custGeom>
@@ -24257,7 +24257,7 @@
           </p:nvSpPr>
           <p:spPr>
             <a:xfrm>
-              <a:off x="1925275" y="3578681"/>
+              <a:off x="1923532" y="3580529"/>
               <a:ext cx="55552" cy="79290"/>
             </a:xfrm>
             <a:custGeom>
@@ -25126,7 +25126,7 @@
                     <a:pt x="10815" y="4673"/>
                   </a:lnTo>
                   <a:lnTo>
-                    <a:pt x="11555" y="4191"/>
+                    <a:pt x="11555" y="4190"/>
                   </a:lnTo>
                   <a:lnTo>
                     <a:pt x="12317" y="3735"/>
@@ -25180,7 +25180,7 @@
                     <a:pt x="26919" y="13"/>
                   </a:lnTo>
                   <a:lnTo>
-                    <a:pt x="27939" y="0"/>
+                    <a:pt x="27940" y="0"/>
                   </a:lnTo>
                   <a:lnTo>
                     <a:pt x="29274" y="16"/>
@@ -25566,7 +25566,7 @@
           </p:nvSpPr>
           <p:spPr>
             <a:xfrm>
-              <a:off x="1926585" y="2798813"/>
+              <a:off x="1924841" y="2799951"/>
               <a:ext cx="53806" cy="78035"/>
             </a:xfrm>
             <a:custGeom>
@@ -26332,7 +26332,7 @@
           </p:nvSpPr>
           <p:spPr>
             <a:xfrm>
-              <a:off x="1929750" y="2020092"/>
+              <a:off x="1928007" y="2020519"/>
               <a:ext cx="52005" cy="76889"/>
             </a:xfrm>
             <a:custGeom>
@@ -26396,7 +26396,7 @@
           </p:nvSpPr>
           <p:spPr>
             <a:xfrm>
-              <a:off x="1984866" y="5178006"/>
+              <a:off x="1983123" y="5181276"/>
               <a:ext cx="34794" cy="0"/>
             </a:xfrm>
             <a:custGeom>
@@ -26436,7 +26436,7 @@
           </p:nvSpPr>
           <p:spPr>
             <a:xfrm>
-              <a:off x="1984866" y="4398139"/>
+              <a:off x="1983123" y="4400698"/>
               <a:ext cx="34794" cy="0"/>
             </a:xfrm>
             <a:custGeom>
@@ -26476,7 +26476,7 @@
           </p:nvSpPr>
           <p:spPr>
             <a:xfrm>
-              <a:off x="1984866" y="3618271"/>
+              <a:off x="1983123" y="3620120"/>
               <a:ext cx="34794" cy="0"/>
             </a:xfrm>
             <a:custGeom>
@@ -26516,7 +26516,7 @@
           </p:nvSpPr>
           <p:spPr>
             <a:xfrm>
-              <a:off x="1984866" y="2838404"/>
+              <a:off x="1983123" y="2839542"/>
               <a:ext cx="34794" cy="0"/>
             </a:xfrm>
             <a:custGeom>
@@ -26556,7 +26556,7 @@
           </p:nvSpPr>
           <p:spPr>
             <a:xfrm>
-              <a:off x="1984866" y="2058537"/>
+              <a:off x="1983123" y="2058964"/>
               <a:ext cx="34794" cy="0"/>
             </a:xfrm>
             <a:custGeom>
@@ -26596,7 +26596,7 @@
           </p:nvSpPr>
           <p:spPr>
             <a:xfrm>
-              <a:off x="2019661" y="5645926"/>
+              <a:off x="2017917" y="5649623"/>
               <a:ext cx="0" cy="34794"/>
             </a:xfrm>
             <a:custGeom>
@@ -26636,7 +26636,7 @@
           </p:nvSpPr>
           <p:spPr>
             <a:xfrm>
-              <a:off x="3771157" y="5645926"/>
+              <a:off x="3769855" y="5649623"/>
               <a:ext cx="0" cy="34794"/>
             </a:xfrm>
             <a:custGeom>
@@ -26676,7 +26676,7 @@
           </p:nvSpPr>
           <p:spPr>
             <a:xfrm>
-              <a:off x="5522654" y="5645926"/>
+              <a:off x="5521794" y="5649623"/>
               <a:ext cx="0" cy="34794"/>
             </a:xfrm>
             <a:custGeom>
@@ -26716,7 +26716,7 @@
           </p:nvSpPr>
           <p:spPr>
             <a:xfrm>
-              <a:off x="7274151" y="5645926"/>
+              <a:off x="7273732" y="5649623"/>
               <a:ext cx="0" cy="34794"/>
             </a:xfrm>
             <a:custGeom>
@@ -26756,7 +26756,7 @@
           </p:nvSpPr>
           <p:spPr>
             <a:xfrm>
-              <a:off x="1992948" y="5707410"/>
+              <a:off x="1991205" y="5711107"/>
               <a:ext cx="53424" cy="79126"/>
             </a:xfrm>
             <a:custGeom>
@@ -27199,7 +27199,7 @@
                     <a:pt x="48312" y="12306"/>
                   </a:lnTo>
                   <a:lnTo>
-                    <a:pt x="48894" y="13492"/>
+                    <a:pt x="48895" y="13492"/>
                   </a:lnTo>
                   <a:lnTo>
                     <a:pt x="49447" y="14740"/>
@@ -27267,7 +27267,7 @@
           </p:nvSpPr>
           <p:spPr>
             <a:xfrm>
-              <a:off x="2002880" y="5715377"/>
+              <a:off x="2001137" y="5719075"/>
               <a:ext cx="33506" cy="63137"/>
             </a:xfrm>
             <a:custGeom>
@@ -27778,7 +27778,7 @@
           </p:nvSpPr>
           <p:spPr>
             <a:xfrm>
-              <a:off x="3682399" y="5708556"/>
+              <a:off x="3681097" y="5712253"/>
               <a:ext cx="52987" cy="77980"/>
             </a:xfrm>
             <a:custGeom>
@@ -28730,7 +28730,7 @@
           </p:nvSpPr>
           <p:spPr>
             <a:xfrm>
-              <a:off x="3744445" y="5707410"/>
+              <a:off x="3743143" y="5711107"/>
               <a:ext cx="53424" cy="79126"/>
             </a:xfrm>
             <a:custGeom>
@@ -29241,7 +29241,7 @@
           </p:nvSpPr>
           <p:spPr>
             <a:xfrm>
-              <a:off x="3754377" y="5715377"/>
+              <a:off x="3753075" y="5719075"/>
               <a:ext cx="33506" cy="63137"/>
             </a:xfrm>
             <a:custGeom>
@@ -29752,7 +29752,7 @@
           </p:nvSpPr>
           <p:spPr>
             <a:xfrm>
-              <a:off x="3806601" y="5707410"/>
+              <a:off x="3805299" y="5711107"/>
               <a:ext cx="53424" cy="79126"/>
             </a:xfrm>
             <a:custGeom>
@@ -30263,7 +30263,7 @@
           </p:nvSpPr>
           <p:spPr>
             <a:xfrm>
-              <a:off x="3816533" y="5715377"/>
+              <a:off x="3815231" y="5719075"/>
               <a:ext cx="33506" cy="63137"/>
             </a:xfrm>
             <a:custGeom>
@@ -30774,7 +30774,7 @@
           </p:nvSpPr>
           <p:spPr>
             <a:xfrm>
-              <a:off x="5406856" y="5708556"/>
+              <a:off x="5405995" y="5712253"/>
               <a:ext cx="48185" cy="76889"/>
             </a:xfrm>
             <a:custGeom>
@@ -30838,7 +30838,7 @@
           </p:nvSpPr>
           <p:spPr>
             <a:xfrm>
-              <a:off x="5464864" y="5707410"/>
+              <a:off x="5464004" y="5711107"/>
               <a:ext cx="53424" cy="79126"/>
             </a:xfrm>
             <a:custGeom>
@@ -31349,7 +31349,7 @@
           </p:nvSpPr>
           <p:spPr>
             <a:xfrm>
-              <a:off x="5474796" y="5715377"/>
+              <a:off x="5473935" y="5719075"/>
               <a:ext cx="33506" cy="63137"/>
             </a:xfrm>
             <a:custGeom>
@@ -31860,7 +31860,7 @@
           </p:nvSpPr>
           <p:spPr>
             <a:xfrm>
-              <a:off x="5527020" y="5707410"/>
+              <a:off x="5526159" y="5711107"/>
               <a:ext cx="53424" cy="79126"/>
             </a:xfrm>
             <a:custGeom>
@@ -32371,7 +32371,7 @@
           </p:nvSpPr>
           <p:spPr>
             <a:xfrm>
-              <a:off x="5536952" y="5715377"/>
+              <a:off x="5536091" y="5719075"/>
               <a:ext cx="33506" cy="63137"/>
             </a:xfrm>
             <a:custGeom>
@@ -32882,7 +32882,7 @@
           </p:nvSpPr>
           <p:spPr>
             <a:xfrm>
-              <a:off x="5589175" y="5707410"/>
+              <a:off x="5588315" y="5711107"/>
               <a:ext cx="53424" cy="79126"/>
             </a:xfrm>
             <a:custGeom>
@@ -33393,7 +33393,7 @@
           </p:nvSpPr>
           <p:spPr>
             <a:xfrm>
-              <a:off x="5599107" y="5715377"/>
+              <a:off x="5598247" y="5719075"/>
               <a:ext cx="33506" cy="63137"/>
             </a:xfrm>
             <a:custGeom>
@@ -33904,7 +33904,7 @@
           </p:nvSpPr>
           <p:spPr>
             <a:xfrm>
-              <a:off x="7158353" y="5708556"/>
+              <a:off x="7157934" y="5712253"/>
               <a:ext cx="48185" cy="76889"/>
             </a:xfrm>
             <a:custGeom>
@@ -33968,7 +33968,7 @@
           </p:nvSpPr>
           <p:spPr>
             <a:xfrm>
-              <a:off x="7216470" y="5708556"/>
+              <a:off x="7216051" y="5712253"/>
               <a:ext cx="52987" cy="77980"/>
             </a:xfrm>
             <a:custGeom>
@@ -34920,7 +34920,7 @@
           </p:nvSpPr>
           <p:spPr>
             <a:xfrm>
-              <a:off x="7278517" y="5707410"/>
+              <a:off x="7278097" y="5711107"/>
               <a:ext cx="53424" cy="79126"/>
             </a:xfrm>
             <a:custGeom>
@@ -35431,7 +35431,7 @@
           </p:nvSpPr>
           <p:spPr>
             <a:xfrm>
-              <a:off x="7288448" y="5715377"/>
+              <a:off x="7288029" y="5719075"/>
               <a:ext cx="33506" cy="63137"/>
             </a:xfrm>
             <a:custGeom>
@@ -35942,7 +35942,7 @@
           </p:nvSpPr>
           <p:spPr>
             <a:xfrm>
-              <a:off x="7340672" y="5707410"/>
+              <a:off x="7340253" y="5711107"/>
               <a:ext cx="53424" cy="79126"/>
             </a:xfrm>
             <a:custGeom>
@@ -36453,7 +36453,7 @@
           </p:nvSpPr>
           <p:spPr>
             <a:xfrm>
-              <a:off x="7350604" y="5715377"/>
+              <a:off x="7350185" y="5719075"/>
               <a:ext cx="33506" cy="63137"/>
             </a:xfrm>
             <a:custGeom>
